--- a/Deliverable 1/SuperSpheres(1).pptx
+++ b/Deliverable 1/SuperSpheres(1).pptx
@@ -20,6 +20,7 @@
     <p:sldId id="265" r:id="rId16"/>
     <p:sldId id="266" r:id="rId17"/>
     <p:sldId id="267" r:id="rId18"/>
+    <p:sldId id="268" r:id="rId19"/>
   </p:sldIdLst>
   <p:sldSz cy="5143500" cx="9144000"/>
   <p:notesSz cx="6858000" cy="9144000"/>
@@ -1093,12 +1094,12 @@
 </p:notes>
 </file>
 
-<file path=ppt/notesSlides/notesSlide2.xml><?xml version="1.0" encoding="utf-8"?>
+<file path=ppt/notesSlides/notesSlide13.xml><?xml version="1.0" encoding="utf-8"?>
 <p:notes xmlns:a="http://schemas.openxmlformats.org/drawingml/2006/main" xmlns:r="http://schemas.openxmlformats.org/officeDocument/2006/relationships" xmlns:mc="http://schemas.openxmlformats.org/markup-compatibility/2006" xmlns:mv="urn:schemas-microsoft-com:mac:vml" xmlns:p="http://schemas.openxmlformats.org/presentationml/2006/main" xmlns:c="http://schemas.openxmlformats.org/drawingml/2006/chart" xmlns:dgm="http://schemas.openxmlformats.org/drawingml/2006/diagram" xmlns:o="urn:schemas-microsoft-com:office:office" xmlns:v="urn:schemas-microsoft-com:vml" xmlns:pvml="urn:schemas-microsoft-com:office:powerpoint" xmlns:com="http://schemas.openxmlformats.org/drawingml/2006/compatibility" xmlns:p14="http://schemas.microsoft.com/office/powerpoint/2010/main" xmlns:p15="http://schemas.microsoft.com/office/powerpoint/2012/main" xmlns:ahyp="http://schemas.microsoft.com/office/drawing/2018/hyperlinkcolor" showMasterPhAnim="0" showMasterSp="0">
   <p:cSld>
     <p:spTree>
       <p:nvGrpSpPr>
-        <p:cNvPr id="56" name="Shape 56"/>
+        <p:cNvPr id="124" name="Shape 124"/>
         <p:cNvGrpSpPr/>
         <p:nvPr/>
       </p:nvGrpSpPr>
@@ -1112,7 +1113,7 @@
       </p:grpSpPr>
       <p:sp>
         <p:nvSpPr>
-          <p:cNvPr id="57" name="Google Shape;57;g32f32a94a1b_0_50:notes"/>
+          <p:cNvPr id="125" name="Google Shape;125;g32c7ba3903d_1_141:notes"/>
           <p:cNvSpPr/>
           <p:nvPr>
             <p:ph idx="2" type="sldImg"/>
@@ -1147,7 +1148,7 @@
       </p:sp>
       <p:sp>
         <p:nvSpPr>
-          <p:cNvPr id="58" name="Google Shape;58;g32f32a94a1b_0_50:notes"/>
+          <p:cNvPr id="126" name="Google Shape;126;g32c7ba3903d_1_141:notes"/>
           <p:cNvSpPr txBox="1"/>
           <p:nvPr>
             <p:ph idx="1" type="body"/>
@@ -1192,12 +1193,12 @@
 </p:notes>
 </file>
 
-<file path=ppt/notesSlides/notesSlide3.xml><?xml version="1.0" encoding="utf-8"?>
+<file path=ppt/notesSlides/notesSlide2.xml><?xml version="1.0" encoding="utf-8"?>
 <p:notes xmlns:a="http://schemas.openxmlformats.org/drawingml/2006/main" xmlns:r="http://schemas.openxmlformats.org/officeDocument/2006/relationships" xmlns:mc="http://schemas.openxmlformats.org/markup-compatibility/2006" xmlns:mv="urn:schemas-microsoft-com:mac:vml" xmlns:p="http://schemas.openxmlformats.org/presentationml/2006/main" xmlns:c="http://schemas.openxmlformats.org/drawingml/2006/chart" xmlns:dgm="http://schemas.openxmlformats.org/drawingml/2006/diagram" xmlns:o="urn:schemas-microsoft-com:office:office" xmlns:v="urn:schemas-microsoft-com:vml" xmlns:pvml="urn:schemas-microsoft-com:office:powerpoint" xmlns:com="http://schemas.openxmlformats.org/drawingml/2006/compatibility" xmlns:p14="http://schemas.microsoft.com/office/powerpoint/2010/main" xmlns:p15="http://schemas.microsoft.com/office/powerpoint/2012/main" xmlns:ahyp="http://schemas.microsoft.com/office/drawing/2018/hyperlinkcolor" showMasterPhAnim="0" showMasterSp="0">
   <p:cSld>
     <p:spTree>
       <p:nvGrpSpPr>
-        <p:cNvPr id="62" name="Shape 62"/>
+        <p:cNvPr id="56" name="Shape 56"/>
         <p:cNvGrpSpPr/>
         <p:nvPr/>
       </p:nvGrpSpPr>
@@ -1211,7 +1212,7 @@
       </p:grpSpPr>
       <p:sp>
         <p:nvSpPr>
-          <p:cNvPr id="63" name="Google Shape;63;g32f32a94a1b_0_61:notes"/>
+          <p:cNvPr id="57" name="Google Shape;57;g32c7ba3903d_1_135:notes"/>
           <p:cNvSpPr/>
           <p:nvPr>
             <p:ph idx="2" type="sldImg"/>
@@ -1246,7 +1247,7 @@
       </p:sp>
       <p:sp>
         <p:nvSpPr>
-          <p:cNvPr id="64" name="Google Shape;64;g32f32a94a1b_0_61:notes"/>
+          <p:cNvPr id="58" name="Google Shape;58;g32c7ba3903d_1_135:notes"/>
           <p:cNvSpPr txBox="1"/>
           <p:nvPr>
             <p:ph idx="1" type="body"/>
@@ -1291,12 +1292,12 @@
 </p:notes>
 </file>
 
-<file path=ppt/notesSlides/notesSlide4.xml><?xml version="1.0" encoding="utf-8"?>
+<file path=ppt/notesSlides/notesSlide3.xml><?xml version="1.0" encoding="utf-8"?>
 <p:notes xmlns:a="http://schemas.openxmlformats.org/drawingml/2006/main" xmlns:r="http://schemas.openxmlformats.org/officeDocument/2006/relationships" xmlns:mc="http://schemas.openxmlformats.org/markup-compatibility/2006" xmlns:mv="urn:schemas-microsoft-com:mac:vml" xmlns:p="http://schemas.openxmlformats.org/presentationml/2006/main" xmlns:c="http://schemas.openxmlformats.org/drawingml/2006/chart" xmlns:dgm="http://schemas.openxmlformats.org/drawingml/2006/diagram" xmlns:o="urn:schemas-microsoft-com:office:office" xmlns:v="urn:schemas-microsoft-com:vml" xmlns:pvml="urn:schemas-microsoft-com:office:powerpoint" xmlns:com="http://schemas.openxmlformats.org/drawingml/2006/compatibility" xmlns:p14="http://schemas.microsoft.com/office/powerpoint/2010/main" xmlns:p15="http://schemas.microsoft.com/office/powerpoint/2012/main" xmlns:ahyp="http://schemas.microsoft.com/office/drawing/2018/hyperlinkcolor" showMasterPhAnim="0" showMasterSp="0">
   <p:cSld>
     <p:spTree>
       <p:nvGrpSpPr>
-        <p:cNvPr id="68" name="Shape 68"/>
+        <p:cNvPr id="63" name="Shape 63"/>
         <p:cNvGrpSpPr/>
         <p:nvPr/>
       </p:nvGrpSpPr>
@@ -1310,7 +1311,7 @@
       </p:grpSpPr>
       <p:sp>
         <p:nvSpPr>
-          <p:cNvPr id="69" name="Google Shape;69;g32f32a94a1b_0_56:notes"/>
+          <p:cNvPr id="64" name="Google Shape;64;g32f32a94a1b_0_50:notes"/>
           <p:cNvSpPr/>
           <p:nvPr>
             <p:ph idx="2" type="sldImg"/>
@@ -1345,7 +1346,7 @@
       </p:sp>
       <p:sp>
         <p:nvSpPr>
-          <p:cNvPr id="70" name="Google Shape;70;g32f32a94a1b_0_56:notes"/>
+          <p:cNvPr id="65" name="Google Shape;65;g32f32a94a1b_0_50:notes"/>
           <p:cNvSpPr txBox="1"/>
           <p:nvPr>
             <p:ph idx="1" type="body"/>
@@ -1390,12 +1391,12 @@
 </p:notes>
 </file>
 
-<file path=ppt/notesSlides/notesSlide5.xml><?xml version="1.0" encoding="utf-8"?>
+<file path=ppt/notesSlides/notesSlide4.xml><?xml version="1.0" encoding="utf-8"?>
 <p:notes xmlns:a="http://schemas.openxmlformats.org/drawingml/2006/main" xmlns:r="http://schemas.openxmlformats.org/officeDocument/2006/relationships" xmlns:mc="http://schemas.openxmlformats.org/markup-compatibility/2006" xmlns:mv="urn:schemas-microsoft-com:mac:vml" xmlns:p="http://schemas.openxmlformats.org/presentationml/2006/main" xmlns:c="http://schemas.openxmlformats.org/drawingml/2006/chart" xmlns:dgm="http://schemas.openxmlformats.org/drawingml/2006/diagram" xmlns:o="urn:schemas-microsoft-com:office:office" xmlns:v="urn:schemas-microsoft-com:vml" xmlns:pvml="urn:schemas-microsoft-com:office:powerpoint" xmlns:com="http://schemas.openxmlformats.org/drawingml/2006/compatibility" xmlns:p14="http://schemas.microsoft.com/office/powerpoint/2010/main" xmlns:p15="http://schemas.microsoft.com/office/powerpoint/2012/main" xmlns:ahyp="http://schemas.microsoft.com/office/drawing/2018/hyperlinkcolor" showMasterPhAnim="0" showMasterSp="0">
   <p:cSld>
     <p:spTree>
       <p:nvGrpSpPr>
-        <p:cNvPr id="74" name="Shape 74"/>
+        <p:cNvPr id="69" name="Shape 69"/>
         <p:cNvGrpSpPr/>
         <p:nvPr/>
       </p:nvGrpSpPr>
@@ -1409,7 +1410,7 @@
       </p:grpSpPr>
       <p:sp>
         <p:nvSpPr>
-          <p:cNvPr id="75" name="Google Shape;75;g32f32a94a1b_0_66:notes"/>
+          <p:cNvPr id="70" name="Google Shape;70;g32f32a94a1b_0_61:notes"/>
           <p:cNvSpPr/>
           <p:nvPr>
             <p:ph idx="2" type="sldImg"/>
@@ -1444,7 +1445,7 @@
       </p:sp>
       <p:sp>
         <p:nvSpPr>
-          <p:cNvPr id="76" name="Google Shape;76;g32f32a94a1b_0_66:notes"/>
+          <p:cNvPr id="71" name="Google Shape;71;g32f32a94a1b_0_61:notes"/>
           <p:cNvSpPr txBox="1"/>
           <p:nvPr>
             <p:ph idx="1" type="body"/>
@@ -1489,12 +1490,12 @@
 </p:notes>
 </file>
 
-<file path=ppt/notesSlides/notesSlide6.xml><?xml version="1.0" encoding="utf-8"?>
+<file path=ppt/notesSlides/notesSlide5.xml><?xml version="1.0" encoding="utf-8"?>
 <p:notes xmlns:a="http://schemas.openxmlformats.org/drawingml/2006/main" xmlns:r="http://schemas.openxmlformats.org/officeDocument/2006/relationships" xmlns:mc="http://schemas.openxmlformats.org/markup-compatibility/2006" xmlns:mv="urn:schemas-microsoft-com:mac:vml" xmlns:p="http://schemas.openxmlformats.org/presentationml/2006/main" xmlns:c="http://schemas.openxmlformats.org/drawingml/2006/chart" xmlns:dgm="http://schemas.openxmlformats.org/drawingml/2006/diagram" xmlns:o="urn:schemas-microsoft-com:office:office" xmlns:v="urn:schemas-microsoft-com:vml" xmlns:pvml="urn:schemas-microsoft-com:office:powerpoint" xmlns:com="http://schemas.openxmlformats.org/drawingml/2006/compatibility" xmlns:p14="http://schemas.microsoft.com/office/powerpoint/2010/main" xmlns:p15="http://schemas.microsoft.com/office/powerpoint/2012/main" xmlns:ahyp="http://schemas.microsoft.com/office/drawing/2018/hyperlinkcolor" showMasterPhAnim="0" showMasterSp="0">
   <p:cSld>
     <p:spTree>
       <p:nvGrpSpPr>
-        <p:cNvPr id="80" name="Shape 80"/>
+        <p:cNvPr id="75" name="Shape 75"/>
         <p:cNvGrpSpPr/>
         <p:nvPr/>
       </p:nvGrpSpPr>
@@ -1508,7 +1509,7 @@
       </p:grpSpPr>
       <p:sp>
         <p:nvSpPr>
-          <p:cNvPr id="81" name="Google Shape;81;g32f32a94a1b_0_101:notes"/>
+          <p:cNvPr id="76" name="Google Shape;76;g32f32a94a1b_0_56:notes"/>
           <p:cNvSpPr/>
           <p:nvPr>
             <p:ph idx="2" type="sldImg"/>
@@ -1543,7 +1544,7 @@
       </p:sp>
       <p:sp>
         <p:nvSpPr>
-          <p:cNvPr id="82" name="Google Shape;82;g32f32a94a1b_0_101:notes"/>
+          <p:cNvPr id="77" name="Google Shape;77;g32f32a94a1b_0_56:notes"/>
           <p:cNvSpPr txBox="1"/>
           <p:nvPr>
             <p:ph idx="1" type="body"/>
@@ -1588,12 +1589,12 @@
 </p:notes>
 </file>
 
-<file path=ppt/notesSlides/notesSlide7.xml><?xml version="1.0" encoding="utf-8"?>
+<file path=ppt/notesSlides/notesSlide6.xml><?xml version="1.0" encoding="utf-8"?>
 <p:notes xmlns:a="http://schemas.openxmlformats.org/drawingml/2006/main" xmlns:r="http://schemas.openxmlformats.org/officeDocument/2006/relationships" xmlns:mc="http://schemas.openxmlformats.org/markup-compatibility/2006" xmlns:mv="urn:schemas-microsoft-com:mac:vml" xmlns:p="http://schemas.openxmlformats.org/presentationml/2006/main" xmlns:c="http://schemas.openxmlformats.org/drawingml/2006/chart" xmlns:dgm="http://schemas.openxmlformats.org/drawingml/2006/diagram" xmlns:o="urn:schemas-microsoft-com:office:office" xmlns:v="urn:schemas-microsoft-com:vml" xmlns:pvml="urn:schemas-microsoft-com:office:powerpoint" xmlns:com="http://schemas.openxmlformats.org/drawingml/2006/compatibility" xmlns:p14="http://schemas.microsoft.com/office/powerpoint/2010/main" xmlns:p15="http://schemas.microsoft.com/office/powerpoint/2012/main" xmlns:ahyp="http://schemas.microsoft.com/office/drawing/2018/hyperlinkcolor" showMasterPhAnim="0" showMasterSp="0">
   <p:cSld>
     <p:spTree>
       <p:nvGrpSpPr>
-        <p:cNvPr id="86" name="Shape 86"/>
+        <p:cNvPr id="81" name="Shape 81"/>
         <p:cNvGrpSpPr/>
         <p:nvPr/>
       </p:nvGrpSpPr>
@@ -1607,7 +1608,7 @@
       </p:grpSpPr>
       <p:sp>
         <p:nvSpPr>
-          <p:cNvPr id="87" name="Google Shape;87;g32f32a94a1b_0_71:notes"/>
+          <p:cNvPr id="82" name="Google Shape;82;g32f32a94a1b_0_66:notes"/>
           <p:cNvSpPr/>
           <p:nvPr>
             <p:ph idx="2" type="sldImg"/>
@@ -1642,7 +1643,7 @@
       </p:sp>
       <p:sp>
         <p:nvSpPr>
-          <p:cNvPr id="88" name="Google Shape;88;g32f32a94a1b_0_71:notes"/>
+          <p:cNvPr id="83" name="Google Shape;83;g32f32a94a1b_0_66:notes"/>
           <p:cNvSpPr txBox="1"/>
           <p:nvPr>
             <p:ph idx="1" type="body"/>
@@ -1687,12 +1688,12 @@
 </p:notes>
 </file>
 
-<file path=ppt/notesSlides/notesSlide8.xml><?xml version="1.0" encoding="utf-8"?>
+<file path=ppt/notesSlides/notesSlide7.xml><?xml version="1.0" encoding="utf-8"?>
 <p:notes xmlns:a="http://schemas.openxmlformats.org/drawingml/2006/main" xmlns:r="http://schemas.openxmlformats.org/officeDocument/2006/relationships" xmlns:mc="http://schemas.openxmlformats.org/markup-compatibility/2006" xmlns:mv="urn:schemas-microsoft-com:mac:vml" xmlns:p="http://schemas.openxmlformats.org/presentationml/2006/main" xmlns:c="http://schemas.openxmlformats.org/drawingml/2006/chart" xmlns:dgm="http://schemas.openxmlformats.org/drawingml/2006/diagram" xmlns:o="urn:schemas-microsoft-com:office:office" xmlns:v="urn:schemas-microsoft-com:vml" xmlns:pvml="urn:schemas-microsoft-com:office:powerpoint" xmlns:com="http://schemas.openxmlformats.org/drawingml/2006/compatibility" xmlns:p14="http://schemas.microsoft.com/office/powerpoint/2010/main" xmlns:p15="http://schemas.microsoft.com/office/powerpoint/2012/main" xmlns:ahyp="http://schemas.microsoft.com/office/drawing/2018/hyperlinkcolor" showMasterPhAnim="0" showMasterSp="0">
   <p:cSld>
     <p:spTree>
       <p:nvGrpSpPr>
-        <p:cNvPr id="92" name="Shape 92"/>
+        <p:cNvPr id="87" name="Shape 87"/>
         <p:cNvGrpSpPr/>
         <p:nvPr/>
       </p:nvGrpSpPr>
@@ -1706,7 +1707,7 @@
       </p:grpSpPr>
       <p:sp>
         <p:nvSpPr>
-          <p:cNvPr id="93" name="Google Shape;93;g32c7ba3903d_1_135:notes"/>
+          <p:cNvPr id="88" name="Google Shape;88;g32f32a94a1b_0_101:notes"/>
           <p:cNvSpPr/>
           <p:nvPr>
             <p:ph idx="2" type="sldImg"/>
@@ -1741,7 +1742,106 @@
       </p:sp>
       <p:sp>
         <p:nvSpPr>
-          <p:cNvPr id="94" name="Google Shape;94;g32c7ba3903d_1_135:notes"/>
+          <p:cNvPr id="89" name="Google Shape;89;g32f32a94a1b_0_101:notes"/>
+          <p:cNvSpPr txBox="1"/>
+          <p:nvPr>
+            <p:ph idx="1" type="body"/>
+          </p:nvPr>
+        </p:nvSpPr>
+        <p:spPr>
+          <a:xfrm>
+            <a:off x="685800" y="4343400"/>
+            <a:ext cx="5486400" cy="4114800"/>
+          </a:xfrm>
+          <a:prstGeom prst="rect">
+            <a:avLst/>
+          </a:prstGeom>
+        </p:spPr>
+        <p:txBody>
+          <a:bodyPr anchorCtr="0" anchor="t" bIns="91425" lIns="91425" spcFirstLastPara="1" rIns="91425" wrap="square" tIns="91425">
+            <a:noAutofit/>
+          </a:bodyPr>
+          <a:lstStyle/>
+          <a:p>
+            <a:pPr indent="0" lvl="0" marL="0" rtl="0" algn="l">
+              <a:spcBef>
+                <a:spcPts val="0"/>
+              </a:spcBef>
+              <a:spcAft>
+                <a:spcPts val="0"/>
+              </a:spcAft>
+              <a:buNone/>
+            </a:pPr>
+            <a:r>
+              <a:t/>
+            </a:r>
+            <a:endParaRPr/>
+          </a:p>
+        </p:txBody>
+      </p:sp>
+    </p:spTree>
+  </p:cSld>
+  <p:clrMapOvr>
+    <a:masterClrMapping/>
+  </p:clrMapOvr>
+</p:notes>
+</file>
+
+<file path=ppt/notesSlides/notesSlide8.xml><?xml version="1.0" encoding="utf-8"?>
+<p:notes xmlns:a="http://schemas.openxmlformats.org/drawingml/2006/main" xmlns:r="http://schemas.openxmlformats.org/officeDocument/2006/relationships" xmlns:mc="http://schemas.openxmlformats.org/markup-compatibility/2006" xmlns:mv="urn:schemas-microsoft-com:mac:vml" xmlns:p="http://schemas.openxmlformats.org/presentationml/2006/main" xmlns:c="http://schemas.openxmlformats.org/drawingml/2006/chart" xmlns:dgm="http://schemas.openxmlformats.org/drawingml/2006/diagram" xmlns:o="urn:schemas-microsoft-com:office:office" xmlns:v="urn:schemas-microsoft-com:vml" xmlns:pvml="urn:schemas-microsoft-com:office:powerpoint" xmlns:com="http://schemas.openxmlformats.org/drawingml/2006/compatibility" xmlns:p14="http://schemas.microsoft.com/office/powerpoint/2010/main" xmlns:p15="http://schemas.microsoft.com/office/powerpoint/2012/main" xmlns:ahyp="http://schemas.microsoft.com/office/drawing/2018/hyperlinkcolor" showMasterPhAnim="0" showMasterSp="0">
+  <p:cSld>
+    <p:spTree>
+      <p:nvGrpSpPr>
+        <p:cNvPr id="93" name="Shape 93"/>
+        <p:cNvGrpSpPr/>
+        <p:nvPr/>
+      </p:nvGrpSpPr>
+      <p:grpSpPr>
+        <a:xfrm>
+          <a:off x="0" y="0"/>
+          <a:ext cx="0" cy="0"/>
+          <a:chOff x="0" y="0"/>
+          <a:chExt cx="0" cy="0"/>
+        </a:xfrm>
+      </p:grpSpPr>
+      <p:sp>
+        <p:nvSpPr>
+          <p:cNvPr id="94" name="Google Shape;94;g32f32a94a1b_0_71:notes"/>
+          <p:cNvSpPr/>
+          <p:nvPr>
+            <p:ph idx="2" type="sldImg"/>
+          </p:nvPr>
+        </p:nvSpPr>
+        <p:spPr>
+          <a:xfrm>
+            <a:off x="381300" y="685800"/>
+            <a:ext cx="6096000" cy="3429000"/>
+          </a:xfrm>
+          <a:custGeom>
+            <a:rect b="b" l="l" r="r" t="t"/>
+            <a:pathLst>
+              <a:path extrusionOk="0" h="120000" w="120000">
+                <a:moveTo>
+                  <a:pt x="0" y="0"/>
+                </a:moveTo>
+                <a:lnTo>
+                  <a:pt x="120000" y="0"/>
+                </a:lnTo>
+                <a:lnTo>
+                  <a:pt x="120000" y="120000"/>
+                </a:lnTo>
+                <a:lnTo>
+                  <a:pt x="0" y="120000"/>
+                </a:lnTo>
+                <a:close/>
+              </a:path>
+            </a:pathLst>
+          </a:custGeom>
+        </p:spPr>
+      </p:sp>
+      <p:sp>
+        <p:nvSpPr>
+          <p:cNvPr id="95" name="Google Shape;95;g32f32a94a1b_0_71:notes"/>
           <p:cNvSpPr txBox="1"/>
           <p:nvPr>
             <p:ph idx="1" type="body"/>
@@ -7046,31 +7146,6 @@
               <a:spcAft>
                 <a:spcPts val="0"/>
               </a:spcAft>
-              <a:buSzPts val="2000"/>
-              <a:buChar char="●"/>
-            </a:pPr>
-            <a:r>
-              <a:rPr lang="en-CA" sz="2000">
-                <a:solidFill>
-                  <a:schemeClr val="dk1"/>
-                </a:solidFill>
-              </a:rPr>
-              <a:t>Difficulties may arise as our attempt is set to be in a 3-dimensional space</a:t>
-            </a:r>
-            <a:endParaRPr sz="2000">
-              <a:solidFill>
-                <a:schemeClr val="dk1"/>
-              </a:solidFill>
-            </a:endParaRPr>
-          </a:p>
-          <a:p>
-            <a:pPr indent="-355600" lvl="0" marL="457200" rtl="0" algn="l">
-              <a:spcBef>
-                <a:spcPts val="0"/>
-              </a:spcBef>
-              <a:spcAft>
-                <a:spcPts val="0"/>
-              </a:spcAft>
               <a:buClr>
                 <a:schemeClr val="dk1"/>
               </a:buClr>
@@ -7083,7 +7158,7 @@
                   <a:schemeClr val="dk1"/>
                 </a:solidFill>
               </a:rPr>
-              <a:t>Planetary motion simulations are fairly common and well documented.</a:t>
+              <a:t>May use Scene builder</a:t>
             </a:r>
             <a:endParaRPr sz="2000">
               <a:solidFill>
@@ -7111,15 +7186,63 @@
                   <a:schemeClr val="dk1"/>
                 </a:solidFill>
               </a:rPr>
-              <a:t>Never taught how planetary motion is calculated in our science courses. Must be fully self-</a:t>
+              <a:t>Might use MeshParts (which is a free open javafx code )(for asteroids)</a:t>
             </a:r>
+            <a:endParaRPr sz="2000">
+              <a:solidFill>
+                <a:schemeClr val="dk1"/>
+              </a:solidFill>
+            </a:endParaRPr>
+          </a:p>
+          <a:p>
+            <a:pPr indent="-355600" lvl="0" marL="457200" rtl="0" algn="l">
+              <a:spcBef>
+                <a:spcPts val="0"/>
+              </a:spcBef>
+              <a:spcAft>
+                <a:spcPts val="0"/>
+              </a:spcAft>
+              <a:buClr>
+                <a:schemeClr val="dk1"/>
+              </a:buClr>
+              <a:buSzPts val="2000"/>
+              <a:buChar char="●"/>
+            </a:pPr>
             <a:r>
               <a:rPr lang="en-CA" sz="2000">
                 <a:solidFill>
                   <a:schemeClr val="dk1"/>
                 </a:solidFill>
               </a:rPr>
-              <a:t>taught</a:t>
+              <a:t>Javafx’s containers especially groups</a:t>
+            </a:r>
+            <a:endParaRPr sz="2000">
+              <a:solidFill>
+                <a:schemeClr val="dk1"/>
+              </a:solidFill>
+            </a:endParaRPr>
+          </a:p>
+          <a:p>
+            <a:pPr indent="-355600" lvl="0" marL="457200" rtl="0" algn="l">
+              <a:spcBef>
+                <a:spcPts val="0"/>
+              </a:spcBef>
+              <a:spcAft>
+                <a:spcPts val="0"/>
+              </a:spcAft>
+              <a:buClr>
+                <a:schemeClr val="dk1"/>
+              </a:buClr>
+              <a:buSzPts val="2000"/>
+              <a:buChar char="●"/>
+            </a:pPr>
+            <a:r>
+              <a:rPr lang="en-CA" sz="2000">
+                <a:solidFill>
+                  <a:schemeClr val="dk1"/>
+                </a:solidFill>
+              </a:rPr>
+              <a:t>The scene’s camera</a:t>
             </a:r>
             <a:endParaRPr sz="2000">
               <a:solidFill>
@@ -7268,21 +7391,386 @@
 </p:sld>
 </file>
 
+<file path=ppt/slides/slide13.xml><?xml version="1.0" encoding="utf-8"?>
+<p:sld xmlns:a="http://schemas.openxmlformats.org/drawingml/2006/main" xmlns:r="http://schemas.openxmlformats.org/officeDocument/2006/relationships" xmlns:mc="http://schemas.openxmlformats.org/markup-compatibility/2006" xmlns:mv="urn:schemas-microsoft-com:mac:vml" xmlns:p="http://schemas.openxmlformats.org/presentationml/2006/main" xmlns:c="http://schemas.openxmlformats.org/drawingml/2006/chart" xmlns:dgm="http://schemas.openxmlformats.org/drawingml/2006/diagram" xmlns:o="urn:schemas-microsoft-com:office:office" xmlns:v="urn:schemas-microsoft-com:vml" xmlns:pvml="urn:schemas-microsoft-com:office:powerpoint" xmlns:com="http://schemas.openxmlformats.org/drawingml/2006/compatibility" xmlns:p14="http://schemas.microsoft.com/office/powerpoint/2010/main" xmlns:p15="http://schemas.microsoft.com/office/powerpoint/2012/main" xmlns:ahyp="http://schemas.microsoft.com/office/drawing/2018/hyperlinkcolor">
+  <p:cSld>
+    <p:spTree>
+      <p:nvGrpSpPr>
+        <p:cNvPr id="127" name="Shape 127"/>
+        <p:cNvGrpSpPr/>
+        <p:nvPr/>
+      </p:nvGrpSpPr>
+      <p:grpSpPr>
+        <a:xfrm>
+          <a:off x="0" y="0"/>
+          <a:ext cx="0" cy="0"/>
+          <a:chOff x="0" y="0"/>
+          <a:chExt cx="0" cy="0"/>
+        </a:xfrm>
+      </p:grpSpPr>
+      <p:sp>
+        <p:nvSpPr>
+          <p:cNvPr id="128" name="Google Shape;128;p25"/>
+          <p:cNvSpPr txBox="1"/>
+          <p:nvPr>
+            <p:ph type="title"/>
+          </p:nvPr>
+        </p:nvSpPr>
+        <p:spPr>
+          <a:xfrm>
+            <a:off x="311700" y="445025"/>
+            <a:ext cx="8520600" cy="572700"/>
+          </a:xfrm>
+          <a:prstGeom prst="rect">
+            <a:avLst/>
+          </a:prstGeom>
+        </p:spPr>
+        <p:txBody>
+          <a:bodyPr anchorCtr="0" anchor="t" bIns="91425" lIns="91425" spcFirstLastPara="1" rIns="91425" wrap="square" tIns="91425">
+            <a:normAutofit fontScale="90000"/>
+          </a:bodyPr>
+          <a:lstStyle/>
+          <a:p>
+            <a:pPr indent="0" lvl="0" marL="0" rtl="0" algn="l">
+              <a:spcBef>
+                <a:spcPts val="0"/>
+              </a:spcBef>
+              <a:spcAft>
+                <a:spcPts val="0"/>
+              </a:spcAft>
+              <a:buNone/>
+            </a:pPr>
+            <a:r>
+              <a:rPr lang="en-CA"/>
+              <a:t>Task division</a:t>
+            </a:r>
+            <a:endParaRPr/>
+          </a:p>
+        </p:txBody>
+      </p:sp>
+      <p:sp>
+        <p:nvSpPr>
+          <p:cNvPr id="129" name="Google Shape;129;p25"/>
+          <p:cNvSpPr txBox="1"/>
+          <p:nvPr>
+            <p:ph idx="1" type="body"/>
+          </p:nvPr>
+        </p:nvSpPr>
+        <p:spPr>
+          <a:xfrm>
+            <a:off x="311700" y="1152475"/>
+            <a:ext cx="8520600" cy="3416400"/>
+          </a:xfrm>
+          <a:prstGeom prst="rect">
+            <a:avLst/>
+          </a:prstGeom>
+        </p:spPr>
+        <p:txBody>
+          <a:bodyPr anchorCtr="0" anchor="t" bIns="91425" lIns="91425" spcFirstLastPara="1" rIns="91425" wrap="square" tIns="91425">
+            <a:normAutofit/>
+          </a:bodyPr>
+          <a:lstStyle/>
+          <a:p>
+            <a:pPr indent="0" lvl="0" marL="0" rtl="0" algn="l">
+              <a:spcBef>
+                <a:spcPts val="0"/>
+              </a:spcBef>
+              <a:spcAft>
+                <a:spcPts val="1200"/>
+              </a:spcAft>
+              <a:buNone/>
+            </a:pPr>
+            <a:r>
+              <a:t/>
+            </a:r>
+            <a:endParaRPr/>
+          </a:p>
+        </p:txBody>
+      </p:sp>
+      <p:graphicFrame>
+        <p:nvGraphicFramePr>
+          <p:cNvPr id="130" name="Google Shape;130;p25"/>
+          <p:cNvGraphicFramePr/>
+          <p:nvPr/>
+        </p:nvGraphicFramePr>
+        <p:xfrm>
+          <a:off x="952500" y="1619250"/>
+          <a:ext cx="3000000" cy="3000000"/>
+        </p:xfrm>
+        <a:graphic>
+          <a:graphicData uri="http://schemas.openxmlformats.org/drawingml/2006/table">
+            <a:tbl>
+              <a:tblPr>
+                <a:noFill/>
+                <a:tableStyleId>{F316A7BA-1DBA-4FC3-9506-020F22D0E716}</a:tableStyleId>
+              </a:tblPr>
+              <a:tblGrid>
+                <a:gridCol w="3619500"/>
+                <a:gridCol w="3619500"/>
+              </a:tblGrid>
+              <a:tr h="381000">
+                <a:tc>
+                  <a:txBody>
+                    <a:bodyPr/>
+                    <a:lstStyle/>
+                    <a:p>
+                      <a:pPr indent="0" lvl="0" marL="0" rtl="0" algn="l">
+                        <a:spcBef>
+                          <a:spcPts val="0"/>
+                        </a:spcBef>
+                        <a:spcAft>
+                          <a:spcPts val="0"/>
+                        </a:spcAft>
+                        <a:buNone/>
+                      </a:pPr>
+                      <a:r>
+                        <a:rPr lang="en-CA" sz="1700"/>
+                        <a:t>Team </a:t>
+                      </a:r>
+                      <a:r>
+                        <a:rPr lang="en-CA" sz="1700"/>
+                        <a:t>members</a:t>
+                      </a:r>
+                      <a:endParaRPr sz="1700"/>
+                    </a:p>
+                  </a:txBody>
+                  <a:tcPr marT="91425" marB="91425" marR="91425" marL="91425"/>
+                </a:tc>
+                <a:tc>
+                  <a:txBody>
+                    <a:bodyPr/>
+                    <a:lstStyle/>
+                    <a:p>
+                      <a:pPr indent="0" lvl="0" marL="0" rtl="0" algn="l">
+                        <a:spcBef>
+                          <a:spcPts val="0"/>
+                        </a:spcBef>
+                        <a:spcAft>
+                          <a:spcPts val="0"/>
+                        </a:spcAft>
+                        <a:buNone/>
+                      </a:pPr>
+                      <a:r>
+                        <a:rPr lang="en-CA" sz="1700"/>
+                        <a:t>Task</a:t>
+                      </a:r>
+                      <a:endParaRPr sz="1700"/>
+                    </a:p>
+                  </a:txBody>
+                  <a:tcPr marT="91425" marB="91425" marR="91425" marL="91425"/>
+                </a:tc>
+              </a:tr>
+              <a:tr h="381000">
+                <a:tc>
+                  <a:txBody>
+                    <a:bodyPr/>
+                    <a:lstStyle/>
+                    <a:p>
+                      <a:pPr indent="0" lvl="0" marL="0" rtl="0" algn="l">
+                        <a:spcBef>
+                          <a:spcPts val="0"/>
+                        </a:spcBef>
+                        <a:spcAft>
+                          <a:spcPts val="0"/>
+                        </a:spcAft>
+                        <a:buNone/>
+                      </a:pPr>
+                      <a:r>
+                        <a:rPr lang="en-CA"/>
+                        <a:t>Joseph</a:t>
+                      </a:r>
+                      <a:endParaRPr/>
+                    </a:p>
+                  </a:txBody>
+                  <a:tcPr marT="91425" marB="91425" marR="91425" marL="91425"/>
+                </a:tc>
+                <a:tc>
+                  <a:txBody>
+                    <a:bodyPr/>
+                    <a:lstStyle/>
+                    <a:p>
+                      <a:pPr indent="0" lvl="0" marL="0" rtl="0" algn="l">
+                        <a:spcBef>
+                          <a:spcPts val="0"/>
+                        </a:spcBef>
+                        <a:spcAft>
+                          <a:spcPts val="0"/>
+                        </a:spcAft>
+                        <a:buNone/>
+                      </a:pPr>
+                      <a:r>
+                        <a:rPr lang="en-CA"/>
+                        <a:t>Mathematics and calculation</a:t>
+                      </a:r>
+                      <a:endParaRPr/>
+                    </a:p>
+                  </a:txBody>
+                  <a:tcPr marT="91425" marB="91425" marR="91425" marL="91425"/>
+                </a:tc>
+              </a:tr>
+              <a:tr h="381000">
+                <a:tc>
+                  <a:txBody>
+                    <a:bodyPr/>
+                    <a:lstStyle/>
+                    <a:p>
+                      <a:pPr indent="0" lvl="0" marL="0" rtl="0" algn="l">
+                        <a:spcBef>
+                          <a:spcPts val="0"/>
+                        </a:spcBef>
+                        <a:spcAft>
+                          <a:spcPts val="0"/>
+                        </a:spcAft>
+                        <a:buNone/>
+                      </a:pPr>
+                      <a:r>
+                        <a:rPr lang="en-CA"/>
+                        <a:t>Tony</a:t>
+                      </a:r>
+                      <a:endParaRPr/>
+                    </a:p>
+                  </a:txBody>
+                  <a:tcPr marT="91425" marB="91425" marR="91425" marL="91425"/>
+                </a:tc>
+                <a:tc>
+                  <a:txBody>
+                    <a:bodyPr/>
+                    <a:lstStyle/>
+                    <a:p>
+                      <a:pPr indent="0" lvl="0" marL="0" rtl="0" algn="l">
+                        <a:spcBef>
+                          <a:spcPts val="0"/>
+                        </a:spcBef>
+                        <a:spcAft>
+                          <a:spcPts val="0"/>
+                        </a:spcAft>
+                        <a:buNone/>
+                      </a:pPr>
+                      <a:r>
+                        <a:rPr lang="en-CA"/>
+                        <a:t>Graphics</a:t>
+                      </a:r>
+                      <a:endParaRPr/>
+                    </a:p>
+                  </a:txBody>
+                  <a:tcPr marT="91425" marB="91425" marR="91425" marL="91425"/>
+                </a:tc>
+              </a:tr>
+              <a:tr h="381000">
+                <a:tc>
+                  <a:txBody>
+                    <a:bodyPr/>
+                    <a:lstStyle/>
+                    <a:p>
+                      <a:pPr indent="0" lvl="0" marL="0" rtl="0" algn="l">
+                        <a:spcBef>
+                          <a:spcPts val="0"/>
+                        </a:spcBef>
+                        <a:spcAft>
+                          <a:spcPts val="0"/>
+                        </a:spcAft>
+                        <a:buNone/>
+                      </a:pPr>
+                      <a:r>
+                        <a:rPr lang="en-CA"/>
+                        <a:t>Jameel</a:t>
+                      </a:r>
+                      <a:endParaRPr/>
+                    </a:p>
+                  </a:txBody>
+                  <a:tcPr marT="91425" marB="91425" marR="91425" marL="91425"/>
+                </a:tc>
+                <a:tc>
+                  <a:txBody>
+                    <a:bodyPr/>
+                    <a:lstStyle/>
+                    <a:p>
+                      <a:pPr indent="0" lvl="0" marL="0" rtl="0" algn="l">
+                        <a:spcBef>
+                          <a:spcPts val="0"/>
+                        </a:spcBef>
+                        <a:spcAft>
+                          <a:spcPts val="0"/>
+                        </a:spcAft>
+                        <a:buNone/>
+                      </a:pPr>
+                      <a:r>
+                        <a:rPr lang="en-CA"/>
+                        <a:t>3-D texture and </a:t>
+                      </a:r>
+                      <a:r>
+                        <a:rPr lang="en-CA"/>
+                        <a:t>resources</a:t>
+                      </a:r>
+                      <a:endParaRPr/>
+                    </a:p>
+                  </a:txBody>
+                  <a:tcPr marT="91425" marB="91425" marR="91425" marL="91425"/>
+                </a:tc>
+              </a:tr>
+              <a:tr h="381000">
+                <a:tc>
+                  <a:txBody>
+                    <a:bodyPr/>
+                    <a:lstStyle/>
+                    <a:p>
+                      <a:pPr indent="0" lvl="0" marL="0" rtl="0" algn="l">
+                        <a:spcBef>
+                          <a:spcPts val="0"/>
+                        </a:spcBef>
+                        <a:spcAft>
+                          <a:spcPts val="0"/>
+                        </a:spcAft>
+                        <a:buNone/>
+                      </a:pPr>
+                      <a:r>
+                        <a:rPr lang="en-CA"/>
+                        <a:t>Fadi</a:t>
+                      </a:r>
+                      <a:endParaRPr/>
+                    </a:p>
+                  </a:txBody>
+                  <a:tcPr marT="91425" marB="91425" marR="91425" marL="91425"/>
+                </a:tc>
+                <a:tc>
+                  <a:txBody>
+                    <a:bodyPr/>
+                    <a:lstStyle/>
+                    <a:p>
+                      <a:pPr indent="0" lvl="0" marL="0" rtl="0" algn="l">
+                        <a:spcBef>
+                          <a:spcPts val="0"/>
+                        </a:spcBef>
+                        <a:spcAft>
+                          <a:spcPts val="0"/>
+                        </a:spcAft>
+                        <a:buNone/>
+                      </a:pPr>
+                      <a:r>
+                        <a:rPr lang="en-CA"/>
+                        <a:t>UI / user input</a:t>
+                      </a:r>
+                      <a:endParaRPr/>
+                    </a:p>
+                  </a:txBody>
+                  <a:tcPr marT="91425" marB="91425" marR="91425" marL="91425"/>
+                </a:tc>
+              </a:tr>
+            </a:tbl>
+          </a:graphicData>
+        </a:graphic>
+      </p:graphicFrame>
+    </p:spTree>
+  </p:cSld>
+  <p:clrMapOvr>
+    <a:masterClrMapping/>
+  </p:clrMapOvr>
+</p:sld>
+</file>
+
 <file path=ppt/slides/slide2.xml><?xml version="1.0" encoding="utf-8"?>
 <p:sld xmlns:a="http://schemas.openxmlformats.org/drawingml/2006/main" xmlns:r="http://schemas.openxmlformats.org/officeDocument/2006/relationships" xmlns:mc="http://schemas.openxmlformats.org/markup-compatibility/2006" xmlns:mv="urn:schemas-microsoft-com:mac:vml" xmlns:p="http://schemas.openxmlformats.org/presentationml/2006/main" xmlns:c="http://schemas.openxmlformats.org/drawingml/2006/chart" xmlns:dgm="http://schemas.openxmlformats.org/drawingml/2006/diagram" xmlns:o="urn:schemas-microsoft-com:office:office" xmlns:v="urn:schemas-microsoft-com:vml" xmlns:pvml="urn:schemas-microsoft-com:office:powerpoint" xmlns:com="http://schemas.openxmlformats.org/drawingml/2006/compatibility" xmlns:p14="http://schemas.microsoft.com/office/powerpoint/2010/main" xmlns:p15="http://schemas.microsoft.com/office/powerpoint/2012/main" xmlns:ahyp="http://schemas.microsoft.com/office/drawing/2018/hyperlinkcolor">
   <p:cSld>
-    <p:bg>
-      <p:bgPr>
-        <a:blipFill>
-          <a:blip r:embed="rId3">
-            <a:alphaModFix/>
-          </a:blip>
-          <a:stretch>
-            <a:fillRect/>
-          </a:stretch>
-        </a:blipFill>
-      </p:bgPr>
-    </p:bg>
     <p:spTree>
       <p:nvGrpSpPr>
         <p:cNvPr id="59" name="Shape 59"/>
@@ -7330,7 +7818,8 @@
               <a:buNone/>
             </a:pPr>
             <a:r>
-              <a:t/>
+              <a:rPr lang="en-CA"/>
+              <a:t>Project Idea</a:t>
             </a:r>
             <a:endParaRPr/>
           </a:p>
@@ -7359,2082 +7848,6 @@
           </a:bodyPr>
           <a:lstStyle/>
           <a:p>
-            <a:pPr indent="-298450" lvl="1" marL="914400" rtl="0" algn="l">
-              <a:spcBef>
-                <a:spcPts val="1200"/>
-              </a:spcBef>
-              <a:spcAft>
-                <a:spcPts val="0"/>
-              </a:spcAft>
-              <a:buSzPts val="1100"/>
-              <a:buFont typeface="Arial"/>
-              <a:buChar char="○"/>
-            </a:pPr>
-            <a:r>
-              <a:rPr lang="en-CA" sz="1900">
-                <a:solidFill>
-                  <a:srgbClr val="F3F3F3"/>
-                </a:solidFill>
-                <a:highlight>
-                  <a:srgbClr val="434343"/>
-                </a:highlight>
-              </a:rPr>
-              <a:t>Simulate and visualize how gravity affects celestial bodies</a:t>
-            </a:r>
-            <a:endParaRPr sz="1900">
-              <a:solidFill>
-                <a:srgbClr val="F3F3F3"/>
-              </a:solidFill>
-              <a:highlight>
-                <a:srgbClr val="434343"/>
-              </a:highlight>
-            </a:endParaRPr>
-          </a:p>
-          <a:p>
-            <a:pPr indent="-298450" lvl="1" marL="914400" rtl="0" algn="l">
-              <a:spcBef>
-                <a:spcPts val="0"/>
-              </a:spcBef>
-              <a:spcAft>
-                <a:spcPts val="0"/>
-              </a:spcAft>
-              <a:buSzPts val="1100"/>
-              <a:buFont typeface="Arial"/>
-              <a:buChar char="○"/>
-            </a:pPr>
-            <a:r>
-              <a:rPr lang="en-CA" sz="1900">
-                <a:solidFill>
-                  <a:srgbClr val="F3F3F3"/>
-                </a:solidFill>
-                <a:highlight>
-                  <a:srgbClr val="434343"/>
-                </a:highlight>
-              </a:rPr>
-              <a:t>Provide an interactive “sandbox” mode for users to create systems</a:t>
-            </a:r>
-            <a:endParaRPr sz="1900">
-              <a:solidFill>
-                <a:srgbClr val="F3F3F3"/>
-              </a:solidFill>
-              <a:highlight>
-                <a:srgbClr val="434343"/>
-              </a:highlight>
-            </a:endParaRPr>
-          </a:p>
-          <a:p>
-            <a:pPr indent="-298450" lvl="1" marL="914400" rtl="0" algn="l">
-              <a:spcBef>
-                <a:spcPts val="0"/>
-              </a:spcBef>
-              <a:spcAft>
-                <a:spcPts val="0"/>
-              </a:spcAft>
-              <a:buSzPts val="1100"/>
-              <a:buFont typeface="Arial"/>
-              <a:buChar char="○"/>
-            </a:pPr>
-            <a:r>
-              <a:rPr lang="en-CA" sz="1900">
-                <a:solidFill>
-                  <a:srgbClr val="F3F3F3"/>
-                </a:solidFill>
-                <a:highlight>
-                  <a:srgbClr val="434343"/>
-                </a:highlight>
-              </a:rPr>
-              <a:t>Apply real-world physics concepts in an engaging way</a:t>
-            </a:r>
-            <a:endParaRPr sz="1900">
-              <a:solidFill>
-                <a:srgbClr val="F3F3F3"/>
-              </a:solidFill>
-              <a:highlight>
-                <a:srgbClr val="434343"/>
-              </a:highlight>
-            </a:endParaRPr>
-          </a:p>
-          <a:p>
-            <a:pPr indent="0" lvl="0" marL="0" rtl="0" algn="l">
-              <a:spcBef>
-                <a:spcPts val="1200"/>
-              </a:spcBef>
-              <a:spcAft>
-                <a:spcPts val="1200"/>
-              </a:spcAft>
-              <a:buNone/>
-            </a:pPr>
-            <a:r>
-              <a:t/>
-            </a:r>
-            <a:endParaRPr sz="1900">
-              <a:solidFill>
-                <a:srgbClr val="F3F3F3"/>
-              </a:solidFill>
-              <a:highlight>
-                <a:srgbClr val="434343"/>
-              </a:highlight>
-            </a:endParaRPr>
-          </a:p>
-        </p:txBody>
-      </p:sp>
-    </p:spTree>
-  </p:cSld>
-  <p:clrMapOvr>
-    <a:masterClrMapping/>
-  </p:clrMapOvr>
-</p:sld>
-</file>
-
-<file path=ppt/slides/slide3.xml><?xml version="1.0" encoding="utf-8"?>
-<p:sld xmlns:a="http://schemas.openxmlformats.org/drawingml/2006/main" xmlns:r="http://schemas.openxmlformats.org/officeDocument/2006/relationships" xmlns:mc="http://schemas.openxmlformats.org/markup-compatibility/2006" xmlns:mv="urn:schemas-microsoft-com:mac:vml" xmlns:p="http://schemas.openxmlformats.org/presentationml/2006/main" xmlns:c="http://schemas.openxmlformats.org/drawingml/2006/chart" xmlns:dgm="http://schemas.openxmlformats.org/drawingml/2006/diagram" xmlns:o="urn:schemas-microsoft-com:office:office" xmlns:v="urn:schemas-microsoft-com:vml" xmlns:pvml="urn:schemas-microsoft-com:office:powerpoint" xmlns:com="http://schemas.openxmlformats.org/drawingml/2006/compatibility" xmlns:p14="http://schemas.microsoft.com/office/powerpoint/2010/main" xmlns:p15="http://schemas.microsoft.com/office/powerpoint/2012/main" xmlns:ahyp="http://schemas.microsoft.com/office/drawing/2018/hyperlinkcolor">
-  <p:cSld>
-    <p:bg>
-      <p:bgPr>
-        <a:blipFill>
-          <a:blip r:embed="rId3">
-            <a:alphaModFix/>
-          </a:blip>
-          <a:stretch>
-            <a:fillRect/>
-          </a:stretch>
-        </a:blipFill>
-      </p:bgPr>
-    </p:bg>
-    <p:spTree>
-      <p:nvGrpSpPr>
-        <p:cNvPr id="65" name="Shape 65"/>
-        <p:cNvGrpSpPr/>
-        <p:nvPr/>
-      </p:nvGrpSpPr>
-      <p:grpSpPr>
-        <a:xfrm>
-          <a:off x="0" y="0"/>
-          <a:ext cx="0" cy="0"/>
-          <a:chOff x="0" y="0"/>
-          <a:chExt cx="0" cy="0"/>
-        </a:xfrm>
-      </p:grpSpPr>
-      <p:sp>
-        <p:nvSpPr>
-          <p:cNvPr id="66" name="Google Shape;66;p15"/>
-          <p:cNvSpPr txBox="1"/>
-          <p:nvPr>
-            <p:ph type="title"/>
-          </p:nvPr>
-        </p:nvSpPr>
-        <p:spPr>
-          <a:xfrm>
-            <a:off x="311700" y="445025"/>
-            <a:ext cx="8520600" cy="1336500"/>
-          </a:xfrm>
-          <a:prstGeom prst="rect">
-            <a:avLst/>
-          </a:prstGeom>
-        </p:spPr>
-        <p:txBody>
-          <a:bodyPr anchorCtr="0" anchor="t" bIns="91425" lIns="91425" spcFirstLastPara="1" rIns="91425" wrap="square" tIns="91425">
-            <a:normAutofit/>
-          </a:bodyPr>
-          <a:lstStyle/>
-          <a:p>
-            <a:pPr indent="0" lvl="0" marL="0" rtl="0" algn="ctr">
-              <a:spcBef>
-                <a:spcPts val="0"/>
-              </a:spcBef>
-              <a:spcAft>
-                <a:spcPts val="0"/>
-              </a:spcAft>
-              <a:buNone/>
-            </a:pPr>
-            <a:r>
-              <a:rPr lang="en-CA">
-                <a:solidFill>
-                  <a:schemeClr val="lt1"/>
-                </a:solidFill>
-                <a:highlight>
-                  <a:srgbClr val="434343"/>
-                </a:highlight>
-              </a:rPr>
-              <a:t>Gravity</a:t>
-            </a:r>
-            <a:endParaRPr>
-              <a:solidFill>
-                <a:schemeClr val="lt1"/>
-              </a:solidFill>
-              <a:highlight>
-                <a:srgbClr val="434343"/>
-              </a:highlight>
-            </a:endParaRPr>
-          </a:p>
-        </p:txBody>
-      </p:sp>
-      <p:sp>
-        <p:nvSpPr>
-          <p:cNvPr id="67" name="Google Shape;67;p15"/>
-          <p:cNvSpPr txBox="1"/>
-          <p:nvPr>
-            <p:ph idx="1" type="body"/>
-          </p:nvPr>
-        </p:nvSpPr>
-        <p:spPr>
-          <a:xfrm>
-            <a:off x="311700" y="1152475"/>
-            <a:ext cx="8520600" cy="3416400"/>
-          </a:xfrm>
-          <a:prstGeom prst="rect">
-            <a:avLst/>
-          </a:prstGeom>
-        </p:spPr>
-        <p:txBody>
-          <a:bodyPr anchorCtr="0" anchor="t" bIns="91425" lIns="91425" spcFirstLastPara="1" rIns="91425" wrap="square" tIns="91425">
-            <a:normAutofit/>
-          </a:bodyPr>
-          <a:lstStyle/>
-          <a:p>
-            <a:pPr indent="0" lvl="0" marL="0" rtl="0" algn="l">
-              <a:spcBef>
-                <a:spcPts val="0"/>
-              </a:spcBef>
-              <a:spcAft>
-                <a:spcPts val="1200"/>
-              </a:spcAft>
-              <a:buNone/>
-            </a:pPr>
-            <a:r>
-              <a:t/>
-            </a:r>
-            <a:endParaRPr/>
-          </a:p>
-        </p:txBody>
-      </p:sp>
-    </p:spTree>
-  </p:cSld>
-  <p:clrMapOvr>
-    <a:masterClrMapping/>
-  </p:clrMapOvr>
-</p:sld>
-</file>
-
-<file path=ppt/slides/slide4.xml><?xml version="1.0" encoding="utf-8"?>
-<p:sld xmlns:a="http://schemas.openxmlformats.org/drawingml/2006/main" xmlns:r="http://schemas.openxmlformats.org/officeDocument/2006/relationships" xmlns:mc="http://schemas.openxmlformats.org/markup-compatibility/2006" xmlns:mv="urn:schemas-microsoft-com:mac:vml" xmlns:p="http://schemas.openxmlformats.org/presentationml/2006/main" xmlns:c="http://schemas.openxmlformats.org/drawingml/2006/chart" xmlns:dgm="http://schemas.openxmlformats.org/drawingml/2006/diagram" xmlns:o="urn:schemas-microsoft-com:office:office" xmlns:v="urn:schemas-microsoft-com:vml" xmlns:pvml="urn:schemas-microsoft-com:office:powerpoint" xmlns:com="http://schemas.openxmlformats.org/drawingml/2006/compatibility" xmlns:p14="http://schemas.microsoft.com/office/powerpoint/2010/main" xmlns:p15="http://schemas.microsoft.com/office/powerpoint/2012/main" xmlns:ahyp="http://schemas.microsoft.com/office/drawing/2018/hyperlinkcolor">
-  <p:cSld>
-    <p:bg>
-      <p:bgPr>
-        <a:blipFill>
-          <a:blip r:embed="rId3">
-            <a:alphaModFix/>
-          </a:blip>
-          <a:stretch>
-            <a:fillRect/>
-          </a:stretch>
-        </a:blipFill>
-      </p:bgPr>
-    </p:bg>
-    <p:spTree>
-      <p:nvGrpSpPr>
-        <p:cNvPr id="71" name="Shape 71"/>
-        <p:cNvGrpSpPr/>
-        <p:nvPr/>
-      </p:nvGrpSpPr>
-      <p:grpSpPr>
-        <a:xfrm>
-          <a:off x="0" y="0"/>
-          <a:ext cx="0" cy="0"/>
-          <a:chOff x="0" y="0"/>
-          <a:chExt cx="0" cy="0"/>
-        </a:xfrm>
-      </p:grpSpPr>
-      <p:sp>
-        <p:nvSpPr>
-          <p:cNvPr id="72" name="Google Shape;72;p16"/>
-          <p:cNvSpPr txBox="1"/>
-          <p:nvPr>
-            <p:ph type="title"/>
-          </p:nvPr>
-        </p:nvSpPr>
-        <p:spPr>
-          <a:xfrm>
-            <a:off x="311700" y="445025"/>
-            <a:ext cx="8520600" cy="572700"/>
-          </a:xfrm>
-          <a:prstGeom prst="rect">
-            <a:avLst/>
-          </a:prstGeom>
-        </p:spPr>
-        <p:txBody>
-          <a:bodyPr anchorCtr="0" anchor="t" bIns="91425" lIns="91425" spcFirstLastPara="1" rIns="91425" wrap="square" tIns="91425">
-            <a:normAutofit fontScale="90000"/>
-          </a:bodyPr>
-          <a:lstStyle/>
-          <a:p>
-            <a:pPr indent="0" lvl="0" marL="0" rtl="0" algn="l">
-              <a:spcBef>
-                <a:spcPts val="0"/>
-              </a:spcBef>
-              <a:spcAft>
-                <a:spcPts val="0"/>
-              </a:spcAft>
-              <a:buNone/>
-            </a:pPr>
-            <a:r>
-              <a:rPr lang="en-CA">
-                <a:solidFill>
-                  <a:srgbClr val="F3F3F3"/>
-                </a:solidFill>
-              </a:rPr>
-              <a:t>Momentum and Forces</a:t>
-            </a:r>
-            <a:endParaRPr>
-              <a:solidFill>
-                <a:srgbClr val="F3F3F3"/>
-              </a:solidFill>
-            </a:endParaRPr>
-          </a:p>
-        </p:txBody>
-      </p:sp>
-      <p:sp>
-        <p:nvSpPr>
-          <p:cNvPr id="73" name="Google Shape;73;p16"/>
-          <p:cNvSpPr txBox="1"/>
-          <p:nvPr>
-            <p:ph idx="1" type="body"/>
-          </p:nvPr>
-        </p:nvSpPr>
-        <p:spPr>
-          <a:xfrm>
-            <a:off x="311700" y="1152475"/>
-            <a:ext cx="8520600" cy="3416400"/>
-          </a:xfrm>
-          <a:prstGeom prst="rect">
-            <a:avLst/>
-          </a:prstGeom>
-        </p:spPr>
-        <p:txBody>
-          <a:bodyPr anchorCtr="0" anchor="t" bIns="91425" lIns="91425" spcFirstLastPara="1" rIns="91425" wrap="square" tIns="91425">
-            <a:normAutofit/>
-          </a:bodyPr>
-          <a:lstStyle/>
-          <a:p>
-            <a:pPr indent="0" lvl="0" marL="0" rtl="0" algn="l">
-              <a:spcBef>
-                <a:spcPts val="1200"/>
-              </a:spcBef>
-              <a:spcAft>
-                <a:spcPts val="0"/>
-              </a:spcAft>
-              <a:buNone/>
-            </a:pPr>
-            <a:r>
-              <a:rPr b="1" lang="en-CA" sz="1700">
-                <a:solidFill>
-                  <a:srgbClr val="F3F3F3"/>
-                </a:solidFill>
-                <a:latin typeface="Arial"/>
-                <a:ea typeface="Arial"/>
-                <a:cs typeface="Arial"/>
-                <a:sym typeface="Arial"/>
-              </a:rPr>
-              <a:t>Momentum</a:t>
-            </a:r>
-            <a:endParaRPr b="1" sz="1700">
-              <a:solidFill>
-                <a:srgbClr val="F3F3F3"/>
-              </a:solidFill>
-              <a:latin typeface="Arial"/>
-              <a:ea typeface="Arial"/>
-              <a:cs typeface="Arial"/>
-              <a:sym typeface="Arial"/>
-            </a:endParaRPr>
-          </a:p>
-          <a:p>
-            <a:pPr indent="0" lvl="0" marL="0" rtl="0" algn="l">
-              <a:spcBef>
-                <a:spcPts val="1200"/>
-              </a:spcBef>
-              <a:spcAft>
-                <a:spcPts val="0"/>
-              </a:spcAft>
-              <a:buNone/>
-            </a:pPr>
-            <a:r>
-              <a:rPr lang="en-CA" sz="1700">
-                <a:solidFill>
-                  <a:srgbClr val="F3F3F3"/>
-                </a:solidFill>
-                <a:latin typeface="Arial"/>
-                <a:ea typeface="Arial"/>
-                <a:cs typeface="Arial"/>
-                <a:sym typeface="Arial"/>
-              </a:rPr>
-              <a:t>The motion of celestial bodies is based on their mass and velocity</a:t>
-            </a:r>
-            <a:endParaRPr sz="1700">
-              <a:solidFill>
-                <a:srgbClr val="F3F3F3"/>
-              </a:solidFill>
-              <a:latin typeface="Arial"/>
-              <a:ea typeface="Arial"/>
-              <a:cs typeface="Arial"/>
-              <a:sym typeface="Arial"/>
-            </a:endParaRPr>
-          </a:p>
-          <a:p>
-            <a:pPr indent="0" lvl="0" marL="0" rtl="0" algn="l">
-              <a:spcBef>
-                <a:spcPts val="1200"/>
-              </a:spcBef>
-              <a:spcAft>
-                <a:spcPts val="0"/>
-              </a:spcAft>
-              <a:buNone/>
-            </a:pPr>
-            <a:r>
-              <a:rPr b="1" lang="en-CA" sz="1700">
-                <a:solidFill>
-                  <a:srgbClr val="F3F3F3"/>
-                </a:solidFill>
-                <a:latin typeface="Arial"/>
-                <a:ea typeface="Arial"/>
-                <a:cs typeface="Arial"/>
-                <a:sym typeface="Arial"/>
-              </a:rPr>
-              <a:t>Formula:</a:t>
-            </a:r>
-            <a:r>
-              <a:rPr lang="en-CA" sz="1700">
-                <a:solidFill>
-                  <a:srgbClr val="F3F3F3"/>
-                </a:solidFill>
-                <a:latin typeface="Arial"/>
-                <a:ea typeface="Arial"/>
-                <a:cs typeface="Arial"/>
-                <a:sym typeface="Arial"/>
-              </a:rPr>
-              <a:t> p=mv</a:t>
-            </a:r>
-            <a:endParaRPr sz="1700">
-              <a:solidFill>
-                <a:srgbClr val="F3F3F3"/>
-              </a:solidFill>
-              <a:latin typeface="Arial"/>
-              <a:ea typeface="Arial"/>
-              <a:cs typeface="Arial"/>
-              <a:sym typeface="Arial"/>
-            </a:endParaRPr>
-          </a:p>
-          <a:p>
-            <a:pPr indent="-336550" lvl="0" marL="457200" rtl="0" algn="l">
-              <a:spcBef>
-                <a:spcPts val="1200"/>
-              </a:spcBef>
-              <a:spcAft>
-                <a:spcPts val="0"/>
-              </a:spcAft>
-              <a:buClr>
-                <a:srgbClr val="F3F3F3"/>
-              </a:buClr>
-              <a:buSzPts val="1700"/>
-              <a:buFont typeface="Arial"/>
-              <a:buChar char="●"/>
-            </a:pPr>
-            <a:r>
-              <a:rPr b="1" lang="en-CA" sz="1700">
-                <a:solidFill>
-                  <a:srgbClr val="F3F3F3"/>
-                </a:solidFill>
-                <a:latin typeface="Arial"/>
-                <a:ea typeface="Arial"/>
-                <a:cs typeface="Arial"/>
-                <a:sym typeface="Arial"/>
-              </a:rPr>
-              <a:t>Forces</a:t>
-            </a:r>
-            <a:endParaRPr b="1" sz="1700">
-              <a:solidFill>
-                <a:srgbClr val="F3F3F3"/>
-              </a:solidFill>
-              <a:latin typeface="Arial"/>
-              <a:ea typeface="Arial"/>
-              <a:cs typeface="Arial"/>
-              <a:sym typeface="Arial"/>
-            </a:endParaRPr>
-          </a:p>
-          <a:p>
-            <a:pPr indent="0" lvl="0" marL="0" rtl="0" algn="l">
-              <a:spcBef>
-                <a:spcPts val="1200"/>
-              </a:spcBef>
-              <a:spcAft>
-                <a:spcPts val="0"/>
-              </a:spcAft>
-              <a:buNone/>
-            </a:pPr>
-            <a:r>
-              <a:rPr lang="en-CA" sz="1700">
-                <a:solidFill>
-                  <a:srgbClr val="F3F3F3"/>
-                </a:solidFill>
-                <a:latin typeface="Arial"/>
-                <a:ea typeface="Arial"/>
-                <a:cs typeface="Arial"/>
-                <a:sym typeface="Arial"/>
-              </a:rPr>
-              <a:t>Net forces determine how objects move in space</a:t>
-            </a:r>
-            <a:endParaRPr sz="1700">
-              <a:solidFill>
-                <a:srgbClr val="F3F3F3"/>
-              </a:solidFill>
-              <a:latin typeface="Arial"/>
-              <a:ea typeface="Arial"/>
-              <a:cs typeface="Arial"/>
-              <a:sym typeface="Arial"/>
-            </a:endParaRPr>
-          </a:p>
-          <a:p>
-            <a:pPr indent="0" lvl="0" marL="0" rtl="0" algn="l">
-              <a:spcBef>
-                <a:spcPts val="1200"/>
-              </a:spcBef>
-              <a:spcAft>
-                <a:spcPts val="0"/>
-              </a:spcAft>
-              <a:buNone/>
-            </a:pPr>
-            <a:r>
-              <a:rPr b="1" lang="en-CA" sz="1700">
-                <a:solidFill>
-                  <a:srgbClr val="F3F3F3"/>
-                </a:solidFill>
-                <a:latin typeface="Arial"/>
-                <a:ea typeface="Arial"/>
-                <a:cs typeface="Arial"/>
-                <a:sym typeface="Arial"/>
-              </a:rPr>
-              <a:t>Formula:</a:t>
-            </a:r>
-            <a:r>
-              <a:rPr lang="en-CA" sz="1700">
-                <a:solidFill>
-                  <a:srgbClr val="F3F3F3"/>
-                </a:solidFill>
-                <a:latin typeface="Arial"/>
-                <a:ea typeface="Arial"/>
-                <a:cs typeface="Arial"/>
-                <a:sym typeface="Arial"/>
-              </a:rPr>
-              <a:t> F=ma</a:t>
-            </a:r>
-            <a:endParaRPr sz="1700">
-              <a:solidFill>
-                <a:srgbClr val="F3F3F3"/>
-              </a:solidFill>
-              <a:latin typeface="Arial"/>
-              <a:ea typeface="Arial"/>
-              <a:cs typeface="Arial"/>
-              <a:sym typeface="Arial"/>
-            </a:endParaRPr>
-          </a:p>
-          <a:p>
-            <a:pPr indent="0" lvl="0" marL="0" rtl="0" algn="l">
-              <a:spcBef>
-                <a:spcPts val="1200"/>
-              </a:spcBef>
-              <a:spcAft>
-                <a:spcPts val="1200"/>
-              </a:spcAft>
-              <a:buNone/>
-            </a:pPr>
-            <a:r>
-              <a:t/>
-            </a:r>
-            <a:endParaRPr/>
-          </a:p>
-        </p:txBody>
-      </p:sp>
-    </p:spTree>
-  </p:cSld>
-  <p:clrMapOvr>
-    <a:masterClrMapping/>
-  </p:clrMapOvr>
-</p:sld>
-</file>
-
-<file path=ppt/slides/slide5.xml><?xml version="1.0" encoding="utf-8"?>
-<p:sld xmlns:a="http://schemas.openxmlformats.org/drawingml/2006/main" xmlns:r="http://schemas.openxmlformats.org/officeDocument/2006/relationships" xmlns:mc="http://schemas.openxmlformats.org/markup-compatibility/2006" xmlns:mv="urn:schemas-microsoft-com:mac:vml" xmlns:p="http://schemas.openxmlformats.org/presentationml/2006/main" xmlns:c="http://schemas.openxmlformats.org/drawingml/2006/chart" xmlns:dgm="http://schemas.openxmlformats.org/drawingml/2006/diagram" xmlns:o="urn:schemas-microsoft-com:office:office" xmlns:v="urn:schemas-microsoft-com:vml" xmlns:pvml="urn:schemas-microsoft-com:office:powerpoint" xmlns:com="http://schemas.openxmlformats.org/drawingml/2006/compatibility" xmlns:p14="http://schemas.microsoft.com/office/powerpoint/2010/main" xmlns:p15="http://schemas.microsoft.com/office/powerpoint/2012/main" xmlns:ahyp="http://schemas.microsoft.com/office/drawing/2018/hyperlinkcolor">
-  <p:cSld>
-    <p:bg>
-      <p:bgPr>
-        <a:blipFill>
-          <a:blip r:embed="rId3">
-            <a:alphaModFix/>
-          </a:blip>
-          <a:stretch>
-            <a:fillRect/>
-          </a:stretch>
-        </a:blipFill>
-      </p:bgPr>
-    </p:bg>
-    <p:spTree>
-      <p:nvGrpSpPr>
-        <p:cNvPr id="77" name="Shape 77"/>
-        <p:cNvGrpSpPr/>
-        <p:nvPr/>
-      </p:nvGrpSpPr>
-      <p:grpSpPr>
-        <a:xfrm>
-          <a:off x="0" y="0"/>
-          <a:ext cx="0" cy="0"/>
-          <a:chOff x="0" y="0"/>
-          <a:chExt cx="0" cy="0"/>
-        </a:xfrm>
-      </p:grpSpPr>
-      <p:sp>
-        <p:nvSpPr>
-          <p:cNvPr id="78" name="Google Shape;78;p17"/>
-          <p:cNvSpPr txBox="1"/>
-          <p:nvPr>
-            <p:ph type="title"/>
-          </p:nvPr>
-        </p:nvSpPr>
-        <p:spPr>
-          <a:xfrm>
-            <a:off x="311700" y="445025"/>
-            <a:ext cx="8520600" cy="572700"/>
-          </a:xfrm>
-          <a:prstGeom prst="rect">
-            <a:avLst/>
-          </a:prstGeom>
-        </p:spPr>
-        <p:txBody>
-          <a:bodyPr anchorCtr="0" anchor="t" bIns="91425" lIns="91425" spcFirstLastPara="1" rIns="91425" wrap="square" tIns="91425">
-            <a:normAutofit fontScale="90000"/>
-          </a:bodyPr>
-          <a:lstStyle/>
-          <a:p>
-            <a:pPr indent="0" lvl="0" marL="0" rtl="0" algn="l">
-              <a:spcBef>
-                <a:spcPts val="0"/>
-              </a:spcBef>
-              <a:spcAft>
-                <a:spcPts val="0"/>
-              </a:spcAft>
-              <a:buNone/>
-            </a:pPr>
-            <a:r>
-              <a:rPr lang="en-CA">
-                <a:solidFill>
-                  <a:srgbClr val="F3F3F3"/>
-                </a:solidFill>
-              </a:rPr>
-              <a:t>Features : Celestial bodies</a:t>
-            </a:r>
-            <a:endParaRPr>
-              <a:solidFill>
-                <a:srgbClr val="F3F3F3"/>
-              </a:solidFill>
-            </a:endParaRPr>
-          </a:p>
-        </p:txBody>
-      </p:sp>
-      <p:sp>
-        <p:nvSpPr>
-          <p:cNvPr id="79" name="Google Shape;79;p17"/>
-          <p:cNvSpPr txBox="1"/>
-          <p:nvPr>
-            <p:ph idx="1" type="body"/>
-          </p:nvPr>
-        </p:nvSpPr>
-        <p:spPr>
-          <a:xfrm>
-            <a:off x="311700" y="1152475"/>
-            <a:ext cx="8520600" cy="3416400"/>
-          </a:xfrm>
-          <a:prstGeom prst="rect">
-            <a:avLst/>
-          </a:prstGeom>
-        </p:spPr>
-        <p:txBody>
-          <a:bodyPr anchorCtr="0" anchor="t" bIns="91425" lIns="91425" spcFirstLastPara="1" rIns="91425" wrap="square" tIns="91425">
-            <a:noAutofit/>
-          </a:bodyPr>
-          <a:lstStyle/>
-          <a:p>
-            <a:pPr indent="0" lvl="0" marL="0" rtl="0" algn="l">
-              <a:spcBef>
-                <a:spcPts val="0"/>
-              </a:spcBef>
-              <a:spcAft>
-                <a:spcPts val="0"/>
-              </a:spcAft>
-              <a:buClr>
-                <a:schemeClr val="dk1"/>
-              </a:buClr>
-              <a:buSzPts val="1100"/>
-              <a:buFont typeface="Arial"/>
-              <a:buNone/>
-            </a:pPr>
-            <a:r>
-              <a:rPr b="1" lang="en-CA">
-                <a:solidFill>
-                  <a:srgbClr val="F3F3F3"/>
-                </a:solidFill>
-                <a:latin typeface="Arial"/>
-                <a:ea typeface="Arial"/>
-                <a:cs typeface="Arial"/>
-                <a:sym typeface="Arial"/>
-              </a:rPr>
-              <a:t>Types of celestial bodies:</a:t>
-            </a:r>
-            <a:endParaRPr b="1">
-              <a:solidFill>
-                <a:srgbClr val="F3F3F3"/>
-              </a:solidFill>
-              <a:latin typeface="Arial"/>
-              <a:ea typeface="Arial"/>
-              <a:cs typeface="Arial"/>
-              <a:sym typeface="Arial"/>
-            </a:endParaRPr>
-          </a:p>
-          <a:p>
-            <a:pPr indent="-342900" lvl="0" marL="457200" rtl="0" algn="l">
-              <a:spcBef>
-                <a:spcPts val="1200"/>
-              </a:spcBef>
-              <a:spcAft>
-                <a:spcPts val="0"/>
-              </a:spcAft>
-              <a:buClr>
-                <a:srgbClr val="F3F3F3"/>
-              </a:buClr>
-              <a:buSzPts val="1800"/>
-              <a:buFont typeface="Arial"/>
-              <a:buChar char="●"/>
-            </a:pPr>
-            <a:r>
-              <a:rPr lang="en-CA">
-                <a:solidFill>
-                  <a:srgbClr val="F3F3F3"/>
-                </a:solidFill>
-                <a:latin typeface="Arial"/>
-                <a:ea typeface="Arial"/>
-                <a:cs typeface="Arial"/>
-                <a:sym typeface="Arial"/>
-              </a:rPr>
-              <a:t>Asteroids(If possible), planets, stars</a:t>
-            </a:r>
-            <a:endParaRPr>
-              <a:solidFill>
-                <a:srgbClr val="F3F3F3"/>
-              </a:solidFill>
-              <a:latin typeface="Arial"/>
-              <a:ea typeface="Arial"/>
-              <a:cs typeface="Arial"/>
-              <a:sym typeface="Arial"/>
-            </a:endParaRPr>
-          </a:p>
-          <a:p>
-            <a:pPr indent="0" lvl="0" marL="0" rtl="0" algn="l">
-              <a:spcBef>
-                <a:spcPts val="1200"/>
-              </a:spcBef>
-              <a:spcAft>
-                <a:spcPts val="0"/>
-              </a:spcAft>
-              <a:buClr>
-                <a:schemeClr val="dk1"/>
-              </a:buClr>
-              <a:buSzPts val="1100"/>
-              <a:buFont typeface="Arial"/>
-              <a:buNone/>
-            </a:pPr>
-            <a:r>
-              <a:rPr b="1" lang="en-CA">
-                <a:solidFill>
-                  <a:srgbClr val="F3F3F3"/>
-                </a:solidFill>
-                <a:latin typeface="Arial"/>
-                <a:ea typeface="Arial"/>
-                <a:cs typeface="Arial"/>
-                <a:sym typeface="Arial"/>
-              </a:rPr>
-              <a:t>Movement:</a:t>
-            </a:r>
-            <a:endParaRPr b="1">
-              <a:solidFill>
-                <a:srgbClr val="F3F3F3"/>
-              </a:solidFill>
-              <a:latin typeface="Arial"/>
-              <a:ea typeface="Arial"/>
-              <a:cs typeface="Arial"/>
-              <a:sym typeface="Arial"/>
-            </a:endParaRPr>
-          </a:p>
-          <a:p>
-            <a:pPr indent="-342900" lvl="0" marL="457200" rtl="0" algn="l">
-              <a:spcBef>
-                <a:spcPts val="1200"/>
-              </a:spcBef>
-              <a:spcAft>
-                <a:spcPts val="0"/>
-              </a:spcAft>
-              <a:buClr>
-                <a:srgbClr val="F3F3F3"/>
-              </a:buClr>
-              <a:buSzPts val="1800"/>
-              <a:buFont typeface="Arial"/>
-              <a:buChar char="●"/>
-            </a:pPr>
-            <a:r>
-              <a:rPr lang="en-CA">
-                <a:solidFill>
-                  <a:srgbClr val="F3F3F3"/>
-                </a:solidFill>
-                <a:latin typeface="Arial"/>
-                <a:ea typeface="Arial"/>
-                <a:cs typeface="Arial"/>
-                <a:sym typeface="Arial"/>
-              </a:rPr>
-              <a:t>Objects move based on gravitational forces</a:t>
-            </a:r>
-            <a:endParaRPr>
-              <a:solidFill>
-                <a:srgbClr val="F3F3F3"/>
-              </a:solidFill>
-              <a:latin typeface="Arial"/>
-              <a:ea typeface="Arial"/>
-              <a:cs typeface="Arial"/>
-              <a:sym typeface="Arial"/>
-            </a:endParaRPr>
-          </a:p>
-          <a:p>
-            <a:pPr indent="-342900" lvl="0" marL="457200" rtl="0" algn="l">
-              <a:spcBef>
-                <a:spcPts val="0"/>
-              </a:spcBef>
-              <a:spcAft>
-                <a:spcPts val="0"/>
-              </a:spcAft>
-              <a:buClr>
-                <a:srgbClr val="F3F3F3"/>
-              </a:buClr>
-              <a:buSzPts val="1800"/>
-              <a:buFont typeface="Arial"/>
-              <a:buChar char="●"/>
-            </a:pPr>
-            <a:r>
-              <a:rPr lang="en-CA">
-                <a:solidFill>
-                  <a:srgbClr val="F3F3F3"/>
-                </a:solidFill>
-                <a:latin typeface="Arial"/>
-                <a:ea typeface="Arial"/>
-                <a:cs typeface="Arial"/>
-                <a:sym typeface="Arial"/>
-              </a:rPr>
-              <a:t>Trails show movement history</a:t>
-            </a:r>
-            <a:endParaRPr>
-              <a:solidFill>
-                <a:srgbClr val="F3F3F3"/>
-              </a:solidFill>
-              <a:latin typeface="Arial"/>
-              <a:ea typeface="Arial"/>
-              <a:cs typeface="Arial"/>
-              <a:sym typeface="Arial"/>
-            </a:endParaRPr>
-          </a:p>
-          <a:p>
-            <a:pPr indent="0" lvl="0" marL="0" rtl="0" algn="l">
-              <a:spcBef>
-                <a:spcPts val="1200"/>
-              </a:spcBef>
-              <a:spcAft>
-                <a:spcPts val="0"/>
-              </a:spcAft>
-              <a:buClr>
-                <a:schemeClr val="dk1"/>
-              </a:buClr>
-              <a:buSzPts val="1100"/>
-              <a:buFont typeface="Arial"/>
-              <a:buNone/>
-            </a:pPr>
-            <a:r>
-              <a:rPr b="1" lang="en-CA">
-                <a:solidFill>
-                  <a:srgbClr val="F3F3F3"/>
-                </a:solidFill>
-                <a:latin typeface="Arial"/>
-                <a:ea typeface="Arial"/>
-                <a:cs typeface="Arial"/>
-                <a:sym typeface="Arial"/>
-              </a:rPr>
-              <a:t>Collisions (if possible):</a:t>
-            </a:r>
-            <a:endParaRPr b="1">
-              <a:solidFill>
-                <a:srgbClr val="F3F3F3"/>
-              </a:solidFill>
-              <a:latin typeface="Arial"/>
-              <a:ea typeface="Arial"/>
-              <a:cs typeface="Arial"/>
-              <a:sym typeface="Arial"/>
-            </a:endParaRPr>
-          </a:p>
-          <a:p>
-            <a:pPr indent="-342900" lvl="0" marL="457200" rtl="0" algn="l">
-              <a:spcBef>
-                <a:spcPts val="1200"/>
-              </a:spcBef>
-              <a:spcAft>
-                <a:spcPts val="0"/>
-              </a:spcAft>
-              <a:buSzPts val="1800"/>
-              <a:buFont typeface="Arial"/>
-              <a:buChar char="●"/>
-            </a:pPr>
-            <a:r>
-              <a:rPr lang="en-CA">
-                <a:solidFill>
-                  <a:srgbClr val="F3F3F3"/>
-                </a:solidFill>
-                <a:latin typeface="Arial"/>
-                <a:ea typeface="Arial"/>
-                <a:cs typeface="Arial"/>
-                <a:sym typeface="Arial"/>
-              </a:rPr>
-              <a:t>Objects can merge or bounce off each </a:t>
-            </a:r>
-            <a:r>
-              <a:rPr lang="en-CA">
-                <a:latin typeface="Arial"/>
-                <a:ea typeface="Arial"/>
-                <a:cs typeface="Arial"/>
-                <a:sym typeface="Arial"/>
-              </a:rPr>
-              <a:t>other</a:t>
-            </a:r>
-            <a:endParaRPr>
-              <a:latin typeface="Arial"/>
-              <a:ea typeface="Arial"/>
-              <a:cs typeface="Arial"/>
-              <a:sym typeface="Arial"/>
-            </a:endParaRPr>
-          </a:p>
-          <a:p>
-            <a:pPr indent="0" lvl="0" marL="0" rtl="0" algn="l">
-              <a:spcBef>
-                <a:spcPts val="1200"/>
-              </a:spcBef>
-              <a:spcAft>
-                <a:spcPts val="1200"/>
-              </a:spcAft>
-              <a:buNone/>
-            </a:pPr>
-            <a:r>
-              <a:t/>
-            </a:r>
-            <a:endParaRPr>
-              <a:solidFill>
-                <a:srgbClr val="F3F3F3"/>
-              </a:solidFill>
-            </a:endParaRPr>
-          </a:p>
-        </p:txBody>
-      </p:sp>
-    </p:spTree>
-  </p:cSld>
-  <p:clrMapOvr>
-    <a:masterClrMapping/>
-  </p:clrMapOvr>
-</p:sld>
-</file>
-
-<file path=ppt/slides/slide6.xml><?xml version="1.0" encoding="utf-8"?>
-<p:sld xmlns:a="http://schemas.openxmlformats.org/drawingml/2006/main" xmlns:r="http://schemas.openxmlformats.org/officeDocument/2006/relationships" xmlns:mc="http://schemas.openxmlformats.org/markup-compatibility/2006" xmlns:mv="urn:schemas-microsoft-com:mac:vml" xmlns:p="http://schemas.openxmlformats.org/presentationml/2006/main" xmlns:c="http://schemas.openxmlformats.org/drawingml/2006/chart" xmlns:dgm="http://schemas.openxmlformats.org/drawingml/2006/diagram" xmlns:o="urn:schemas-microsoft-com:office:office" xmlns:v="urn:schemas-microsoft-com:vml" xmlns:pvml="urn:schemas-microsoft-com:office:powerpoint" xmlns:com="http://schemas.openxmlformats.org/drawingml/2006/compatibility" xmlns:p14="http://schemas.microsoft.com/office/powerpoint/2010/main" xmlns:p15="http://schemas.microsoft.com/office/powerpoint/2012/main" xmlns:ahyp="http://schemas.microsoft.com/office/drawing/2018/hyperlinkcolor">
-  <p:cSld>
-    <p:bg>
-      <p:bgPr>
-        <a:blipFill>
-          <a:blip r:embed="rId3">
-            <a:alphaModFix/>
-          </a:blip>
-          <a:stretch>
-            <a:fillRect/>
-          </a:stretch>
-        </a:blipFill>
-      </p:bgPr>
-    </p:bg>
-    <p:spTree>
-      <p:nvGrpSpPr>
-        <p:cNvPr id="83" name="Shape 83"/>
-        <p:cNvGrpSpPr/>
-        <p:nvPr/>
-      </p:nvGrpSpPr>
-      <p:grpSpPr>
-        <a:xfrm>
-          <a:off x="0" y="0"/>
-          <a:ext cx="0" cy="0"/>
-          <a:chOff x="0" y="0"/>
-          <a:chExt cx="0" cy="0"/>
-        </a:xfrm>
-      </p:grpSpPr>
-      <p:sp>
-        <p:nvSpPr>
-          <p:cNvPr id="84" name="Google Shape;84;p18"/>
-          <p:cNvSpPr txBox="1"/>
-          <p:nvPr>
-            <p:ph type="title"/>
-          </p:nvPr>
-        </p:nvSpPr>
-        <p:spPr>
-          <a:xfrm>
-            <a:off x="311700" y="445025"/>
-            <a:ext cx="8520600" cy="572700"/>
-          </a:xfrm>
-          <a:prstGeom prst="rect">
-            <a:avLst/>
-          </a:prstGeom>
-        </p:spPr>
-        <p:txBody>
-          <a:bodyPr anchorCtr="0" anchor="t" bIns="91425" lIns="91425" spcFirstLastPara="1" rIns="91425" wrap="square" tIns="91425">
-            <a:normAutofit fontScale="90000"/>
-          </a:bodyPr>
-          <a:lstStyle/>
-          <a:p>
-            <a:pPr indent="0" lvl="0" marL="0" rtl="0" algn="l">
-              <a:spcBef>
-                <a:spcPts val="0"/>
-              </a:spcBef>
-              <a:spcAft>
-                <a:spcPts val="0"/>
-              </a:spcAft>
-              <a:buNone/>
-            </a:pPr>
-            <a:r>
-              <a:rPr lang="en-CA"/>
-              <a:t>SandBox feature</a:t>
-            </a:r>
-            <a:endParaRPr/>
-          </a:p>
-        </p:txBody>
-      </p:sp>
-      <p:sp>
-        <p:nvSpPr>
-          <p:cNvPr id="85" name="Google Shape;85;p18"/>
-          <p:cNvSpPr txBox="1"/>
-          <p:nvPr>
-            <p:ph idx="1" type="body"/>
-          </p:nvPr>
-        </p:nvSpPr>
-        <p:spPr>
-          <a:xfrm>
-            <a:off x="311700" y="1152475"/>
-            <a:ext cx="8520600" cy="3416400"/>
-          </a:xfrm>
-          <a:prstGeom prst="rect">
-            <a:avLst/>
-          </a:prstGeom>
-          <a:noFill/>
-        </p:spPr>
-        <p:txBody>
-          <a:bodyPr anchorCtr="0" anchor="t" bIns="91425" lIns="91425" spcFirstLastPara="1" rIns="91425" wrap="square" tIns="91425">
-            <a:normAutofit fontScale="25000" lnSpcReduction="20000"/>
-          </a:bodyPr>
-          <a:lstStyle/>
-          <a:p>
-            <a:pPr indent="0" lvl="0" marL="0" rtl="0" algn="l">
-              <a:spcBef>
-                <a:spcPts val="0"/>
-              </a:spcBef>
-              <a:spcAft>
-                <a:spcPts val="0"/>
-              </a:spcAft>
-              <a:buClr>
-                <a:schemeClr val="dk1"/>
-              </a:buClr>
-              <a:buSzPts val="275"/>
-              <a:buFont typeface="Arial"/>
-              <a:buNone/>
-            </a:pPr>
-            <a:r>
-              <a:rPr b="1" lang="en-CA" sz="7565">
-                <a:solidFill>
-                  <a:schemeClr val="lt1"/>
-                </a:solidFill>
-                <a:highlight>
-                  <a:srgbClr val="434343"/>
-                </a:highlight>
-                <a:latin typeface="Arial"/>
-                <a:ea typeface="Arial"/>
-                <a:cs typeface="Arial"/>
-                <a:sym typeface="Arial"/>
-              </a:rPr>
-              <a:t>User-created systems:</a:t>
-            </a:r>
-            <a:endParaRPr b="1" sz="7565">
-              <a:solidFill>
-                <a:schemeClr val="lt1"/>
-              </a:solidFill>
-              <a:highlight>
-                <a:srgbClr val="434343"/>
-              </a:highlight>
-              <a:latin typeface="Arial"/>
-              <a:ea typeface="Arial"/>
-              <a:cs typeface="Arial"/>
-              <a:sym typeface="Arial"/>
-            </a:endParaRPr>
-          </a:p>
-          <a:p>
-            <a:pPr indent="-348700" lvl="0" marL="457200" rtl="0" algn="l">
-              <a:spcBef>
-                <a:spcPts val="1200"/>
-              </a:spcBef>
-              <a:spcAft>
-                <a:spcPts val="0"/>
-              </a:spcAft>
-              <a:buClr>
-                <a:schemeClr val="lt1"/>
-              </a:buClr>
-              <a:buSzPct val="100000"/>
-              <a:buFont typeface="Arial"/>
-              <a:buChar char="●"/>
-            </a:pPr>
-            <a:r>
-              <a:rPr lang="en-CA" sz="7565">
-                <a:solidFill>
-                  <a:schemeClr val="lt1"/>
-                </a:solidFill>
-                <a:highlight>
-                  <a:srgbClr val="434343"/>
-                </a:highlight>
-                <a:latin typeface="Arial"/>
-                <a:ea typeface="Arial"/>
-                <a:cs typeface="Arial"/>
-                <a:sym typeface="Arial"/>
-              </a:rPr>
-              <a:t>Start with an empty space or a preset system</a:t>
-            </a:r>
-            <a:endParaRPr sz="7565">
-              <a:solidFill>
-                <a:schemeClr val="lt1"/>
-              </a:solidFill>
-              <a:highlight>
-                <a:srgbClr val="434343"/>
-              </a:highlight>
-              <a:latin typeface="Arial"/>
-              <a:ea typeface="Arial"/>
-              <a:cs typeface="Arial"/>
-              <a:sym typeface="Arial"/>
-            </a:endParaRPr>
-          </a:p>
-          <a:p>
-            <a:pPr indent="-348700" lvl="0" marL="457200" rtl="0" algn="l">
-              <a:spcBef>
-                <a:spcPts val="0"/>
-              </a:spcBef>
-              <a:spcAft>
-                <a:spcPts val="0"/>
-              </a:spcAft>
-              <a:buClr>
-                <a:schemeClr val="lt1"/>
-              </a:buClr>
-              <a:buSzPct val="100000"/>
-              <a:buFont typeface="Arial"/>
-              <a:buChar char="●"/>
-            </a:pPr>
-            <a:r>
-              <a:rPr lang="en-CA" sz="7565">
-                <a:solidFill>
-                  <a:schemeClr val="lt1"/>
-                </a:solidFill>
-                <a:highlight>
-                  <a:srgbClr val="434343"/>
-                </a:highlight>
-                <a:latin typeface="Arial"/>
-                <a:ea typeface="Arial"/>
-                <a:cs typeface="Arial"/>
-                <a:sym typeface="Arial"/>
-              </a:rPr>
-              <a:t>Spawn planets, stars, or asteroids</a:t>
-            </a:r>
-            <a:endParaRPr sz="7565">
-              <a:solidFill>
-                <a:schemeClr val="lt1"/>
-              </a:solidFill>
-              <a:highlight>
-                <a:srgbClr val="434343"/>
-              </a:highlight>
-              <a:latin typeface="Arial"/>
-              <a:ea typeface="Arial"/>
-              <a:cs typeface="Arial"/>
-              <a:sym typeface="Arial"/>
-            </a:endParaRPr>
-          </a:p>
-          <a:p>
-            <a:pPr indent="0" lvl="0" marL="0" rtl="0" algn="l">
-              <a:spcBef>
-                <a:spcPts val="1200"/>
-              </a:spcBef>
-              <a:spcAft>
-                <a:spcPts val="0"/>
-              </a:spcAft>
-              <a:buClr>
-                <a:schemeClr val="dk1"/>
-              </a:buClr>
-              <a:buSzPts val="275"/>
-              <a:buFont typeface="Arial"/>
-              <a:buNone/>
-            </a:pPr>
-            <a:r>
-              <a:rPr b="1" lang="en-CA" sz="7565">
-                <a:solidFill>
-                  <a:schemeClr val="lt1"/>
-                </a:solidFill>
-                <a:highlight>
-                  <a:srgbClr val="434343"/>
-                </a:highlight>
-                <a:latin typeface="Arial"/>
-                <a:ea typeface="Arial"/>
-                <a:cs typeface="Arial"/>
-                <a:sym typeface="Arial"/>
-              </a:rPr>
-              <a:t>Simulation Controls:</a:t>
-            </a:r>
-            <a:endParaRPr b="1" sz="7565">
-              <a:solidFill>
-                <a:schemeClr val="lt1"/>
-              </a:solidFill>
-              <a:highlight>
-                <a:srgbClr val="434343"/>
-              </a:highlight>
-              <a:latin typeface="Arial"/>
-              <a:ea typeface="Arial"/>
-              <a:cs typeface="Arial"/>
-              <a:sym typeface="Arial"/>
-            </a:endParaRPr>
-          </a:p>
-          <a:p>
-            <a:pPr indent="-348700" lvl="0" marL="457200" rtl="0" algn="l">
-              <a:spcBef>
-                <a:spcPts val="1200"/>
-              </a:spcBef>
-              <a:spcAft>
-                <a:spcPts val="0"/>
-              </a:spcAft>
-              <a:buClr>
-                <a:schemeClr val="lt1"/>
-              </a:buClr>
-              <a:buSzPct val="100000"/>
-              <a:buFont typeface="Arial"/>
-              <a:buChar char="●"/>
-            </a:pPr>
-            <a:r>
-              <a:rPr lang="en-CA" sz="7565">
-                <a:solidFill>
-                  <a:schemeClr val="lt1"/>
-                </a:solidFill>
-                <a:highlight>
-                  <a:srgbClr val="434343"/>
-                </a:highlight>
-                <a:latin typeface="Arial"/>
-                <a:ea typeface="Arial"/>
-                <a:cs typeface="Arial"/>
-                <a:sym typeface="Arial"/>
-              </a:rPr>
-              <a:t>Adjust mass, position, and velocity</a:t>
-            </a:r>
-            <a:endParaRPr sz="7565">
-              <a:solidFill>
-                <a:schemeClr val="lt1"/>
-              </a:solidFill>
-              <a:highlight>
-                <a:srgbClr val="434343"/>
-              </a:highlight>
-              <a:latin typeface="Arial"/>
-              <a:ea typeface="Arial"/>
-              <a:cs typeface="Arial"/>
-              <a:sym typeface="Arial"/>
-            </a:endParaRPr>
-          </a:p>
-          <a:p>
-            <a:pPr indent="-348700" lvl="0" marL="457200" rtl="0" algn="l">
-              <a:spcBef>
-                <a:spcPts val="0"/>
-              </a:spcBef>
-              <a:spcAft>
-                <a:spcPts val="0"/>
-              </a:spcAft>
-              <a:buClr>
-                <a:schemeClr val="lt1"/>
-              </a:buClr>
-              <a:buSzPct val="100000"/>
-              <a:buFont typeface="Arial"/>
-              <a:buChar char="●"/>
-            </a:pPr>
-            <a:r>
-              <a:rPr lang="en-CA" sz="7565">
-                <a:solidFill>
-                  <a:schemeClr val="lt1"/>
-                </a:solidFill>
-                <a:highlight>
-                  <a:srgbClr val="434343"/>
-                </a:highlight>
-                <a:latin typeface="Arial"/>
-                <a:ea typeface="Arial"/>
-                <a:cs typeface="Arial"/>
-                <a:sym typeface="Arial"/>
-              </a:rPr>
-              <a:t>Observe how they interact over time</a:t>
-            </a:r>
-            <a:endParaRPr sz="7565">
-              <a:solidFill>
-                <a:schemeClr val="lt1"/>
-              </a:solidFill>
-              <a:highlight>
-                <a:srgbClr val="434343"/>
-              </a:highlight>
-              <a:latin typeface="Arial"/>
-              <a:ea typeface="Arial"/>
-              <a:cs typeface="Arial"/>
-              <a:sym typeface="Arial"/>
-            </a:endParaRPr>
-          </a:p>
-          <a:p>
-            <a:pPr indent="-348700" lvl="0" marL="457200" rtl="0" algn="l">
-              <a:spcBef>
-                <a:spcPts val="0"/>
-              </a:spcBef>
-              <a:spcAft>
-                <a:spcPts val="0"/>
-              </a:spcAft>
-              <a:buClr>
-                <a:schemeClr val="lt1"/>
-              </a:buClr>
-              <a:buSzPct val="100000"/>
-              <a:buFont typeface="Arial"/>
-              <a:buChar char="●"/>
-            </a:pPr>
-            <a:r>
-              <a:rPr lang="en-CA" sz="7565">
-                <a:solidFill>
-                  <a:schemeClr val="lt1"/>
-                </a:solidFill>
-                <a:highlight>
-                  <a:srgbClr val="434343"/>
-                </a:highlight>
-                <a:latin typeface="Arial"/>
-                <a:ea typeface="Arial"/>
-                <a:cs typeface="Arial"/>
-                <a:sym typeface="Arial"/>
-              </a:rPr>
-              <a:t>Saved </a:t>
-            </a:r>
-            <a:r>
-              <a:rPr lang="en-CA" sz="7565">
-                <a:solidFill>
-                  <a:schemeClr val="lt1"/>
-                </a:solidFill>
-                <a:highlight>
-                  <a:srgbClr val="434343"/>
-                </a:highlight>
-                <a:latin typeface="Arial"/>
-                <a:ea typeface="Arial"/>
-                <a:cs typeface="Arial"/>
-                <a:sym typeface="Arial"/>
-              </a:rPr>
-              <a:t>environment</a:t>
-            </a:r>
-            <a:endParaRPr sz="7565">
-              <a:solidFill>
-                <a:schemeClr val="lt1"/>
-              </a:solidFill>
-              <a:highlight>
-                <a:srgbClr val="434343"/>
-              </a:highlight>
-              <a:latin typeface="Arial"/>
-              <a:ea typeface="Arial"/>
-              <a:cs typeface="Arial"/>
-              <a:sym typeface="Arial"/>
-            </a:endParaRPr>
-          </a:p>
-          <a:p>
-            <a:pPr indent="-348700" lvl="0" marL="457200" rtl="0" algn="l">
-              <a:spcBef>
-                <a:spcPts val="0"/>
-              </a:spcBef>
-              <a:spcAft>
-                <a:spcPts val="0"/>
-              </a:spcAft>
-              <a:buClr>
-                <a:schemeClr val="lt1"/>
-              </a:buClr>
-              <a:buSzPct val="100000"/>
-              <a:buFont typeface="Arial"/>
-              <a:buChar char="●"/>
-            </a:pPr>
-            <a:r>
-              <a:rPr lang="en-CA" sz="7565">
-                <a:solidFill>
-                  <a:schemeClr val="lt1"/>
-                </a:solidFill>
-                <a:highlight>
-                  <a:srgbClr val="434343"/>
-                </a:highlight>
-                <a:latin typeface="Arial"/>
-                <a:ea typeface="Arial"/>
-                <a:cs typeface="Arial"/>
-                <a:sym typeface="Arial"/>
-              </a:rPr>
-              <a:t>Load pre -set environment(it means you can already have the solar sytem)</a:t>
-            </a:r>
-            <a:endParaRPr sz="7565">
-              <a:solidFill>
-                <a:schemeClr val="lt1"/>
-              </a:solidFill>
-              <a:highlight>
-                <a:srgbClr val="434343"/>
-              </a:highlight>
-              <a:latin typeface="Arial"/>
-              <a:ea typeface="Arial"/>
-              <a:cs typeface="Arial"/>
-              <a:sym typeface="Arial"/>
-            </a:endParaRPr>
-          </a:p>
-          <a:p>
-            <a:pPr indent="0" lvl="0" marL="0" rtl="0" algn="l">
-              <a:spcBef>
-                <a:spcPts val="1200"/>
-              </a:spcBef>
-              <a:spcAft>
-                <a:spcPts val="0"/>
-              </a:spcAft>
-              <a:buNone/>
-            </a:pPr>
-            <a:r>
-              <a:t/>
-            </a:r>
-            <a:endParaRPr sz="7565">
-              <a:solidFill>
-                <a:schemeClr val="lt1"/>
-              </a:solidFill>
-              <a:highlight>
-                <a:srgbClr val="434343"/>
-              </a:highlight>
-              <a:latin typeface="Arial"/>
-              <a:ea typeface="Arial"/>
-              <a:cs typeface="Arial"/>
-              <a:sym typeface="Arial"/>
-            </a:endParaRPr>
-          </a:p>
-          <a:p>
-            <a:pPr indent="0" lvl="0" marL="457200" rtl="0" algn="l">
-              <a:spcBef>
-                <a:spcPts val="1200"/>
-              </a:spcBef>
-              <a:spcAft>
-                <a:spcPts val="0"/>
-              </a:spcAft>
-              <a:buNone/>
-            </a:pPr>
-            <a:r>
-              <a:t/>
-            </a:r>
-            <a:endParaRPr sz="1600">
-              <a:solidFill>
-                <a:schemeClr val="lt1"/>
-              </a:solidFill>
-              <a:highlight>
-                <a:srgbClr val="434343"/>
-              </a:highlight>
-              <a:latin typeface="Arial"/>
-              <a:ea typeface="Arial"/>
-              <a:cs typeface="Arial"/>
-              <a:sym typeface="Arial"/>
-            </a:endParaRPr>
-          </a:p>
-          <a:p>
-            <a:pPr indent="0" lvl="0" marL="457200" rtl="0" algn="l">
-              <a:spcBef>
-                <a:spcPts val="1200"/>
-              </a:spcBef>
-              <a:spcAft>
-                <a:spcPts val="0"/>
-              </a:spcAft>
-              <a:buNone/>
-            </a:pPr>
-            <a:r>
-              <a:t/>
-            </a:r>
-            <a:endParaRPr sz="1600">
-              <a:solidFill>
-                <a:schemeClr val="lt1"/>
-              </a:solidFill>
-              <a:highlight>
-                <a:srgbClr val="434343"/>
-              </a:highlight>
-              <a:latin typeface="Arial"/>
-              <a:ea typeface="Arial"/>
-              <a:cs typeface="Arial"/>
-              <a:sym typeface="Arial"/>
-            </a:endParaRPr>
-          </a:p>
-          <a:p>
-            <a:pPr indent="0" lvl="0" marL="457200" rtl="0" algn="l">
-              <a:spcBef>
-                <a:spcPts val="1200"/>
-              </a:spcBef>
-              <a:spcAft>
-                <a:spcPts val="0"/>
-              </a:spcAft>
-              <a:buNone/>
-            </a:pPr>
-            <a:r>
-              <a:t/>
-            </a:r>
-            <a:endParaRPr sz="1600">
-              <a:solidFill>
-                <a:schemeClr val="lt1"/>
-              </a:solidFill>
-              <a:highlight>
-                <a:srgbClr val="434343"/>
-              </a:highlight>
-              <a:latin typeface="Arial"/>
-              <a:ea typeface="Arial"/>
-              <a:cs typeface="Arial"/>
-              <a:sym typeface="Arial"/>
-            </a:endParaRPr>
-          </a:p>
-          <a:p>
-            <a:pPr indent="0" lvl="0" marL="0" rtl="0" algn="l">
-              <a:spcBef>
-                <a:spcPts val="1200"/>
-              </a:spcBef>
-              <a:spcAft>
-                <a:spcPts val="0"/>
-              </a:spcAft>
-              <a:buNone/>
-            </a:pPr>
-            <a:r>
-              <a:t/>
-            </a:r>
-            <a:endParaRPr>
-              <a:solidFill>
-                <a:schemeClr val="lt1"/>
-              </a:solidFill>
-              <a:highlight>
-                <a:srgbClr val="434343"/>
-              </a:highlight>
-            </a:endParaRPr>
-          </a:p>
-          <a:p>
-            <a:pPr indent="0" lvl="0" marL="0" rtl="0" algn="l">
-              <a:spcBef>
-                <a:spcPts val="1200"/>
-              </a:spcBef>
-              <a:spcAft>
-                <a:spcPts val="1200"/>
-              </a:spcAft>
-              <a:buNone/>
-            </a:pPr>
-            <a:r>
-              <a:t/>
-            </a:r>
-            <a:endParaRPr>
-              <a:solidFill>
-                <a:schemeClr val="lt1"/>
-              </a:solidFill>
-              <a:highlight>
-                <a:srgbClr val="434343"/>
-              </a:highlight>
-            </a:endParaRPr>
-          </a:p>
-        </p:txBody>
-      </p:sp>
-    </p:spTree>
-  </p:cSld>
-  <p:clrMapOvr>
-    <a:masterClrMapping/>
-  </p:clrMapOvr>
-</p:sld>
-</file>
-
-<file path=ppt/slides/slide7.xml><?xml version="1.0" encoding="utf-8"?>
-<p:sld xmlns:a="http://schemas.openxmlformats.org/drawingml/2006/main" xmlns:r="http://schemas.openxmlformats.org/officeDocument/2006/relationships" xmlns:mc="http://schemas.openxmlformats.org/markup-compatibility/2006" xmlns:mv="urn:schemas-microsoft-com:mac:vml" xmlns:p="http://schemas.openxmlformats.org/presentationml/2006/main" xmlns:c="http://schemas.openxmlformats.org/drawingml/2006/chart" xmlns:dgm="http://schemas.openxmlformats.org/drawingml/2006/diagram" xmlns:o="urn:schemas-microsoft-com:office:office" xmlns:v="urn:schemas-microsoft-com:vml" xmlns:pvml="urn:schemas-microsoft-com:office:powerpoint" xmlns:com="http://schemas.openxmlformats.org/drawingml/2006/compatibility" xmlns:p14="http://schemas.microsoft.com/office/powerpoint/2010/main" xmlns:p15="http://schemas.microsoft.com/office/powerpoint/2012/main" xmlns:ahyp="http://schemas.microsoft.com/office/drawing/2018/hyperlinkcolor">
-  <p:cSld>
-    <p:bg>
-      <p:bgPr>
-        <a:blipFill>
-          <a:blip r:embed="rId3">
-            <a:alphaModFix/>
-          </a:blip>
-          <a:stretch>
-            <a:fillRect/>
-          </a:stretch>
-        </a:blipFill>
-      </p:bgPr>
-    </p:bg>
-    <p:spTree>
-      <p:nvGrpSpPr>
-        <p:cNvPr id="89" name="Shape 89"/>
-        <p:cNvGrpSpPr/>
-        <p:nvPr/>
-      </p:nvGrpSpPr>
-      <p:grpSpPr>
-        <a:xfrm>
-          <a:off x="0" y="0"/>
-          <a:ext cx="0" cy="0"/>
-          <a:chOff x="0" y="0"/>
-          <a:chExt cx="0" cy="0"/>
-        </a:xfrm>
-      </p:grpSpPr>
-      <p:sp>
-        <p:nvSpPr>
-          <p:cNvPr id="90" name="Google Shape;90;p19"/>
-          <p:cNvSpPr txBox="1"/>
-          <p:nvPr>
-            <p:ph type="title"/>
-          </p:nvPr>
-        </p:nvSpPr>
-        <p:spPr>
-          <a:xfrm>
-            <a:off x="311700" y="445025"/>
-            <a:ext cx="8520600" cy="572700"/>
-          </a:xfrm>
-          <a:prstGeom prst="rect">
-            <a:avLst/>
-          </a:prstGeom>
-        </p:spPr>
-        <p:txBody>
-          <a:bodyPr anchorCtr="0" anchor="t" bIns="91425" lIns="91425" spcFirstLastPara="1" rIns="91425" wrap="square" tIns="91425">
-            <a:normAutofit fontScale="90000"/>
-          </a:bodyPr>
-          <a:lstStyle/>
-          <a:p>
-            <a:pPr indent="0" lvl="0" marL="0" rtl="0" algn="l">
-              <a:spcBef>
-                <a:spcPts val="0"/>
-              </a:spcBef>
-              <a:spcAft>
-                <a:spcPts val="0"/>
-              </a:spcAft>
-              <a:buNone/>
-            </a:pPr>
-            <a:r>
-              <a:rPr lang="en-CA">
-                <a:solidFill>
-                  <a:srgbClr val="F3F3F3"/>
-                </a:solidFill>
-                <a:highlight>
-                  <a:srgbClr val="434343"/>
-                </a:highlight>
-              </a:rPr>
-              <a:t>Camera’s features</a:t>
-            </a:r>
-            <a:endParaRPr>
-              <a:solidFill>
-                <a:srgbClr val="F3F3F3"/>
-              </a:solidFill>
-              <a:highlight>
-                <a:srgbClr val="434343"/>
-              </a:highlight>
-            </a:endParaRPr>
-          </a:p>
-        </p:txBody>
-      </p:sp>
-      <p:sp>
-        <p:nvSpPr>
-          <p:cNvPr id="91" name="Google Shape;91;p19"/>
-          <p:cNvSpPr txBox="1"/>
-          <p:nvPr>
-            <p:ph idx="1" type="body"/>
-          </p:nvPr>
-        </p:nvSpPr>
-        <p:spPr>
-          <a:xfrm>
-            <a:off x="311700" y="1152475"/>
-            <a:ext cx="8520600" cy="3416400"/>
-          </a:xfrm>
-          <a:prstGeom prst="rect">
-            <a:avLst/>
-          </a:prstGeom>
-        </p:spPr>
-        <p:txBody>
-          <a:bodyPr anchorCtr="0" anchor="t" bIns="91425" lIns="91425" spcFirstLastPara="1" rIns="91425" wrap="square" tIns="91425">
-            <a:noAutofit/>
-          </a:bodyPr>
-          <a:lstStyle/>
-          <a:p>
-            <a:pPr indent="0" lvl="0" marL="0" rtl="0" algn="l">
-              <a:spcBef>
-                <a:spcPts val="0"/>
-              </a:spcBef>
-              <a:spcAft>
-                <a:spcPts val="0"/>
-              </a:spcAft>
-              <a:buClr>
-                <a:schemeClr val="dk1"/>
-              </a:buClr>
-              <a:buSzPts val="1100"/>
-              <a:buFont typeface="Arial"/>
-              <a:buNone/>
-            </a:pPr>
-            <a:r>
-              <a:rPr b="1" lang="en-CA">
-                <a:solidFill>
-                  <a:srgbClr val="F3F3F3"/>
-                </a:solidFill>
-                <a:highlight>
-                  <a:srgbClr val="434343"/>
-                </a:highlight>
-                <a:latin typeface="Arial"/>
-                <a:ea typeface="Arial"/>
-                <a:cs typeface="Arial"/>
-                <a:sym typeface="Arial"/>
-              </a:rPr>
-              <a:t>Camera Controls:</a:t>
-            </a:r>
-            <a:endParaRPr b="1">
-              <a:solidFill>
-                <a:srgbClr val="F3F3F3"/>
-              </a:solidFill>
-              <a:highlight>
-                <a:srgbClr val="434343"/>
-              </a:highlight>
-              <a:latin typeface="Arial"/>
-              <a:ea typeface="Arial"/>
-              <a:cs typeface="Arial"/>
-              <a:sym typeface="Arial"/>
-            </a:endParaRPr>
-          </a:p>
-          <a:p>
-            <a:pPr indent="-342900" lvl="0" marL="457200" rtl="0" algn="l">
-              <a:spcBef>
-                <a:spcPts val="1200"/>
-              </a:spcBef>
-              <a:spcAft>
-                <a:spcPts val="0"/>
-              </a:spcAft>
-              <a:buClr>
-                <a:srgbClr val="F3F3F3"/>
-              </a:buClr>
-              <a:buSzPts val="1800"/>
-              <a:buFont typeface="Arial"/>
-              <a:buChar char="●"/>
-            </a:pPr>
-            <a:r>
-              <a:rPr lang="en-CA">
-                <a:solidFill>
-                  <a:srgbClr val="F3F3F3"/>
-                </a:solidFill>
-                <a:highlight>
-                  <a:srgbClr val="434343"/>
-                </a:highlight>
-                <a:latin typeface="Arial"/>
-                <a:ea typeface="Arial"/>
-                <a:cs typeface="Arial"/>
-                <a:sym typeface="Arial"/>
-              </a:rPr>
-              <a:t>Free movement or lock onto a planet</a:t>
-            </a:r>
-            <a:endParaRPr>
-              <a:solidFill>
-                <a:srgbClr val="F3F3F3"/>
-              </a:solidFill>
-              <a:highlight>
-                <a:srgbClr val="434343"/>
-              </a:highlight>
-              <a:latin typeface="Arial"/>
-              <a:ea typeface="Arial"/>
-              <a:cs typeface="Arial"/>
-              <a:sym typeface="Arial"/>
-            </a:endParaRPr>
-          </a:p>
-          <a:p>
-            <a:pPr indent="0" lvl="0" marL="0" rtl="0" algn="l">
-              <a:spcBef>
-                <a:spcPts val="1200"/>
-              </a:spcBef>
-              <a:spcAft>
-                <a:spcPts val="0"/>
-              </a:spcAft>
-              <a:buClr>
-                <a:schemeClr val="dk1"/>
-              </a:buClr>
-              <a:buSzPts val="1100"/>
-              <a:buFont typeface="Arial"/>
-              <a:buNone/>
-            </a:pPr>
-            <a:r>
-              <a:rPr b="1" lang="en-CA">
-                <a:solidFill>
-                  <a:srgbClr val="F3F3F3"/>
-                </a:solidFill>
-                <a:highlight>
-                  <a:srgbClr val="434343"/>
-                </a:highlight>
-                <a:latin typeface="Arial"/>
-                <a:ea typeface="Arial"/>
-                <a:cs typeface="Arial"/>
-                <a:sym typeface="Arial"/>
-              </a:rPr>
-              <a:t>Pause/Play Function:</a:t>
-            </a:r>
-            <a:endParaRPr b="1">
-              <a:solidFill>
-                <a:srgbClr val="F3F3F3"/>
-              </a:solidFill>
-              <a:highlight>
-                <a:srgbClr val="434343"/>
-              </a:highlight>
-              <a:latin typeface="Arial"/>
-              <a:ea typeface="Arial"/>
-              <a:cs typeface="Arial"/>
-              <a:sym typeface="Arial"/>
-            </a:endParaRPr>
-          </a:p>
-          <a:p>
-            <a:pPr indent="-342900" lvl="0" marL="457200" rtl="0" algn="l">
-              <a:spcBef>
-                <a:spcPts val="1200"/>
-              </a:spcBef>
-              <a:spcAft>
-                <a:spcPts val="0"/>
-              </a:spcAft>
-              <a:buClr>
-                <a:srgbClr val="F3F3F3"/>
-              </a:buClr>
-              <a:buSzPts val="1800"/>
-              <a:buFont typeface="Arial"/>
-              <a:buChar char="●"/>
-            </a:pPr>
-            <a:r>
-              <a:rPr lang="en-CA">
-                <a:solidFill>
-                  <a:srgbClr val="F3F3F3"/>
-                </a:solidFill>
-                <a:highlight>
-                  <a:srgbClr val="434343"/>
-                </a:highlight>
-                <a:latin typeface="Arial"/>
-                <a:ea typeface="Arial"/>
-                <a:cs typeface="Arial"/>
-                <a:sym typeface="Arial"/>
-              </a:rPr>
-              <a:t>Stabilize positions for observation</a:t>
-            </a:r>
-            <a:endParaRPr>
-              <a:solidFill>
-                <a:srgbClr val="F3F3F3"/>
-              </a:solidFill>
-              <a:highlight>
-                <a:srgbClr val="434343"/>
-              </a:highlight>
-              <a:latin typeface="Arial"/>
-              <a:ea typeface="Arial"/>
-              <a:cs typeface="Arial"/>
-              <a:sym typeface="Arial"/>
-            </a:endParaRPr>
-          </a:p>
-          <a:p>
-            <a:pPr indent="0" lvl="0" marL="0" rtl="0" algn="l">
-              <a:spcBef>
-                <a:spcPts val="1200"/>
-              </a:spcBef>
-              <a:spcAft>
-                <a:spcPts val="0"/>
-              </a:spcAft>
-              <a:buClr>
-                <a:schemeClr val="dk1"/>
-              </a:buClr>
-              <a:buSzPts val="1100"/>
-              <a:buFont typeface="Arial"/>
-              <a:buNone/>
-            </a:pPr>
-            <a:r>
-              <a:rPr b="1" lang="en-CA">
-                <a:solidFill>
-                  <a:srgbClr val="F3F3F3"/>
-                </a:solidFill>
-                <a:highlight>
-                  <a:srgbClr val="434343"/>
-                </a:highlight>
-                <a:latin typeface="Arial"/>
-                <a:ea typeface="Arial"/>
-                <a:cs typeface="Arial"/>
-                <a:sym typeface="Arial"/>
-              </a:rPr>
-              <a:t>Info Window:</a:t>
-            </a:r>
-            <a:endParaRPr b="1">
-              <a:solidFill>
-                <a:srgbClr val="F3F3F3"/>
-              </a:solidFill>
-              <a:highlight>
-                <a:srgbClr val="434343"/>
-              </a:highlight>
-              <a:latin typeface="Arial"/>
-              <a:ea typeface="Arial"/>
-              <a:cs typeface="Arial"/>
-              <a:sym typeface="Arial"/>
-            </a:endParaRPr>
-          </a:p>
-          <a:p>
-            <a:pPr indent="-342900" lvl="0" marL="457200" rtl="0" algn="l">
-              <a:spcBef>
-                <a:spcPts val="1200"/>
-              </a:spcBef>
-              <a:spcAft>
-                <a:spcPts val="0"/>
-              </a:spcAft>
-              <a:buClr>
-                <a:srgbClr val="F3F3F3"/>
-              </a:buClr>
-              <a:buSzPts val="1800"/>
-              <a:buFont typeface="Arial"/>
-              <a:buChar char="●"/>
-            </a:pPr>
-            <a:r>
-              <a:rPr lang="en-CA">
-                <a:solidFill>
-                  <a:srgbClr val="F3F3F3"/>
-                </a:solidFill>
-                <a:highlight>
-                  <a:srgbClr val="434343"/>
-                </a:highlight>
-                <a:latin typeface="Arial"/>
-                <a:ea typeface="Arial"/>
-                <a:cs typeface="Arial"/>
-                <a:sym typeface="Arial"/>
-              </a:rPr>
-              <a:t>Displays mass, velocity, and other properties</a:t>
-            </a:r>
-            <a:endParaRPr>
-              <a:solidFill>
-                <a:srgbClr val="F3F3F3"/>
-              </a:solidFill>
-              <a:highlight>
-                <a:srgbClr val="434343"/>
-              </a:highlight>
-              <a:latin typeface="Arial"/>
-              <a:ea typeface="Arial"/>
-              <a:cs typeface="Arial"/>
-              <a:sym typeface="Arial"/>
-            </a:endParaRPr>
-          </a:p>
-          <a:p>
-            <a:pPr indent="0" lvl="0" marL="0" rtl="0" algn="l">
-              <a:spcBef>
-                <a:spcPts val="1200"/>
-              </a:spcBef>
-              <a:spcAft>
-                <a:spcPts val="1200"/>
-              </a:spcAft>
-              <a:buNone/>
-            </a:pPr>
-            <a:r>
-              <a:t/>
-            </a:r>
-            <a:endParaRPr>
-              <a:solidFill>
-                <a:srgbClr val="F3F3F3"/>
-              </a:solidFill>
-              <a:highlight>
-                <a:srgbClr val="434343"/>
-              </a:highlight>
-            </a:endParaRPr>
-          </a:p>
-        </p:txBody>
-      </p:sp>
-    </p:spTree>
-  </p:cSld>
-  <p:clrMapOvr>
-    <a:masterClrMapping/>
-  </p:clrMapOvr>
-</p:sld>
-</file>
-
-<file path=ppt/slides/slide8.xml><?xml version="1.0" encoding="utf-8"?>
-<p:sld xmlns:a="http://schemas.openxmlformats.org/drawingml/2006/main" xmlns:r="http://schemas.openxmlformats.org/officeDocument/2006/relationships" xmlns:mc="http://schemas.openxmlformats.org/markup-compatibility/2006" xmlns:mv="urn:schemas-microsoft-com:mac:vml" xmlns:p="http://schemas.openxmlformats.org/presentationml/2006/main" xmlns:c="http://schemas.openxmlformats.org/drawingml/2006/chart" xmlns:dgm="http://schemas.openxmlformats.org/drawingml/2006/diagram" xmlns:o="urn:schemas-microsoft-com:office:office" xmlns:v="urn:schemas-microsoft-com:vml" xmlns:pvml="urn:schemas-microsoft-com:office:powerpoint" xmlns:com="http://schemas.openxmlformats.org/drawingml/2006/compatibility" xmlns:p14="http://schemas.microsoft.com/office/powerpoint/2010/main" xmlns:p15="http://schemas.microsoft.com/office/powerpoint/2012/main" xmlns:ahyp="http://schemas.microsoft.com/office/drawing/2018/hyperlinkcolor">
-  <p:cSld>
-    <p:spTree>
-      <p:nvGrpSpPr>
-        <p:cNvPr id="95" name="Shape 95"/>
-        <p:cNvGrpSpPr/>
-        <p:nvPr/>
-      </p:nvGrpSpPr>
-      <p:grpSpPr>
-        <a:xfrm>
-          <a:off x="0" y="0"/>
-          <a:ext cx="0" cy="0"/>
-          <a:chOff x="0" y="0"/>
-          <a:chExt cx="0" cy="0"/>
-        </a:xfrm>
-      </p:grpSpPr>
-      <p:sp>
-        <p:nvSpPr>
-          <p:cNvPr id="96" name="Google Shape;96;p20"/>
-          <p:cNvSpPr txBox="1"/>
-          <p:nvPr>
-            <p:ph type="title"/>
-          </p:nvPr>
-        </p:nvSpPr>
-        <p:spPr>
-          <a:xfrm>
-            <a:off x="311700" y="445025"/>
-            <a:ext cx="8520600" cy="572700"/>
-          </a:xfrm>
-          <a:prstGeom prst="rect">
-            <a:avLst/>
-          </a:prstGeom>
-        </p:spPr>
-        <p:txBody>
-          <a:bodyPr anchorCtr="0" anchor="t" bIns="91425" lIns="91425" spcFirstLastPara="1" rIns="91425" wrap="square" tIns="91425">
-            <a:normAutofit fontScale="90000"/>
-          </a:bodyPr>
-          <a:lstStyle/>
-          <a:p>
-            <a:pPr indent="0" lvl="0" marL="0" rtl="0" algn="l">
-              <a:spcBef>
-                <a:spcPts val="0"/>
-              </a:spcBef>
-              <a:spcAft>
-                <a:spcPts val="0"/>
-              </a:spcAft>
-              <a:buNone/>
-            </a:pPr>
-            <a:r>
-              <a:rPr lang="en-CA"/>
-              <a:t>Project Idea</a:t>
-            </a:r>
-            <a:endParaRPr/>
-          </a:p>
-        </p:txBody>
-      </p:sp>
-      <p:sp>
-        <p:nvSpPr>
-          <p:cNvPr id="97" name="Google Shape;97;p20"/>
-          <p:cNvSpPr txBox="1"/>
-          <p:nvPr>
-            <p:ph idx="1" type="body"/>
-          </p:nvPr>
-        </p:nvSpPr>
-        <p:spPr>
-          <a:xfrm>
-            <a:off x="311700" y="1152475"/>
-            <a:ext cx="8520600" cy="3416400"/>
-          </a:xfrm>
-          <a:prstGeom prst="rect">
-            <a:avLst/>
-          </a:prstGeom>
-        </p:spPr>
-        <p:txBody>
-          <a:bodyPr anchorCtr="0" anchor="t" bIns="91425" lIns="91425" spcFirstLastPara="1" rIns="91425" wrap="square" tIns="91425">
-            <a:normAutofit/>
-          </a:bodyPr>
-          <a:lstStyle/>
-          <a:p>
             <a:pPr indent="0" lvl="0" marL="0" rtl="0" algn="l">
               <a:spcBef>
                 <a:spcPts val="0"/>
@@ -9453,7 +7866,7 @@
       </p:sp>
       <p:graphicFrame>
         <p:nvGraphicFramePr>
-          <p:cNvPr id="98" name="Google Shape;98;p20"/>
+          <p:cNvPr id="62" name="Google Shape;62;p14"/>
           <p:cNvGraphicFramePr/>
           <p:nvPr/>
         </p:nvGraphicFramePr>
@@ -9466,7 +7879,7 @@
             <a:tbl>
               <a:tblPr>
                 <a:noFill/>
-                <a:tableStyleId>{8053B414-726D-4229-9045-DA8BB78E563C}</a:tableStyleId>
+                <a:tableStyleId>{F316A7BA-1DBA-4FC3-9506-020F22D0E716}</a:tableStyleId>
               </a:tblPr>
               <a:tblGrid>
                 <a:gridCol w="3619500"/>
@@ -9724,6 +8137,2093 @@
 </p:sld>
 </file>
 
+<file path=ppt/slides/slide3.xml><?xml version="1.0" encoding="utf-8"?>
+<p:sld xmlns:a="http://schemas.openxmlformats.org/drawingml/2006/main" xmlns:r="http://schemas.openxmlformats.org/officeDocument/2006/relationships" xmlns:mc="http://schemas.openxmlformats.org/markup-compatibility/2006" xmlns:mv="urn:schemas-microsoft-com:mac:vml" xmlns:p="http://schemas.openxmlformats.org/presentationml/2006/main" xmlns:c="http://schemas.openxmlformats.org/drawingml/2006/chart" xmlns:dgm="http://schemas.openxmlformats.org/drawingml/2006/diagram" xmlns:o="urn:schemas-microsoft-com:office:office" xmlns:v="urn:schemas-microsoft-com:vml" xmlns:pvml="urn:schemas-microsoft-com:office:powerpoint" xmlns:com="http://schemas.openxmlformats.org/drawingml/2006/compatibility" xmlns:p14="http://schemas.microsoft.com/office/powerpoint/2010/main" xmlns:p15="http://schemas.microsoft.com/office/powerpoint/2012/main" xmlns:ahyp="http://schemas.microsoft.com/office/drawing/2018/hyperlinkcolor">
+  <p:cSld>
+    <p:bg>
+      <p:bgPr>
+        <a:blipFill>
+          <a:blip r:embed="rId3">
+            <a:alphaModFix/>
+          </a:blip>
+          <a:stretch>
+            <a:fillRect/>
+          </a:stretch>
+        </a:blipFill>
+      </p:bgPr>
+    </p:bg>
+    <p:spTree>
+      <p:nvGrpSpPr>
+        <p:cNvPr id="66" name="Shape 66"/>
+        <p:cNvGrpSpPr/>
+        <p:nvPr/>
+      </p:nvGrpSpPr>
+      <p:grpSpPr>
+        <a:xfrm>
+          <a:off x="0" y="0"/>
+          <a:ext cx="0" cy="0"/>
+          <a:chOff x="0" y="0"/>
+          <a:chExt cx="0" cy="0"/>
+        </a:xfrm>
+      </p:grpSpPr>
+      <p:sp>
+        <p:nvSpPr>
+          <p:cNvPr id="67" name="Google Shape;67;p15"/>
+          <p:cNvSpPr txBox="1"/>
+          <p:nvPr>
+            <p:ph type="title"/>
+          </p:nvPr>
+        </p:nvSpPr>
+        <p:spPr>
+          <a:xfrm>
+            <a:off x="311700" y="445025"/>
+            <a:ext cx="8520600" cy="572700"/>
+          </a:xfrm>
+          <a:prstGeom prst="rect">
+            <a:avLst/>
+          </a:prstGeom>
+        </p:spPr>
+        <p:txBody>
+          <a:bodyPr anchorCtr="0" anchor="t" bIns="91425" lIns="91425" spcFirstLastPara="1" rIns="91425" wrap="square" tIns="91425">
+            <a:normAutofit fontScale="90000"/>
+          </a:bodyPr>
+          <a:lstStyle/>
+          <a:p>
+            <a:pPr indent="0" lvl="0" marL="0" rtl="0" algn="l">
+              <a:spcBef>
+                <a:spcPts val="0"/>
+              </a:spcBef>
+              <a:spcAft>
+                <a:spcPts val="0"/>
+              </a:spcAft>
+              <a:buNone/>
+            </a:pPr>
+            <a:r>
+              <a:t/>
+            </a:r>
+            <a:endParaRPr/>
+          </a:p>
+        </p:txBody>
+      </p:sp>
+      <p:sp>
+        <p:nvSpPr>
+          <p:cNvPr id="68" name="Google Shape;68;p15"/>
+          <p:cNvSpPr txBox="1"/>
+          <p:nvPr>
+            <p:ph idx="1" type="body"/>
+          </p:nvPr>
+        </p:nvSpPr>
+        <p:spPr>
+          <a:xfrm>
+            <a:off x="311700" y="1152475"/>
+            <a:ext cx="8520600" cy="3416400"/>
+          </a:xfrm>
+          <a:prstGeom prst="rect">
+            <a:avLst/>
+          </a:prstGeom>
+        </p:spPr>
+        <p:txBody>
+          <a:bodyPr anchorCtr="0" anchor="t" bIns="91425" lIns="91425" spcFirstLastPara="1" rIns="91425" wrap="square" tIns="91425">
+            <a:normAutofit/>
+          </a:bodyPr>
+          <a:lstStyle/>
+          <a:p>
+            <a:pPr indent="-298450" lvl="1" marL="914400" rtl="0" algn="l">
+              <a:spcBef>
+                <a:spcPts val="1200"/>
+              </a:spcBef>
+              <a:spcAft>
+                <a:spcPts val="0"/>
+              </a:spcAft>
+              <a:buSzPts val="1100"/>
+              <a:buFont typeface="Arial"/>
+              <a:buChar char="○"/>
+            </a:pPr>
+            <a:r>
+              <a:rPr lang="en-CA" sz="1900">
+                <a:solidFill>
+                  <a:srgbClr val="F3F3F3"/>
+                </a:solidFill>
+                <a:highlight>
+                  <a:srgbClr val="434343"/>
+                </a:highlight>
+              </a:rPr>
+              <a:t>Simulate and visualize how gravity affects celestial bodies</a:t>
+            </a:r>
+            <a:endParaRPr sz="1900">
+              <a:solidFill>
+                <a:srgbClr val="F3F3F3"/>
+              </a:solidFill>
+              <a:highlight>
+                <a:srgbClr val="434343"/>
+              </a:highlight>
+            </a:endParaRPr>
+          </a:p>
+          <a:p>
+            <a:pPr indent="-298450" lvl="1" marL="914400" rtl="0" algn="l">
+              <a:spcBef>
+                <a:spcPts val="0"/>
+              </a:spcBef>
+              <a:spcAft>
+                <a:spcPts val="0"/>
+              </a:spcAft>
+              <a:buSzPts val="1100"/>
+              <a:buFont typeface="Arial"/>
+              <a:buChar char="○"/>
+            </a:pPr>
+            <a:r>
+              <a:rPr lang="en-CA" sz="1900">
+                <a:solidFill>
+                  <a:srgbClr val="F3F3F3"/>
+                </a:solidFill>
+                <a:highlight>
+                  <a:srgbClr val="434343"/>
+                </a:highlight>
+              </a:rPr>
+              <a:t>Provide an interactive “sandbox” mode for users to create systems</a:t>
+            </a:r>
+            <a:endParaRPr sz="1900">
+              <a:solidFill>
+                <a:srgbClr val="F3F3F3"/>
+              </a:solidFill>
+              <a:highlight>
+                <a:srgbClr val="434343"/>
+              </a:highlight>
+            </a:endParaRPr>
+          </a:p>
+          <a:p>
+            <a:pPr indent="-298450" lvl="1" marL="914400" rtl="0" algn="l">
+              <a:spcBef>
+                <a:spcPts val="0"/>
+              </a:spcBef>
+              <a:spcAft>
+                <a:spcPts val="0"/>
+              </a:spcAft>
+              <a:buSzPts val="1100"/>
+              <a:buFont typeface="Arial"/>
+              <a:buChar char="○"/>
+            </a:pPr>
+            <a:r>
+              <a:rPr lang="en-CA" sz="1900">
+                <a:solidFill>
+                  <a:srgbClr val="F3F3F3"/>
+                </a:solidFill>
+                <a:highlight>
+                  <a:srgbClr val="434343"/>
+                </a:highlight>
+              </a:rPr>
+              <a:t>Apply real-world physics concepts in an engaging way</a:t>
+            </a:r>
+            <a:endParaRPr sz="1900">
+              <a:solidFill>
+                <a:srgbClr val="F3F3F3"/>
+              </a:solidFill>
+              <a:highlight>
+                <a:srgbClr val="434343"/>
+              </a:highlight>
+            </a:endParaRPr>
+          </a:p>
+          <a:p>
+            <a:pPr indent="0" lvl="0" marL="0" rtl="0" algn="l">
+              <a:spcBef>
+                <a:spcPts val="1200"/>
+              </a:spcBef>
+              <a:spcAft>
+                <a:spcPts val="1200"/>
+              </a:spcAft>
+              <a:buNone/>
+            </a:pPr>
+            <a:r>
+              <a:t/>
+            </a:r>
+            <a:endParaRPr sz="1900">
+              <a:solidFill>
+                <a:srgbClr val="F3F3F3"/>
+              </a:solidFill>
+              <a:highlight>
+                <a:srgbClr val="434343"/>
+              </a:highlight>
+            </a:endParaRPr>
+          </a:p>
+        </p:txBody>
+      </p:sp>
+    </p:spTree>
+  </p:cSld>
+  <p:clrMapOvr>
+    <a:masterClrMapping/>
+  </p:clrMapOvr>
+</p:sld>
+</file>
+
+<file path=ppt/slides/slide4.xml><?xml version="1.0" encoding="utf-8"?>
+<p:sld xmlns:a="http://schemas.openxmlformats.org/drawingml/2006/main" xmlns:r="http://schemas.openxmlformats.org/officeDocument/2006/relationships" xmlns:mc="http://schemas.openxmlformats.org/markup-compatibility/2006" xmlns:mv="urn:schemas-microsoft-com:mac:vml" xmlns:p="http://schemas.openxmlformats.org/presentationml/2006/main" xmlns:c="http://schemas.openxmlformats.org/drawingml/2006/chart" xmlns:dgm="http://schemas.openxmlformats.org/drawingml/2006/diagram" xmlns:o="urn:schemas-microsoft-com:office:office" xmlns:v="urn:schemas-microsoft-com:vml" xmlns:pvml="urn:schemas-microsoft-com:office:powerpoint" xmlns:com="http://schemas.openxmlformats.org/drawingml/2006/compatibility" xmlns:p14="http://schemas.microsoft.com/office/powerpoint/2010/main" xmlns:p15="http://schemas.microsoft.com/office/powerpoint/2012/main" xmlns:ahyp="http://schemas.microsoft.com/office/drawing/2018/hyperlinkcolor">
+  <p:cSld>
+    <p:bg>
+      <p:bgPr>
+        <a:blipFill>
+          <a:blip r:embed="rId3">
+            <a:alphaModFix/>
+          </a:blip>
+          <a:stretch>
+            <a:fillRect/>
+          </a:stretch>
+        </a:blipFill>
+      </p:bgPr>
+    </p:bg>
+    <p:spTree>
+      <p:nvGrpSpPr>
+        <p:cNvPr id="72" name="Shape 72"/>
+        <p:cNvGrpSpPr/>
+        <p:nvPr/>
+      </p:nvGrpSpPr>
+      <p:grpSpPr>
+        <a:xfrm>
+          <a:off x="0" y="0"/>
+          <a:ext cx="0" cy="0"/>
+          <a:chOff x="0" y="0"/>
+          <a:chExt cx="0" cy="0"/>
+        </a:xfrm>
+      </p:grpSpPr>
+      <p:sp>
+        <p:nvSpPr>
+          <p:cNvPr id="73" name="Google Shape;73;p16"/>
+          <p:cNvSpPr txBox="1"/>
+          <p:nvPr>
+            <p:ph type="title"/>
+          </p:nvPr>
+        </p:nvSpPr>
+        <p:spPr>
+          <a:xfrm>
+            <a:off x="311700" y="445025"/>
+            <a:ext cx="8520600" cy="1336500"/>
+          </a:xfrm>
+          <a:prstGeom prst="rect">
+            <a:avLst/>
+          </a:prstGeom>
+        </p:spPr>
+        <p:txBody>
+          <a:bodyPr anchorCtr="0" anchor="t" bIns="91425" lIns="91425" spcFirstLastPara="1" rIns="91425" wrap="square" tIns="91425">
+            <a:normAutofit/>
+          </a:bodyPr>
+          <a:lstStyle/>
+          <a:p>
+            <a:pPr indent="0" lvl="0" marL="0" rtl="0" algn="ctr">
+              <a:spcBef>
+                <a:spcPts val="0"/>
+              </a:spcBef>
+              <a:spcAft>
+                <a:spcPts val="0"/>
+              </a:spcAft>
+              <a:buNone/>
+            </a:pPr>
+            <a:r>
+              <a:rPr lang="en-CA">
+                <a:solidFill>
+                  <a:schemeClr val="lt1"/>
+                </a:solidFill>
+                <a:highlight>
+                  <a:srgbClr val="434343"/>
+                </a:highlight>
+              </a:rPr>
+              <a:t>Gravity</a:t>
+            </a:r>
+            <a:endParaRPr>
+              <a:solidFill>
+                <a:schemeClr val="lt1"/>
+              </a:solidFill>
+              <a:highlight>
+                <a:srgbClr val="434343"/>
+              </a:highlight>
+            </a:endParaRPr>
+          </a:p>
+        </p:txBody>
+      </p:sp>
+      <p:sp>
+        <p:nvSpPr>
+          <p:cNvPr id="74" name="Google Shape;74;p16"/>
+          <p:cNvSpPr txBox="1"/>
+          <p:nvPr>
+            <p:ph idx="1" type="body"/>
+          </p:nvPr>
+        </p:nvSpPr>
+        <p:spPr>
+          <a:xfrm>
+            <a:off x="311700" y="1152475"/>
+            <a:ext cx="8520600" cy="3416400"/>
+          </a:xfrm>
+          <a:prstGeom prst="rect">
+            <a:avLst/>
+          </a:prstGeom>
+        </p:spPr>
+        <p:txBody>
+          <a:bodyPr anchorCtr="0" anchor="t" bIns="91425" lIns="91425" spcFirstLastPara="1" rIns="91425" wrap="square" tIns="91425">
+            <a:normAutofit/>
+          </a:bodyPr>
+          <a:lstStyle/>
+          <a:p>
+            <a:pPr indent="0" lvl="0" marL="0" rtl="0" algn="l">
+              <a:spcBef>
+                <a:spcPts val="0"/>
+              </a:spcBef>
+              <a:spcAft>
+                <a:spcPts val="1200"/>
+              </a:spcAft>
+              <a:buNone/>
+            </a:pPr>
+            <a:r>
+              <a:t/>
+            </a:r>
+            <a:endParaRPr/>
+          </a:p>
+        </p:txBody>
+      </p:sp>
+    </p:spTree>
+  </p:cSld>
+  <p:clrMapOvr>
+    <a:masterClrMapping/>
+  </p:clrMapOvr>
+</p:sld>
+</file>
+
+<file path=ppt/slides/slide5.xml><?xml version="1.0" encoding="utf-8"?>
+<p:sld xmlns:a="http://schemas.openxmlformats.org/drawingml/2006/main" xmlns:r="http://schemas.openxmlformats.org/officeDocument/2006/relationships" xmlns:mc="http://schemas.openxmlformats.org/markup-compatibility/2006" xmlns:mv="urn:schemas-microsoft-com:mac:vml" xmlns:p="http://schemas.openxmlformats.org/presentationml/2006/main" xmlns:c="http://schemas.openxmlformats.org/drawingml/2006/chart" xmlns:dgm="http://schemas.openxmlformats.org/drawingml/2006/diagram" xmlns:o="urn:schemas-microsoft-com:office:office" xmlns:v="urn:schemas-microsoft-com:vml" xmlns:pvml="urn:schemas-microsoft-com:office:powerpoint" xmlns:com="http://schemas.openxmlformats.org/drawingml/2006/compatibility" xmlns:p14="http://schemas.microsoft.com/office/powerpoint/2010/main" xmlns:p15="http://schemas.microsoft.com/office/powerpoint/2012/main" xmlns:ahyp="http://schemas.microsoft.com/office/drawing/2018/hyperlinkcolor">
+  <p:cSld>
+    <p:bg>
+      <p:bgPr>
+        <a:blipFill>
+          <a:blip r:embed="rId3">
+            <a:alphaModFix/>
+          </a:blip>
+          <a:stretch>
+            <a:fillRect/>
+          </a:stretch>
+        </a:blipFill>
+      </p:bgPr>
+    </p:bg>
+    <p:spTree>
+      <p:nvGrpSpPr>
+        <p:cNvPr id="78" name="Shape 78"/>
+        <p:cNvGrpSpPr/>
+        <p:nvPr/>
+      </p:nvGrpSpPr>
+      <p:grpSpPr>
+        <a:xfrm>
+          <a:off x="0" y="0"/>
+          <a:ext cx="0" cy="0"/>
+          <a:chOff x="0" y="0"/>
+          <a:chExt cx="0" cy="0"/>
+        </a:xfrm>
+      </p:grpSpPr>
+      <p:sp>
+        <p:nvSpPr>
+          <p:cNvPr id="79" name="Google Shape;79;p17"/>
+          <p:cNvSpPr txBox="1"/>
+          <p:nvPr>
+            <p:ph type="title"/>
+          </p:nvPr>
+        </p:nvSpPr>
+        <p:spPr>
+          <a:xfrm>
+            <a:off x="311700" y="445025"/>
+            <a:ext cx="8520600" cy="572700"/>
+          </a:xfrm>
+          <a:prstGeom prst="rect">
+            <a:avLst/>
+          </a:prstGeom>
+        </p:spPr>
+        <p:txBody>
+          <a:bodyPr anchorCtr="0" anchor="t" bIns="91425" lIns="91425" spcFirstLastPara="1" rIns="91425" wrap="square" tIns="91425">
+            <a:normAutofit fontScale="90000"/>
+          </a:bodyPr>
+          <a:lstStyle/>
+          <a:p>
+            <a:pPr indent="0" lvl="0" marL="0" rtl="0" algn="l">
+              <a:spcBef>
+                <a:spcPts val="0"/>
+              </a:spcBef>
+              <a:spcAft>
+                <a:spcPts val="0"/>
+              </a:spcAft>
+              <a:buNone/>
+            </a:pPr>
+            <a:r>
+              <a:rPr lang="en-CA">
+                <a:solidFill>
+                  <a:srgbClr val="F3F3F3"/>
+                </a:solidFill>
+              </a:rPr>
+              <a:t>Momentum and Forces</a:t>
+            </a:r>
+            <a:endParaRPr>
+              <a:solidFill>
+                <a:srgbClr val="F3F3F3"/>
+              </a:solidFill>
+            </a:endParaRPr>
+          </a:p>
+        </p:txBody>
+      </p:sp>
+      <p:sp>
+        <p:nvSpPr>
+          <p:cNvPr id="80" name="Google Shape;80;p17"/>
+          <p:cNvSpPr txBox="1"/>
+          <p:nvPr>
+            <p:ph idx="1" type="body"/>
+          </p:nvPr>
+        </p:nvSpPr>
+        <p:spPr>
+          <a:xfrm>
+            <a:off x="311700" y="1152475"/>
+            <a:ext cx="8520600" cy="3416400"/>
+          </a:xfrm>
+          <a:prstGeom prst="rect">
+            <a:avLst/>
+          </a:prstGeom>
+        </p:spPr>
+        <p:txBody>
+          <a:bodyPr anchorCtr="0" anchor="t" bIns="91425" lIns="91425" spcFirstLastPara="1" rIns="91425" wrap="square" tIns="91425">
+            <a:normAutofit/>
+          </a:bodyPr>
+          <a:lstStyle/>
+          <a:p>
+            <a:pPr indent="0" lvl="0" marL="0" rtl="0" algn="l">
+              <a:spcBef>
+                <a:spcPts val="1200"/>
+              </a:spcBef>
+              <a:spcAft>
+                <a:spcPts val="0"/>
+              </a:spcAft>
+              <a:buNone/>
+            </a:pPr>
+            <a:r>
+              <a:rPr b="1" lang="en-CA" sz="1700">
+                <a:solidFill>
+                  <a:srgbClr val="F3F3F3"/>
+                </a:solidFill>
+                <a:latin typeface="Arial"/>
+                <a:ea typeface="Arial"/>
+                <a:cs typeface="Arial"/>
+                <a:sym typeface="Arial"/>
+              </a:rPr>
+              <a:t>Momentum</a:t>
+            </a:r>
+            <a:endParaRPr b="1" sz="1700">
+              <a:solidFill>
+                <a:srgbClr val="F3F3F3"/>
+              </a:solidFill>
+              <a:latin typeface="Arial"/>
+              <a:ea typeface="Arial"/>
+              <a:cs typeface="Arial"/>
+              <a:sym typeface="Arial"/>
+            </a:endParaRPr>
+          </a:p>
+          <a:p>
+            <a:pPr indent="0" lvl="0" marL="0" rtl="0" algn="l">
+              <a:spcBef>
+                <a:spcPts val="1200"/>
+              </a:spcBef>
+              <a:spcAft>
+                <a:spcPts val="0"/>
+              </a:spcAft>
+              <a:buNone/>
+            </a:pPr>
+            <a:r>
+              <a:rPr lang="en-CA" sz="1700">
+                <a:solidFill>
+                  <a:srgbClr val="F3F3F3"/>
+                </a:solidFill>
+                <a:latin typeface="Arial"/>
+                <a:ea typeface="Arial"/>
+                <a:cs typeface="Arial"/>
+                <a:sym typeface="Arial"/>
+              </a:rPr>
+              <a:t>The motion of celestial bodies is based on their mass and velocity</a:t>
+            </a:r>
+            <a:endParaRPr sz="1700">
+              <a:solidFill>
+                <a:srgbClr val="F3F3F3"/>
+              </a:solidFill>
+              <a:latin typeface="Arial"/>
+              <a:ea typeface="Arial"/>
+              <a:cs typeface="Arial"/>
+              <a:sym typeface="Arial"/>
+            </a:endParaRPr>
+          </a:p>
+          <a:p>
+            <a:pPr indent="0" lvl="0" marL="0" rtl="0" algn="l">
+              <a:spcBef>
+                <a:spcPts val="1200"/>
+              </a:spcBef>
+              <a:spcAft>
+                <a:spcPts val="0"/>
+              </a:spcAft>
+              <a:buNone/>
+            </a:pPr>
+            <a:r>
+              <a:rPr b="1" lang="en-CA" sz="1700">
+                <a:solidFill>
+                  <a:srgbClr val="F3F3F3"/>
+                </a:solidFill>
+                <a:latin typeface="Arial"/>
+                <a:ea typeface="Arial"/>
+                <a:cs typeface="Arial"/>
+                <a:sym typeface="Arial"/>
+              </a:rPr>
+              <a:t>Formula:</a:t>
+            </a:r>
+            <a:r>
+              <a:rPr lang="en-CA" sz="1700">
+                <a:solidFill>
+                  <a:srgbClr val="F3F3F3"/>
+                </a:solidFill>
+                <a:latin typeface="Arial"/>
+                <a:ea typeface="Arial"/>
+                <a:cs typeface="Arial"/>
+                <a:sym typeface="Arial"/>
+              </a:rPr>
+              <a:t> p=mv</a:t>
+            </a:r>
+            <a:endParaRPr sz="1700">
+              <a:solidFill>
+                <a:srgbClr val="F3F3F3"/>
+              </a:solidFill>
+              <a:latin typeface="Arial"/>
+              <a:ea typeface="Arial"/>
+              <a:cs typeface="Arial"/>
+              <a:sym typeface="Arial"/>
+            </a:endParaRPr>
+          </a:p>
+          <a:p>
+            <a:pPr indent="-336550" lvl="0" marL="457200" rtl="0" algn="l">
+              <a:spcBef>
+                <a:spcPts val="1200"/>
+              </a:spcBef>
+              <a:spcAft>
+                <a:spcPts val="0"/>
+              </a:spcAft>
+              <a:buClr>
+                <a:srgbClr val="F3F3F3"/>
+              </a:buClr>
+              <a:buSzPts val="1700"/>
+              <a:buFont typeface="Arial"/>
+              <a:buChar char="●"/>
+            </a:pPr>
+            <a:r>
+              <a:rPr b="1" lang="en-CA" sz="1700">
+                <a:solidFill>
+                  <a:srgbClr val="F3F3F3"/>
+                </a:solidFill>
+                <a:latin typeface="Arial"/>
+                <a:ea typeface="Arial"/>
+                <a:cs typeface="Arial"/>
+                <a:sym typeface="Arial"/>
+              </a:rPr>
+              <a:t>Forces</a:t>
+            </a:r>
+            <a:endParaRPr b="1" sz="1700">
+              <a:solidFill>
+                <a:srgbClr val="F3F3F3"/>
+              </a:solidFill>
+              <a:latin typeface="Arial"/>
+              <a:ea typeface="Arial"/>
+              <a:cs typeface="Arial"/>
+              <a:sym typeface="Arial"/>
+            </a:endParaRPr>
+          </a:p>
+          <a:p>
+            <a:pPr indent="0" lvl="0" marL="0" rtl="0" algn="l">
+              <a:spcBef>
+                <a:spcPts val="1200"/>
+              </a:spcBef>
+              <a:spcAft>
+                <a:spcPts val="0"/>
+              </a:spcAft>
+              <a:buNone/>
+            </a:pPr>
+            <a:r>
+              <a:rPr lang="en-CA" sz="1700">
+                <a:solidFill>
+                  <a:srgbClr val="F3F3F3"/>
+                </a:solidFill>
+                <a:latin typeface="Arial"/>
+                <a:ea typeface="Arial"/>
+                <a:cs typeface="Arial"/>
+                <a:sym typeface="Arial"/>
+              </a:rPr>
+              <a:t>Net forces determine how objects move in space</a:t>
+            </a:r>
+            <a:endParaRPr sz="1700">
+              <a:solidFill>
+                <a:srgbClr val="F3F3F3"/>
+              </a:solidFill>
+              <a:latin typeface="Arial"/>
+              <a:ea typeface="Arial"/>
+              <a:cs typeface="Arial"/>
+              <a:sym typeface="Arial"/>
+            </a:endParaRPr>
+          </a:p>
+          <a:p>
+            <a:pPr indent="0" lvl="0" marL="0" rtl="0" algn="l">
+              <a:spcBef>
+                <a:spcPts val="1200"/>
+              </a:spcBef>
+              <a:spcAft>
+                <a:spcPts val="0"/>
+              </a:spcAft>
+              <a:buNone/>
+            </a:pPr>
+            <a:r>
+              <a:rPr b="1" lang="en-CA" sz="1700">
+                <a:solidFill>
+                  <a:srgbClr val="F3F3F3"/>
+                </a:solidFill>
+                <a:latin typeface="Arial"/>
+                <a:ea typeface="Arial"/>
+                <a:cs typeface="Arial"/>
+                <a:sym typeface="Arial"/>
+              </a:rPr>
+              <a:t>Formula:</a:t>
+            </a:r>
+            <a:r>
+              <a:rPr lang="en-CA" sz="1700">
+                <a:solidFill>
+                  <a:srgbClr val="F3F3F3"/>
+                </a:solidFill>
+                <a:latin typeface="Arial"/>
+                <a:ea typeface="Arial"/>
+                <a:cs typeface="Arial"/>
+                <a:sym typeface="Arial"/>
+              </a:rPr>
+              <a:t> F=ma</a:t>
+            </a:r>
+            <a:endParaRPr sz="1700">
+              <a:solidFill>
+                <a:srgbClr val="F3F3F3"/>
+              </a:solidFill>
+              <a:latin typeface="Arial"/>
+              <a:ea typeface="Arial"/>
+              <a:cs typeface="Arial"/>
+              <a:sym typeface="Arial"/>
+            </a:endParaRPr>
+          </a:p>
+          <a:p>
+            <a:pPr indent="0" lvl="0" marL="0" rtl="0" algn="l">
+              <a:spcBef>
+                <a:spcPts val="1200"/>
+              </a:spcBef>
+              <a:spcAft>
+                <a:spcPts val="1200"/>
+              </a:spcAft>
+              <a:buNone/>
+            </a:pPr>
+            <a:r>
+              <a:t/>
+            </a:r>
+            <a:endParaRPr/>
+          </a:p>
+        </p:txBody>
+      </p:sp>
+    </p:spTree>
+  </p:cSld>
+  <p:clrMapOvr>
+    <a:masterClrMapping/>
+  </p:clrMapOvr>
+</p:sld>
+</file>
+
+<file path=ppt/slides/slide6.xml><?xml version="1.0" encoding="utf-8"?>
+<p:sld xmlns:a="http://schemas.openxmlformats.org/drawingml/2006/main" xmlns:r="http://schemas.openxmlformats.org/officeDocument/2006/relationships" xmlns:mc="http://schemas.openxmlformats.org/markup-compatibility/2006" xmlns:mv="urn:schemas-microsoft-com:mac:vml" xmlns:p="http://schemas.openxmlformats.org/presentationml/2006/main" xmlns:c="http://schemas.openxmlformats.org/drawingml/2006/chart" xmlns:dgm="http://schemas.openxmlformats.org/drawingml/2006/diagram" xmlns:o="urn:schemas-microsoft-com:office:office" xmlns:v="urn:schemas-microsoft-com:vml" xmlns:pvml="urn:schemas-microsoft-com:office:powerpoint" xmlns:com="http://schemas.openxmlformats.org/drawingml/2006/compatibility" xmlns:p14="http://schemas.microsoft.com/office/powerpoint/2010/main" xmlns:p15="http://schemas.microsoft.com/office/powerpoint/2012/main" xmlns:ahyp="http://schemas.microsoft.com/office/drawing/2018/hyperlinkcolor">
+  <p:cSld>
+    <p:bg>
+      <p:bgPr>
+        <a:blipFill>
+          <a:blip r:embed="rId3">
+            <a:alphaModFix/>
+          </a:blip>
+          <a:stretch>
+            <a:fillRect/>
+          </a:stretch>
+        </a:blipFill>
+      </p:bgPr>
+    </p:bg>
+    <p:spTree>
+      <p:nvGrpSpPr>
+        <p:cNvPr id="84" name="Shape 84"/>
+        <p:cNvGrpSpPr/>
+        <p:nvPr/>
+      </p:nvGrpSpPr>
+      <p:grpSpPr>
+        <a:xfrm>
+          <a:off x="0" y="0"/>
+          <a:ext cx="0" cy="0"/>
+          <a:chOff x="0" y="0"/>
+          <a:chExt cx="0" cy="0"/>
+        </a:xfrm>
+      </p:grpSpPr>
+      <p:sp>
+        <p:nvSpPr>
+          <p:cNvPr id="85" name="Google Shape;85;p18"/>
+          <p:cNvSpPr txBox="1"/>
+          <p:nvPr>
+            <p:ph type="title"/>
+          </p:nvPr>
+        </p:nvSpPr>
+        <p:spPr>
+          <a:xfrm>
+            <a:off x="311700" y="445025"/>
+            <a:ext cx="8520600" cy="572700"/>
+          </a:xfrm>
+          <a:prstGeom prst="rect">
+            <a:avLst/>
+          </a:prstGeom>
+        </p:spPr>
+        <p:txBody>
+          <a:bodyPr anchorCtr="0" anchor="t" bIns="91425" lIns="91425" spcFirstLastPara="1" rIns="91425" wrap="square" tIns="91425">
+            <a:normAutofit fontScale="90000"/>
+          </a:bodyPr>
+          <a:lstStyle/>
+          <a:p>
+            <a:pPr indent="0" lvl="0" marL="0" rtl="0" algn="l">
+              <a:spcBef>
+                <a:spcPts val="0"/>
+              </a:spcBef>
+              <a:spcAft>
+                <a:spcPts val="0"/>
+              </a:spcAft>
+              <a:buNone/>
+            </a:pPr>
+            <a:r>
+              <a:rPr lang="en-CA">
+                <a:solidFill>
+                  <a:srgbClr val="F3F3F3"/>
+                </a:solidFill>
+              </a:rPr>
+              <a:t>Features : Celestial bodies</a:t>
+            </a:r>
+            <a:endParaRPr>
+              <a:solidFill>
+                <a:srgbClr val="F3F3F3"/>
+              </a:solidFill>
+            </a:endParaRPr>
+          </a:p>
+        </p:txBody>
+      </p:sp>
+      <p:sp>
+        <p:nvSpPr>
+          <p:cNvPr id="86" name="Google Shape;86;p18"/>
+          <p:cNvSpPr txBox="1"/>
+          <p:nvPr>
+            <p:ph idx="1" type="body"/>
+          </p:nvPr>
+        </p:nvSpPr>
+        <p:spPr>
+          <a:xfrm>
+            <a:off x="311700" y="1152475"/>
+            <a:ext cx="8520600" cy="3416400"/>
+          </a:xfrm>
+          <a:prstGeom prst="rect">
+            <a:avLst/>
+          </a:prstGeom>
+        </p:spPr>
+        <p:txBody>
+          <a:bodyPr anchorCtr="0" anchor="t" bIns="91425" lIns="91425" spcFirstLastPara="1" rIns="91425" wrap="square" tIns="91425">
+            <a:noAutofit/>
+          </a:bodyPr>
+          <a:lstStyle/>
+          <a:p>
+            <a:pPr indent="0" lvl="0" marL="0" rtl="0" algn="l">
+              <a:spcBef>
+                <a:spcPts val="0"/>
+              </a:spcBef>
+              <a:spcAft>
+                <a:spcPts val="0"/>
+              </a:spcAft>
+              <a:buClr>
+                <a:schemeClr val="dk1"/>
+              </a:buClr>
+              <a:buSzPts val="1100"/>
+              <a:buFont typeface="Arial"/>
+              <a:buNone/>
+            </a:pPr>
+            <a:r>
+              <a:rPr b="1" lang="en-CA">
+                <a:solidFill>
+                  <a:srgbClr val="F3F3F3"/>
+                </a:solidFill>
+                <a:latin typeface="Arial"/>
+                <a:ea typeface="Arial"/>
+                <a:cs typeface="Arial"/>
+                <a:sym typeface="Arial"/>
+              </a:rPr>
+              <a:t>Types of celestial bodies:</a:t>
+            </a:r>
+            <a:endParaRPr b="1">
+              <a:solidFill>
+                <a:srgbClr val="F3F3F3"/>
+              </a:solidFill>
+              <a:latin typeface="Arial"/>
+              <a:ea typeface="Arial"/>
+              <a:cs typeface="Arial"/>
+              <a:sym typeface="Arial"/>
+            </a:endParaRPr>
+          </a:p>
+          <a:p>
+            <a:pPr indent="-342900" lvl="0" marL="457200" rtl="0" algn="l">
+              <a:spcBef>
+                <a:spcPts val="1200"/>
+              </a:spcBef>
+              <a:spcAft>
+                <a:spcPts val="0"/>
+              </a:spcAft>
+              <a:buClr>
+                <a:srgbClr val="F3F3F3"/>
+              </a:buClr>
+              <a:buSzPts val="1800"/>
+              <a:buFont typeface="Arial"/>
+              <a:buChar char="●"/>
+            </a:pPr>
+            <a:r>
+              <a:rPr lang="en-CA">
+                <a:solidFill>
+                  <a:srgbClr val="F3F3F3"/>
+                </a:solidFill>
+                <a:latin typeface="Arial"/>
+                <a:ea typeface="Arial"/>
+                <a:cs typeface="Arial"/>
+                <a:sym typeface="Arial"/>
+              </a:rPr>
+              <a:t>Asteroids(If possible), planets, stars</a:t>
+            </a:r>
+            <a:endParaRPr>
+              <a:solidFill>
+                <a:srgbClr val="F3F3F3"/>
+              </a:solidFill>
+              <a:latin typeface="Arial"/>
+              <a:ea typeface="Arial"/>
+              <a:cs typeface="Arial"/>
+              <a:sym typeface="Arial"/>
+            </a:endParaRPr>
+          </a:p>
+          <a:p>
+            <a:pPr indent="0" lvl="0" marL="0" rtl="0" algn="l">
+              <a:spcBef>
+                <a:spcPts val="1200"/>
+              </a:spcBef>
+              <a:spcAft>
+                <a:spcPts val="0"/>
+              </a:spcAft>
+              <a:buClr>
+                <a:schemeClr val="dk1"/>
+              </a:buClr>
+              <a:buSzPts val="1100"/>
+              <a:buFont typeface="Arial"/>
+              <a:buNone/>
+            </a:pPr>
+            <a:r>
+              <a:rPr b="1" lang="en-CA">
+                <a:solidFill>
+                  <a:srgbClr val="F3F3F3"/>
+                </a:solidFill>
+                <a:latin typeface="Arial"/>
+                <a:ea typeface="Arial"/>
+                <a:cs typeface="Arial"/>
+                <a:sym typeface="Arial"/>
+              </a:rPr>
+              <a:t>Movement:</a:t>
+            </a:r>
+            <a:endParaRPr b="1">
+              <a:solidFill>
+                <a:srgbClr val="F3F3F3"/>
+              </a:solidFill>
+              <a:latin typeface="Arial"/>
+              <a:ea typeface="Arial"/>
+              <a:cs typeface="Arial"/>
+              <a:sym typeface="Arial"/>
+            </a:endParaRPr>
+          </a:p>
+          <a:p>
+            <a:pPr indent="-342900" lvl="0" marL="457200" rtl="0" algn="l">
+              <a:spcBef>
+                <a:spcPts val="1200"/>
+              </a:spcBef>
+              <a:spcAft>
+                <a:spcPts val="0"/>
+              </a:spcAft>
+              <a:buClr>
+                <a:srgbClr val="F3F3F3"/>
+              </a:buClr>
+              <a:buSzPts val="1800"/>
+              <a:buFont typeface="Arial"/>
+              <a:buChar char="●"/>
+            </a:pPr>
+            <a:r>
+              <a:rPr lang="en-CA">
+                <a:solidFill>
+                  <a:srgbClr val="F3F3F3"/>
+                </a:solidFill>
+                <a:latin typeface="Arial"/>
+                <a:ea typeface="Arial"/>
+                <a:cs typeface="Arial"/>
+                <a:sym typeface="Arial"/>
+              </a:rPr>
+              <a:t>Objects move based on gravitational forces</a:t>
+            </a:r>
+            <a:endParaRPr>
+              <a:solidFill>
+                <a:srgbClr val="F3F3F3"/>
+              </a:solidFill>
+              <a:latin typeface="Arial"/>
+              <a:ea typeface="Arial"/>
+              <a:cs typeface="Arial"/>
+              <a:sym typeface="Arial"/>
+            </a:endParaRPr>
+          </a:p>
+          <a:p>
+            <a:pPr indent="-342900" lvl="0" marL="457200" rtl="0" algn="l">
+              <a:spcBef>
+                <a:spcPts val="0"/>
+              </a:spcBef>
+              <a:spcAft>
+                <a:spcPts val="0"/>
+              </a:spcAft>
+              <a:buClr>
+                <a:srgbClr val="F3F3F3"/>
+              </a:buClr>
+              <a:buSzPts val="1800"/>
+              <a:buFont typeface="Arial"/>
+              <a:buChar char="●"/>
+            </a:pPr>
+            <a:r>
+              <a:rPr lang="en-CA">
+                <a:solidFill>
+                  <a:srgbClr val="F3F3F3"/>
+                </a:solidFill>
+                <a:latin typeface="Arial"/>
+                <a:ea typeface="Arial"/>
+                <a:cs typeface="Arial"/>
+                <a:sym typeface="Arial"/>
+              </a:rPr>
+              <a:t>Trails show movement history</a:t>
+            </a:r>
+            <a:endParaRPr>
+              <a:solidFill>
+                <a:srgbClr val="F3F3F3"/>
+              </a:solidFill>
+              <a:latin typeface="Arial"/>
+              <a:ea typeface="Arial"/>
+              <a:cs typeface="Arial"/>
+              <a:sym typeface="Arial"/>
+            </a:endParaRPr>
+          </a:p>
+          <a:p>
+            <a:pPr indent="0" lvl="0" marL="0" rtl="0" algn="l">
+              <a:spcBef>
+                <a:spcPts val="1200"/>
+              </a:spcBef>
+              <a:spcAft>
+                <a:spcPts val="0"/>
+              </a:spcAft>
+              <a:buClr>
+                <a:schemeClr val="dk1"/>
+              </a:buClr>
+              <a:buSzPts val="1100"/>
+              <a:buFont typeface="Arial"/>
+              <a:buNone/>
+            </a:pPr>
+            <a:r>
+              <a:rPr b="1" lang="en-CA">
+                <a:solidFill>
+                  <a:srgbClr val="F3F3F3"/>
+                </a:solidFill>
+                <a:latin typeface="Arial"/>
+                <a:ea typeface="Arial"/>
+                <a:cs typeface="Arial"/>
+                <a:sym typeface="Arial"/>
+              </a:rPr>
+              <a:t>Collisions (if possible):</a:t>
+            </a:r>
+            <a:endParaRPr b="1">
+              <a:solidFill>
+                <a:srgbClr val="F3F3F3"/>
+              </a:solidFill>
+              <a:latin typeface="Arial"/>
+              <a:ea typeface="Arial"/>
+              <a:cs typeface="Arial"/>
+              <a:sym typeface="Arial"/>
+            </a:endParaRPr>
+          </a:p>
+          <a:p>
+            <a:pPr indent="-342900" lvl="0" marL="457200" rtl="0" algn="l">
+              <a:spcBef>
+                <a:spcPts val="1200"/>
+              </a:spcBef>
+              <a:spcAft>
+                <a:spcPts val="0"/>
+              </a:spcAft>
+              <a:buSzPts val="1800"/>
+              <a:buFont typeface="Arial"/>
+              <a:buChar char="●"/>
+            </a:pPr>
+            <a:r>
+              <a:rPr lang="en-CA">
+                <a:solidFill>
+                  <a:srgbClr val="F3F3F3"/>
+                </a:solidFill>
+                <a:latin typeface="Arial"/>
+                <a:ea typeface="Arial"/>
+                <a:cs typeface="Arial"/>
+                <a:sym typeface="Arial"/>
+              </a:rPr>
+              <a:t>Objects can merge or bounce off each </a:t>
+            </a:r>
+            <a:r>
+              <a:rPr lang="en-CA">
+                <a:latin typeface="Arial"/>
+                <a:ea typeface="Arial"/>
+                <a:cs typeface="Arial"/>
+                <a:sym typeface="Arial"/>
+              </a:rPr>
+              <a:t>other</a:t>
+            </a:r>
+            <a:endParaRPr>
+              <a:latin typeface="Arial"/>
+              <a:ea typeface="Arial"/>
+              <a:cs typeface="Arial"/>
+              <a:sym typeface="Arial"/>
+            </a:endParaRPr>
+          </a:p>
+          <a:p>
+            <a:pPr indent="0" lvl="0" marL="0" rtl="0" algn="l">
+              <a:spcBef>
+                <a:spcPts val="1200"/>
+              </a:spcBef>
+              <a:spcAft>
+                <a:spcPts val="1200"/>
+              </a:spcAft>
+              <a:buNone/>
+            </a:pPr>
+            <a:r>
+              <a:t/>
+            </a:r>
+            <a:endParaRPr>
+              <a:solidFill>
+                <a:srgbClr val="F3F3F3"/>
+              </a:solidFill>
+            </a:endParaRPr>
+          </a:p>
+        </p:txBody>
+      </p:sp>
+    </p:spTree>
+  </p:cSld>
+  <p:clrMapOvr>
+    <a:masterClrMapping/>
+  </p:clrMapOvr>
+</p:sld>
+</file>
+
+<file path=ppt/slides/slide7.xml><?xml version="1.0" encoding="utf-8"?>
+<p:sld xmlns:a="http://schemas.openxmlformats.org/drawingml/2006/main" xmlns:r="http://schemas.openxmlformats.org/officeDocument/2006/relationships" xmlns:mc="http://schemas.openxmlformats.org/markup-compatibility/2006" xmlns:mv="urn:schemas-microsoft-com:mac:vml" xmlns:p="http://schemas.openxmlformats.org/presentationml/2006/main" xmlns:c="http://schemas.openxmlformats.org/drawingml/2006/chart" xmlns:dgm="http://schemas.openxmlformats.org/drawingml/2006/diagram" xmlns:o="urn:schemas-microsoft-com:office:office" xmlns:v="urn:schemas-microsoft-com:vml" xmlns:pvml="urn:schemas-microsoft-com:office:powerpoint" xmlns:com="http://schemas.openxmlformats.org/drawingml/2006/compatibility" xmlns:p14="http://schemas.microsoft.com/office/powerpoint/2010/main" xmlns:p15="http://schemas.microsoft.com/office/powerpoint/2012/main" xmlns:ahyp="http://schemas.microsoft.com/office/drawing/2018/hyperlinkcolor">
+  <p:cSld>
+    <p:bg>
+      <p:bgPr>
+        <a:blipFill>
+          <a:blip r:embed="rId3">
+            <a:alphaModFix/>
+          </a:blip>
+          <a:stretch>
+            <a:fillRect/>
+          </a:stretch>
+        </a:blipFill>
+      </p:bgPr>
+    </p:bg>
+    <p:spTree>
+      <p:nvGrpSpPr>
+        <p:cNvPr id="90" name="Shape 90"/>
+        <p:cNvGrpSpPr/>
+        <p:nvPr/>
+      </p:nvGrpSpPr>
+      <p:grpSpPr>
+        <a:xfrm>
+          <a:off x="0" y="0"/>
+          <a:ext cx="0" cy="0"/>
+          <a:chOff x="0" y="0"/>
+          <a:chExt cx="0" cy="0"/>
+        </a:xfrm>
+      </p:grpSpPr>
+      <p:sp>
+        <p:nvSpPr>
+          <p:cNvPr id="91" name="Google Shape;91;p19"/>
+          <p:cNvSpPr txBox="1"/>
+          <p:nvPr>
+            <p:ph type="title"/>
+          </p:nvPr>
+        </p:nvSpPr>
+        <p:spPr>
+          <a:xfrm>
+            <a:off x="311700" y="445025"/>
+            <a:ext cx="8520600" cy="572700"/>
+          </a:xfrm>
+          <a:prstGeom prst="rect">
+            <a:avLst/>
+          </a:prstGeom>
+        </p:spPr>
+        <p:txBody>
+          <a:bodyPr anchorCtr="0" anchor="t" bIns="91425" lIns="91425" spcFirstLastPara="1" rIns="91425" wrap="square" tIns="91425">
+            <a:normAutofit fontScale="90000"/>
+          </a:bodyPr>
+          <a:lstStyle/>
+          <a:p>
+            <a:pPr indent="0" lvl="0" marL="0" rtl="0" algn="l">
+              <a:spcBef>
+                <a:spcPts val="0"/>
+              </a:spcBef>
+              <a:spcAft>
+                <a:spcPts val="0"/>
+              </a:spcAft>
+              <a:buNone/>
+            </a:pPr>
+            <a:r>
+              <a:rPr lang="en-CA"/>
+              <a:t>SandBox feature</a:t>
+            </a:r>
+            <a:endParaRPr/>
+          </a:p>
+        </p:txBody>
+      </p:sp>
+      <p:sp>
+        <p:nvSpPr>
+          <p:cNvPr id="92" name="Google Shape;92;p19"/>
+          <p:cNvSpPr txBox="1"/>
+          <p:nvPr>
+            <p:ph idx="1" type="body"/>
+          </p:nvPr>
+        </p:nvSpPr>
+        <p:spPr>
+          <a:xfrm>
+            <a:off x="311700" y="1152475"/>
+            <a:ext cx="8520600" cy="3416400"/>
+          </a:xfrm>
+          <a:prstGeom prst="rect">
+            <a:avLst/>
+          </a:prstGeom>
+          <a:noFill/>
+        </p:spPr>
+        <p:txBody>
+          <a:bodyPr anchorCtr="0" anchor="t" bIns="91425" lIns="91425" spcFirstLastPara="1" rIns="91425" wrap="square" tIns="91425">
+            <a:normAutofit fontScale="25000" lnSpcReduction="20000"/>
+          </a:bodyPr>
+          <a:lstStyle/>
+          <a:p>
+            <a:pPr indent="0" lvl="0" marL="0" rtl="0" algn="l">
+              <a:spcBef>
+                <a:spcPts val="0"/>
+              </a:spcBef>
+              <a:spcAft>
+                <a:spcPts val="0"/>
+              </a:spcAft>
+              <a:buClr>
+                <a:schemeClr val="dk1"/>
+              </a:buClr>
+              <a:buSzPts val="275"/>
+              <a:buFont typeface="Arial"/>
+              <a:buNone/>
+            </a:pPr>
+            <a:r>
+              <a:rPr b="1" lang="en-CA" sz="7565">
+                <a:solidFill>
+                  <a:schemeClr val="lt1"/>
+                </a:solidFill>
+                <a:highlight>
+                  <a:srgbClr val="434343"/>
+                </a:highlight>
+                <a:latin typeface="Arial"/>
+                <a:ea typeface="Arial"/>
+                <a:cs typeface="Arial"/>
+                <a:sym typeface="Arial"/>
+              </a:rPr>
+              <a:t>User-created systems:</a:t>
+            </a:r>
+            <a:endParaRPr b="1" sz="7565">
+              <a:solidFill>
+                <a:schemeClr val="lt1"/>
+              </a:solidFill>
+              <a:highlight>
+                <a:srgbClr val="434343"/>
+              </a:highlight>
+              <a:latin typeface="Arial"/>
+              <a:ea typeface="Arial"/>
+              <a:cs typeface="Arial"/>
+              <a:sym typeface="Arial"/>
+            </a:endParaRPr>
+          </a:p>
+          <a:p>
+            <a:pPr indent="-348700" lvl="0" marL="457200" rtl="0" algn="l">
+              <a:spcBef>
+                <a:spcPts val="1200"/>
+              </a:spcBef>
+              <a:spcAft>
+                <a:spcPts val="0"/>
+              </a:spcAft>
+              <a:buClr>
+                <a:schemeClr val="lt1"/>
+              </a:buClr>
+              <a:buSzPct val="100000"/>
+              <a:buFont typeface="Arial"/>
+              <a:buChar char="●"/>
+            </a:pPr>
+            <a:r>
+              <a:rPr lang="en-CA" sz="7565">
+                <a:solidFill>
+                  <a:schemeClr val="lt1"/>
+                </a:solidFill>
+                <a:highlight>
+                  <a:srgbClr val="434343"/>
+                </a:highlight>
+                <a:latin typeface="Arial"/>
+                <a:ea typeface="Arial"/>
+                <a:cs typeface="Arial"/>
+                <a:sym typeface="Arial"/>
+              </a:rPr>
+              <a:t>Start with an empty space or a preset system</a:t>
+            </a:r>
+            <a:endParaRPr sz="7565">
+              <a:solidFill>
+                <a:schemeClr val="lt1"/>
+              </a:solidFill>
+              <a:highlight>
+                <a:srgbClr val="434343"/>
+              </a:highlight>
+              <a:latin typeface="Arial"/>
+              <a:ea typeface="Arial"/>
+              <a:cs typeface="Arial"/>
+              <a:sym typeface="Arial"/>
+            </a:endParaRPr>
+          </a:p>
+          <a:p>
+            <a:pPr indent="-348700" lvl="0" marL="457200" rtl="0" algn="l">
+              <a:spcBef>
+                <a:spcPts val="0"/>
+              </a:spcBef>
+              <a:spcAft>
+                <a:spcPts val="0"/>
+              </a:spcAft>
+              <a:buClr>
+                <a:schemeClr val="lt1"/>
+              </a:buClr>
+              <a:buSzPct val="100000"/>
+              <a:buFont typeface="Arial"/>
+              <a:buChar char="●"/>
+            </a:pPr>
+            <a:r>
+              <a:rPr lang="en-CA" sz="7565">
+                <a:solidFill>
+                  <a:schemeClr val="lt1"/>
+                </a:solidFill>
+                <a:highlight>
+                  <a:srgbClr val="434343"/>
+                </a:highlight>
+                <a:latin typeface="Arial"/>
+                <a:ea typeface="Arial"/>
+                <a:cs typeface="Arial"/>
+                <a:sym typeface="Arial"/>
+              </a:rPr>
+              <a:t>Spawn planets, stars, or asteroids</a:t>
+            </a:r>
+            <a:endParaRPr sz="7565">
+              <a:solidFill>
+                <a:schemeClr val="lt1"/>
+              </a:solidFill>
+              <a:highlight>
+                <a:srgbClr val="434343"/>
+              </a:highlight>
+              <a:latin typeface="Arial"/>
+              <a:ea typeface="Arial"/>
+              <a:cs typeface="Arial"/>
+              <a:sym typeface="Arial"/>
+            </a:endParaRPr>
+          </a:p>
+          <a:p>
+            <a:pPr indent="0" lvl="0" marL="0" rtl="0" algn="l">
+              <a:spcBef>
+                <a:spcPts val="1200"/>
+              </a:spcBef>
+              <a:spcAft>
+                <a:spcPts val="0"/>
+              </a:spcAft>
+              <a:buClr>
+                <a:schemeClr val="dk1"/>
+              </a:buClr>
+              <a:buSzPts val="275"/>
+              <a:buFont typeface="Arial"/>
+              <a:buNone/>
+            </a:pPr>
+            <a:r>
+              <a:rPr b="1" lang="en-CA" sz="7565">
+                <a:solidFill>
+                  <a:schemeClr val="lt1"/>
+                </a:solidFill>
+                <a:highlight>
+                  <a:srgbClr val="434343"/>
+                </a:highlight>
+                <a:latin typeface="Arial"/>
+                <a:ea typeface="Arial"/>
+                <a:cs typeface="Arial"/>
+                <a:sym typeface="Arial"/>
+              </a:rPr>
+              <a:t>Simulation Controls:</a:t>
+            </a:r>
+            <a:endParaRPr b="1" sz="7565">
+              <a:solidFill>
+                <a:schemeClr val="lt1"/>
+              </a:solidFill>
+              <a:highlight>
+                <a:srgbClr val="434343"/>
+              </a:highlight>
+              <a:latin typeface="Arial"/>
+              <a:ea typeface="Arial"/>
+              <a:cs typeface="Arial"/>
+              <a:sym typeface="Arial"/>
+            </a:endParaRPr>
+          </a:p>
+          <a:p>
+            <a:pPr indent="-348700" lvl="0" marL="457200" rtl="0" algn="l">
+              <a:spcBef>
+                <a:spcPts val="1200"/>
+              </a:spcBef>
+              <a:spcAft>
+                <a:spcPts val="0"/>
+              </a:spcAft>
+              <a:buClr>
+                <a:schemeClr val="lt1"/>
+              </a:buClr>
+              <a:buSzPct val="100000"/>
+              <a:buFont typeface="Arial"/>
+              <a:buChar char="●"/>
+            </a:pPr>
+            <a:r>
+              <a:rPr lang="en-CA" sz="7565">
+                <a:solidFill>
+                  <a:schemeClr val="lt1"/>
+                </a:solidFill>
+                <a:highlight>
+                  <a:srgbClr val="434343"/>
+                </a:highlight>
+                <a:latin typeface="Arial"/>
+                <a:ea typeface="Arial"/>
+                <a:cs typeface="Arial"/>
+                <a:sym typeface="Arial"/>
+              </a:rPr>
+              <a:t>Adjust mass, position, and velocity</a:t>
+            </a:r>
+            <a:endParaRPr sz="7565">
+              <a:solidFill>
+                <a:schemeClr val="lt1"/>
+              </a:solidFill>
+              <a:highlight>
+                <a:srgbClr val="434343"/>
+              </a:highlight>
+              <a:latin typeface="Arial"/>
+              <a:ea typeface="Arial"/>
+              <a:cs typeface="Arial"/>
+              <a:sym typeface="Arial"/>
+            </a:endParaRPr>
+          </a:p>
+          <a:p>
+            <a:pPr indent="-348700" lvl="0" marL="457200" rtl="0" algn="l">
+              <a:spcBef>
+                <a:spcPts val="0"/>
+              </a:spcBef>
+              <a:spcAft>
+                <a:spcPts val="0"/>
+              </a:spcAft>
+              <a:buClr>
+                <a:schemeClr val="lt1"/>
+              </a:buClr>
+              <a:buSzPct val="100000"/>
+              <a:buFont typeface="Arial"/>
+              <a:buChar char="●"/>
+            </a:pPr>
+            <a:r>
+              <a:rPr lang="en-CA" sz="7565">
+                <a:solidFill>
+                  <a:schemeClr val="lt1"/>
+                </a:solidFill>
+                <a:highlight>
+                  <a:srgbClr val="434343"/>
+                </a:highlight>
+                <a:latin typeface="Arial"/>
+                <a:ea typeface="Arial"/>
+                <a:cs typeface="Arial"/>
+                <a:sym typeface="Arial"/>
+              </a:rPr>
+              <a:t>Observe how they interact over time</a:t>
+            </a:r>
+            <a:endParaRPr sz="7565">
+              <a:solidFill>
+                <a:schemeClr val="lt1"/>
+              </a:solidFill>
+              <a:highlight>
+                <a:srgbClr val="434343"/>
+              </a:highlight>
+              <a:latin typeface="Arial"/>
+              <a:ea typeface="Arial"/>
+              <a:cs typeface="Arial"/>
+              <a:sym typeface="Arial"/>
+            </a:endParaRPr>
+          </a:p>
+          <a:p>
+            <a:pPr indent="-348700" lvl="0" marL="457200" rtl="0" algn="l">
+              <a:spcBef>
+                <a:spcPts val="0"/>
+              </a:spcBef>
+              <a:spcAft>
+                <a:spcPts val="0"/>
+              </a:spcAft>
+              <a:buClr>
+                <a:schemeClr val="lt1"/>
+              </a:buClr>
+              <a:buSzPct val="100000"/>
+              <a:buFont typeface="Arial"/>
+              <a:buChar char="●"/>
+            </a:pPr>
+            <a:r>
+              <a:rPr lang="en-CA" sz="7565">
+                <a:solidFill>
+                  <a:schemeClr val="lt1"/>
+                </a:solidFill>
+                <a:highlight>
+                  <a:srgbClr val="434343"/>
+                </a:highlight>
+                <a:latin typeface="Arial"/>
+                <a:ea typeface="Arial"/>
+                <a:cs typeface="Arial"/>
+                <a:sym typeface="Arial"/>
+              </a:rPr>
+              <a:t>Saved </a:t>
+            </a:r>
+            <a:r>
+              <a:rPr lang="en-CA" sz="7565">
+                <a:solidFill>
+                  <a:schemeClr val="lt1"/>
+                </a:solidFill>
+                <a:highlight>
+                  <a:srgbClr val="434343"/>
+                </a:highlight>
+                <a:latin typeface="Arial"/>
+                <a:ea typeface="Arial"/>
+                <a:cs typeface="Arial"/>
+                <a:sym typeface="Arial"/>
+              </a:rPr>
+              <a:t>environment</a:t>
+            </a:r>
+            <a:endParaRPr sz="7565">
+              <a:solidFill>
+                <a:schemeClr val="lt1"/>
+              </a:solidFill>
+              <a:highlight>
+                <a:srgbClr val="434343"/>
+              </a:highlight>
+              <a:latin typeface="Arial"/>
+              <a:ea typeface="Arial"/>
+              <a:cs typeface="Arial"/>
+              <a:sym typeface="Arial"/>
+            </a:endParaRPr>
+          </a:p>
+          <a:p>
+            <a:pPr indent="-348700" lvl="0" marL="457200" rtl="0" algn="l">
+              <a:spcBef>
+                <a:spcPts val="0"/>
+              </a:spcBef>
+              <a:spcAft>
+                <a:spcPts val="0"/>
+              </a:spcAft>
+              <a:buClr>
+                <a:schemeClr val="lt1"/>
+              </a:buClr>
+              <a:buSzPct val="100000"/>
+              <a:buFont typeface="Arial"/>
+              <a:buChar char="●"/>
+            </a:pPr>
+            <a:r>
+              <a:rPr lang="en-CA" sz="7565">
+                <a:solidFill>
+                  <a:schemeClr val="lt1"/>
+                </a:solidFill>
+                <a:highlight>
+                  <a:srgbClr val="434343"/>
+                </a:highlight>
+                <a:latin typeface="Arial"/>
+                <a:ea typeface="Arial"/>
+                <a:cs typeface="Arial"/>
+                <a:sym typeface="Arial"/>
+              </a:rPr>
+              <a:t>Load pre -set environment(it means you can already have the solar sytem)</a:t>
+            </a:r>
+            <a:endParaRPr sz="7565">
+              <a:solidFill>
+                <a:schemeClr val="lt1"/>
+              </a:solidFill>
+              <a:highlight>
+                <a:srgbClr val="434343"/>
+              </a:highlight>
+              <a:latin typeface="Arial"/>
+              <a:ea typeface="Arial"/>
+              <a:cs typeface="Arial"/>
+              <a:sym typeface="Arial"/>
+            </a:endParaRPr>
+          </a:p>
+          <a:p>
+            <a:pPr indent="0" lvl="0" marL="0" rtl="0" algn="l">
+              <a:spcBef>
+                <a:spcPts val="1200"/>
+              </a:spcBef>
+              <a:spcAft>
+                <a:spcPts val="0"/>
+              </a:spcAft>
+              <a:buNone/>
+            </a:pPr>
+            <a:r>
+              <a:t/>
+            </a:r>
+            <a:endParaRPr sz="7565">
+              <a:solidFill>
+                <a:schemeClr val="lt1"/>
+              </a:solidFill>
+              <a:highlight>
+                <a:srgbClr val="434343"/>
+              </a:highlight>
+              <a:latin typeface="Arial"/>
+              <a:ea typeface="Arial"/>
+              <a:cs typeface="Arial"/>
+              <a:sym typeface="Arial"/>
+            </a:endParaRPr>
+          </a:p>
+          <a:p>
+            <a:pPr indent="0" lvl="0" marL="457200" rtl="0" algn="l">
+              <a:spcBef>
+                <a:spcPts val="1200"/>
+              </a:spcBef>
+              <a:spcAft>
+                <a:spcPts val="0"/>
+              </a:spcAft>
+              <a:buNone/>
+            </a:pPr>
+            <a:r>
+              <a:t/>
+            </a:r>
+            <a:endParaRPr sz="1600">
+              <a:solidFill>
+                <a:schemeClr val="lt1"/>
+              </a:solidFill>
+              <a:highlight>
+                <a:srgbClr val="434343"/>
+              </a:highlight>
+              <a:latin typeface="Arial"/>
+              <a:ea typeface="Arial"/>
+              <a:cs typeface="Arial"/>
+              <a:sym typeface="Arial"/>
+            </a:endParaRPr>
+          </a:p>
+          <a:p>
+            <a:pPr indent="0" lvl="0" marL="457200" rtl="0" algn="l">
+              <a:spcBef>
+                <a:spcPts val="1200"/>
+              </a:spcBef>
+              <a:spcAft>
+                <a:spcPts val="0"/>
+              </a:spcAft>
+              <a:buNone/>
+            </a:pPr>
+            <a:r>
+              <a:t/>
+            </a:r>
+            <a:endParaRPr sz="1600">
+              <a:solidFill>
+                <a:schemeClr val="lt1"/>
+              </a:solidFill>
+              <a:highlight>
+                <a:srgbClr val="434343"/>
+              </a:highlight>
+              <a:latin typeface="Arial"/>
+              <a:ea typeface="Arial"/>
+              <a:cs typeface="Arial"/>
+              <a:sym typeface="Arial"/>
+            </a:endParaRPr>
+          </a:p>
+          <a:p>
+            <a:pPr indent="0" lvl="0" marL="457200" rtl="0" algn="l">
+              <a:spcBef>
+                <a:spcPts val="1200"/>
+              </a:spcBef>
+              <a:spcAft>
+                <a:spcPts val="0"/>
+              </a:spcAft>
+              <a:buNone/>
+            </a:pPr>
+            <a:r>
+              <a:t/>
+            </a:r>
+            <a:endParaRPr sz="1600">
+              <a:solidFill>
+                <a:schemeClr val="lt1"/>
+              </a:solidFill>
+              <a:highlight>
+                <a:srgbClr val="434343"/>
+              </a:highlight>
+              <a:latin typeface="Arial"/>
+              <a:ea typeface="Arial"/>
+              <a:cs typeface="Arial"/>
+              <a:sym typeface="Arial"/>
+            </a:endParaRPr>
+          </a:p>
+          <a:p>
+            <a:pPr indent="0" lvl="0" marL="0" rtl="0" algn="l">
+              <a:spcBef>
+                <a:spcPts val="1200"/>
+              </a:spcBef>
+              <a:spcAft>
+                <a:spcPts val="0"/>
+              </a:spcAft>
+              <a:buNone/>
+            </a:pPr>
+            <a:r>
+              <a:t/>
+            </a:r>
+            <a:endParaRPr>
+              <a:solidFill>
+                <a:schemeClr val="lt1"/>
+              </a:solidFill>
+              <a:highlight>
+                <a:srgbClr val="434343"/>
+              </a:highlight>
+            </a:endParaRPr>
+          </a:p>
+          <a:p>
+            <a:pPr indent="0" lvl="0" marL="0" rtl="0" algn="l">
+              <a:spcBef>
+                <a:spcPts val="1200"/>
+              </a:spcBef>
+              <a:spcAft>
+                <a:spcPts val="1200"/>
+              </a:spcAft>
+              <a:buNone/>
+            </a:pPr>
+            <a:r>
+              <a:t/>
+            </a:r>
+            <a:endParaRPr>
+              <a:solidFill>
+                <a:schemeClr val="lt1"/>
+              </a:solidFill>
+              <a:highlight>
+                <a:srgbClr val="434343"/>
+              </a:highlight>
+            </a:endParaRPr>
+          </a:p>
+        </p:txBody>
+      </p:sp>
+    </p:spTree>
+  </p:cSld>
+  <p:clrMapOvr>
+    <a:masterClrMapping/>
+  </p:clrMapOvr>
+</p:sld>
+</file>
+
+<file path=ppt/slides/slide8.xml><?xml version="1.0" encoding="utf-8"?>
+<p:sld xmlns:a="http://schemas.openxmlformats.org/drawingml/2006/main" xmlns:r="http://schemas.openxmlformats.org/officeDocument/2006/relationships" xmlns:mc="http://schemas.openxmlformats.org/markup-compatibility/2006" xmlns:mv="urn:schemas-microsoft-com:mac:vml" xmlns:p="http://schemas.openxmlformats.org/presentationml/2006/main" xmlns:c="http://schemas.openxmlformats.org/drawingml/2006/chart" xmlns:dgm="http://schemas.openxmlformats.org/drawingml/2006/diagram" xmlns:o="urn:schemas-microsoft-com:office:office" xmlns:v="urn:schemas-microsoft-com:vml" xmlns:pvml="urn:schemas-microsoft-com:office:powerpoint" xmlns:com="http://schemas.openxmlformats.org/drawingml/2006/compatibility" xmlns:p14="http://schemas.microsoft.com/office/powerpoint/2010/main" xmlns:p15="http://schemas.microsoft.com/office/powerpoint/2012/main" xmlns:ahyp="http://schemas.microsoft.com/office/drawing/2018/hyperlinkcolor">
+  <p:cSld>
+    <p:bg>
+      <p:bgPr>
+        <a:blipFill>
+          <a:blip r:embed="rId3">
+            <a:alphaModFix/>
+          </a:blip>
+          <a:stretch>
+            <a:fillRect/>
+          </a:stretch>
+        </a:blipFill>
+      </p:bgPr>
+    </p:bg>
+    <p:spTree>
+      <p:nvGrpSpPr>
+        <p:cNvPr id="96" name="Shape 96"/>
+        <p:cNvGrpSpPr/>
+        <p:nvPr/>
+      </p:nvGrpSpPr>
+      <p:grpSpPr>
+        <a:xfrm>
+          <a:off x="0" y="0"/>
+          <a:ext cx="0" cy="0"/>
+          <a:chOff x="0" y="0"/>
+          <a:chExt cx="0" cy="0"/>
+        </a:xfrm>
+      </p:grpSpPr>
+      <p:sp>
+        <p:nvSpPr>
+          <p:cNvPr id="97" name="Google Shape;97;p20"/>
+          <p:cNvSpPr txBox="1"/>
+          <p:nvPr>
+            <p:ph type="title"/>
+          </p:nvPr>
+        </p:nvSpPr>
+        <p:spPr>
+          <a:xfrm>
+            <a:off x="311700" y="445025"/>
+            <a:ext cx="8520600" cy="572700"/>
+          </a:xfrm>
+          <a:prstGeom prst="rect">
+            <a:avLst/>
+          </a:prstGeom>
+        </p:spPr>
+        <p:txBody>
+          <a:bodyPr anchorCtr="0" anchor="t" bIns="91425" lIns="91425" spcFirstLastPara="1" rIns="91425" wrap="square" tIns="91425">
+            <a:normAutofit fontScale="90000"/>
+          </a:bodyPr>
+          <a:lstStyle/>
+          <a:p>
+            <a:pPr indent="0" lvl="0" marL="0" rtl="0" algn="l">
+              <a:spcBef>
+                <a:spcPts val="0"/>
+              </a:spcBef>
+              <a:spcAft>
+                <a:spcPts val="0"/>
+              </a:spcAft>
+              <a:buNone/>
+            </a:pPr>
+            <a:r>
+              <a:rPr lang="en-CA">
+                <a:solidFill>
+                  <a:srgbClr val="F3F3F3"/>
+                </a:solidFill>
+                <a:highlight>
+                  <a:srgbClr val="434343"/>
+                </a:highlight>
+              </a:rPr>
+              <a:t>Camera’s features</a:t>
+            </a:r>
+            <a:endParaRPr>
+              <a:solidFill>
+                <a:srgbClr val="F3F3F3"/>
+              </a:solidFill>
+              <a:highlight>
+                <a:srgbClr val="434343"/>
+              </a:highlight>
+            </a:endParaRPr>
+          </a:p>
+        </p:txBody>
+      </p:sp>
+      <p:sp>
+        <p:nvSpPr>
+          <p:cNvPr id="98" name="Google Shape;98;p20"/>
+          <p:cNvSpPr txBox="1"/>
+          <p:nvPr>
+            <p:ph idx="1" type="body"/>
+          </p:nvPr>
+        </p:nvSpPr>
+        <p:spPr>
+          <a:xfrm>
+            <a:off x="311700" y="1152475"/>
+            <a:ext cx="8520600" cy="3416400"/>
+          </a:xfrm>
+          <a:prstGeom prst="rect">
+            <a:avLst/>
+          </a:prstGeom>
+        </p:spPr>
+        <p:txBody>
+          <a:bodyPr anchorCtr="0" anchor="t" bIns="91425" lIns="91425" spcFirstLastPara="1" rIns="91425" wrap="square" tIns="91425">
+            <a:noAutofit/>
+          </a:bodyPr>
+          <a:lstStyle/>
+          <a:p>
+            <a:pPr indent="0" lvl="0" marL="0" rtl="0" algn="l">
+              <a:spcBef>
+                <a:spcPts val="0"/>
+              </a:spcBef>
+              <a:spcAft>
+                <a:spcPts val="0"/>
+              </a:spcAft>
+              <a:buClr>
+                <a:schemeClr val="dk1"/>
+              </a:buClr>
+              <a:buSzPts val="1100"/>
+              <a:buFont typeface="Arial"/>
+              <a:buNone/>
+            </a:pPr>
+            <a:r>
+              <a:rPr b="1" lang="en-CA">
+                <a:solidFill>
+                  <a:srgbClr val="F3F3F3"/>
+                </a:solidFill>
+                <a:highlight>
+                  <a:srgbClr val="434343"/>
+                </a:highlight>
+                <a:latin typeface="Arial"/>
+                <a:ea typeface="Arial"/>
+                <a:cs typeface="Arial"/>
+                <a:sym typeface="Arial"/>
+              </a:rPr>
+              <a:t>Camera Controls:</a:t>
+            </a:r>
+            <a:endParaRPr b="1">
+              <a:solidFill>
+                <a:srgbClr val="F3F3F3"/>
+              </a:solidFill>
+              <a:highlight>
+                <a:srgbClr val="434343"/>
+              </a:highlight>
+              <a:latin typeface="Arial"/>
+              <a:ea typeface="Arial"/>
+              <a:cs typeface="Arial"/>
+              <a:sym typeface="Arial"/>
+            </a:endParaRPr>
+          </a:p>
+          <a:p>
+            <a:pPr indent="-342900" lvl="0" marL="457200" rtl="0" algn="l">
+              <a:spcBef>
+                <a:spcPts val="1200"/>
+              </a:spcBef>
+              <a:spcAft>
+                <a:spcPts val="0"/>
+              </a:spcAft>
+              <a:buClr>
+                <a:srgbClr val="F3F3F3"/>
+              </a:buClr>
+              <a:buSzPts val="1800"/>
+              <a:buFont typeface="Arial"/>
+              <a:buChar char="●"/>
+            </a:pPr>
+            <a:r>
+              <a:rPr lang="en-CA">
+                <a:solidFill>
+                  <a:srgbClr val="F3F3F3"/>
+                </a:solidFill>
+                <a:highlight>
+                  <a:srgbClr val="434343"/>
+                </a:highlight>
+                <a:latin typeface="Arial"/>
+                <a:ea typeface="Arial"/>
+                <a:cs typeface="Arial"/>
+                <a:sym typeface="Arial"/>
+              </a:rPr>
+              <a:t>Free movement or lock onto a planet</a:t>
+            </a:r>
+            <a:endParaRPr>
+              <a:solidFill>
+                <a:srgbClr val="F3F3F3"/>
+              </a:solidFill>
+              <a:highlight>
+                <a:srgbClr val="434343"/>
+              </a:highlight>
+              <a:latin typeface="Arial"/>
+              <a:ea typeface="Arial"/>
+              <a:cs typeface="Arial"/>
+              <a:sym typeface="Arial"/>
+            </a:endParaRPr>
+          </a:p>
+          <a:p>
+            <a:pPr indent="0" lvl="0" marL="0" rtl="0" algn="l">
+              <a:spcBef>
+                <a:spcPts val="1200"/>
+              </a:spcBef>
+              <a:spcAft>
+                <a:spcPts val="0"/>
+              </a:spcAft>
+              <a:buClr>
+                <a:schemeClr val="dk1"/>
+              </a:buClr>
+              <a:buSzPts val="1100"/>
+              <a:buFont typeface="Arial"/>
+              <a:buNone/>
+            </a:pPr>
+            <a:r>
+              <a:rPr b="1" lang="en-CA">
+                <a:solidFill>
+                  <a:srgbClr val="F3F3F3"/>
+                </a:solidFill>
+                <a:highlight>
+                  <a:srgbClr val="434343"/>
+                </a:highlight>
+                <a:latin typeface="Arial"/>
+                <a:ea typeface="Arial"/>
+                <a:cs typeface="Arial"/>
+                <a:sym typeface="Arial"/>
+              </a:rPr>
+              <a:t>Pause/Play Function:</a:t>
+            </a:r>
+            <a:endParaRPr b="1">
+              <a:solidFill>
+                <a:srgbClr val="F3F3F3"/>
+              </a:solidFill>
+              <a:highlight>
+                <a:srgbClr val="434343"/>
+              </a:highlight>
+              <a:latin typeface="Arial"/>
+              <a:ea typeface="Arial"/>
+              <a:cs typeface="Arial"/>
+              <a:sym typeface="Arial"/>
+            </a:endParaRPr>
+          </a:p>
+          <a:p>
+            <a:pPr indent="-342900" lvl="0" marL="457200" rtl="0" algn="l">
+              <a:spcBef>
+                <a:spcPts val="1200"/>
+              </a:spcBef>
+              <a:spcAft>
+                <a:spcPts val="0"/>
+              </a:spcAft>
+              <a:buClr>
+                <a:srgbClr val="F3F3F3"/>
+              </a:buClr>
+              <a:buSzPts val="1800"/>
+              <a:buFont typeface="Arial"/>
+              <a:buChar char="●"/>
+            </a:pPr>
+            <a:r>
+              <a:rPr lang="en-CA">
+                <a:solidFill>
+                  <a:srgbClr val="F3F3F3"/>
+                </a:solidFill>
+                <a:highlight>
+                  <a:srgbClr val="434343"/>
+                </a:highlight>
+                <a:latin typeface="Arial"/>
+                <a:ea typeface="Arial"/>
+                <a:cs typeface="Arial"/>
+                <a:sym typeface="Arial"/>
+              </a:rPr>
+              <a:t>Stabilize positions for observation</a:t>
+            </a:r>
+            <a:endParaRPr>
+              <a:solidFill>
+                <a:srgbClr val="F3F3F3"/>
+              </a:solidFill>
+              <a:highlight>
+                <a:srgbClr val="434343"/>
+              </a:highlight>
+              <a:latin typeface="Arial"/>
+              <a:ea typeface="Arial"/>
+              <a:cs typeface="Arial"/>
+              <a:sym typeface="Arial"/>
+            </a:endParaRPr>
+          </a:p>
+          <a:p>
+            <a:pPr indent="0" lvl="0" marL="0" rtl="0" algn="l">
+              <a:spcBef>
+                <a:spcPts val="1200"/>
+              </a:spcBef>
+              <a:spcAft>
+                <a:spcPts val="0"/>
+              </a:spcAft>
+              <a:buClr>
+                <a:schemeClr val="dk1"/>
+              </a:buClr>
+              <a:buSzPts val="1100"/>
+              <a:buFont typeface="Arial"/>
+              <a:buNone/>
+            </a:pPr>
+            <a:r>
+              <a:rPr b="1" lang="en-CA">
+                <a:solidFill>
+                  <a:srgbClr val="F3F3F3"/>
+                </a:solidFill>
+                <a:highlight>
+                  <a:srgbClr val="434343"/>
+                </a:highlight>
+                <a:latin typeface="Arial"/>
+                <a:ea typeface="Arial"/>
+                <a:cs typeface="Arial"/>
+                <a:sym typeface="Arial"/>
+              </a:rPr>
+              <a:t>Info Window:</a:t>
+            </a:r>
+            <a:endParaRPr b="1">
+              <a:solidFill>
+                <a:srgbClr val="F3F3F3"/>
+              </a:solidFill>
+              <a:highlight>
+                <a:srgbClr val="434343"/>
+              </a:highlight>
+              <a:latin typeface="Arial"/>
+              <a:ea typeface="Arial"/>
+              <a:cs typeface="Arial"/>
+              <a:sym typeface="Arial"/>
+            </a:endParaRPr>
+          </a:p>
+          <a:p>
+            <a:pPr indent="-342900" lvl="0" marL="457200" rtl="0" algn="l">
+              <a:spcBef>
+                <a:spcPts val="1200"/>
+              </a:spcBef>
+              <a:spcAft>
+                <a:spcPts val="0"/>
+              </a:spcAft>
+              <a:buClr>
+                <a:srgbClr val="F3F3F3"/>
+              </a:buClr>
+              <a:buSzPts val="1800"/>
+              <a:buFont typeface="Arial"/>
+              <a:buChar char="●"/>
+            </a:pPr>
+            <a:r>
+              <a:rPr lang="en-CA">
+                <a:solidFill>
+                  <a:srgbClr val="F3F3F3"/>
+                </a:solidFill>
+                <a:highlight>
+                  <a:srgbClr val="434343"/>
+                </a:highlight>
+                <a:latin typeface="Arial"/>
+                <a:ea typeface="Arial"/>
+                <a:cs typeface="Arial"/>
+                <a:sym typeface="Arial"/>
+              </a:rPr>
+              <a:t>Displays mass, velocity, and other properties</a:t>
+            </a:r>
+            <a:endParaRPr>
+              <a:solidFill>
+                <a:srgbClr val="F3F3F3"/>
+              </a:solidFill>
+              <a:highlight>
+                <a:srgbClr val="434343"/>
+              </a:highlight>
+              <a:latin typeface="Arial"/>
+              <a:ea typeface="Arial"/>
+              <a:cs typeface="Arial"/>
+              <a:sym typeface="Arial"/>
+            </a:endParaRPr>
+          </a:p>
+          <a:p>
+            <a:pPr indent="0" lvl="0" marL="0" rtl="0" algn="l">
+              <a:spcBef>
+                <a:spcPts val="1200"/>
+              </a:spcBef>
+              <a:spcAft>
+                <a:spcPts val="1200"/>
+              </a:spcAft>
+              <a:buNone/>
+            </a:pPr>
+            <a:r>
+              <a:t/>
+            </a:r>
+            <a:endParaRPr>
+              <a:solidFill>
+                <a:srgbClr val="F3F3F3"/>
+              </a:solidFill>
+              <a:highlight>
+                <a:srgbClr val="434343"/>
+              </a:highlight>
+            </a:endParaRPr>
+          </a:p>
+        </p:txBody>
+      </p:sp>
+    </p:spTree>
+  </p:cSld>
+  <p:clrMapOvr>
+    <a:masterClrMapping/>
+  </p:clrMapOvr>
+</p:sld>
+</file>
+
 <file path=ppt/slides/slide9.xml><?xml version="1.0" encoding="utf-8"?>
 <p:sld xmlns:a="http://schemas.openxmlformats.org/drawingml/2006/main" xmlns:r="http://schemas.openxmlformats.org/officeDocument/2006/relationships" xmlns:mc="http://schemas.openxmlformats.org/markup-compatibility/2006" xmlns:mv="urn:schemas-microsoft-com:mac:vml" xmlns:p="http://schemas.openxmlformats.org/presentationml/2006/main" xmlns:c="http://schemas.openxmlformats.org/drawingml/2006/chart" xmlns:dgm="http://schemas.openxmlformats.org/drawingml/2006/diagram" xmlns:o="urn:schemas-microsoft-com:office:office" xmlns:v="urn:schemas-microsoft-com:vml" xmlns:pvml="urn:schemas-microsoft-com:office:powerpoint" xmlns:com="http://schemas.openxmlformats.org/drawingml/2006/compatibility" xmlns:p14="http://schemas.microsoft.com/office/powerpoint/2010/main" xmlns:p15="http://schemas.microsoft.com/office/powerpoint/2012/main" xmlns:ahyp="http://schemas.microsoft.com/office/drawing/2018/hyperlinkcolor">
   <p:cSld>
@@ -10017,6 +10517,285 @@
 </file>
 
 <file path=ppt/theme/theme1.xml><?xml version="1.0" encoding="utf-8"?>
+<a:theme xmlns:a="http://schemas.openxmlformats.org/drawingml/2006/main" xmlns:r="http://schemas.openxmlformats.org/officeDocument/2006/relationships">
+  <a:themeElements>
+    <a:clrScheme name="Default">
+      <a:dk1>
+        <a:srgbClr val="000000"/>
+      </a:dk1>
+      <a:lt1>
+        <a:srgbClr val="FFFFFF"/>
+      </a:lt1>
+      <a:dk2>
+        <a:srgbClr val="158158"/>
+      </a:dk2>
+      <a:lt2>
+        <a:srgbClr val="F3F3F3"/>
+      </a:lt2>
+      <a:accent1>
+        <a:srgbClr val="058DC7"/>
+      </a:accent1>
+      <a:accent2>
+        <a:srgbClr val="50B432"/>
+      </a:accent2>
+      <a:accent3>
+        <a:srgbClr val="ED561B"/>
+      </a:accent3>
+      <a:accent4>
+        <a:srgbClr val="EDEF00"/>
+      </a:accent4>
+      <a:accent5>
+        <a:srgbClr val="24CBE5"/>
+      </a:accent5>
+      <a:accent6>
+        <a:srgbClr val="64E572"/>
+      </a:accent6>
+      <a:hlink>
+        <a:srgbClr val="2200CC"/>
+      </a:hlink>
+      <a:folHlink>
+        <a:srgbClr val="551A8B"/>
+      </a:folHlink>
+    </a:clrScheme>
+    <a:fontScheme name="Office">
+      <a:majorFont>
+        <a:latin typeface="Arial"/>
+        <a:ea typeface=""/>
+        <a:cs typeface=""/>
+        <a:font script="Jpan" typeface="ＭＳ Ｐゴシック"/>
+        <a:font script="Hang" typeface="맑은 고딕"/>
+        <a:font script="Hans" typeface="宋体"/>
+        <a:font script="Hant" typeface="新細明體"/>
+        <a:font script="Arab" typeface="Times New Roman"/>
+        <a:font script="Hebr" typeface="Times New Roman"/>
+        <a:font script="Thai" typeface="Angsana New"/>
+        <a:font script="Ethi" typeface="Nyala"/>
+        <a:font script="Beng" typeface="Vrinda"/>
+        <a:font script="Gujr" typeface="Shruti"/>
+        <a:font script="Khmr" typeface="MoolBoran"/>
+        <a:font script="Knda" typeface="Tunga"/>
+        <a:font script="Guru" typeface="Raavi"/>
+        <a:font script="Cans" typeface="Euphemia"/>
+        <a:font script="Cher" typeface="Plantagenet Cherokee"/>
+        <a:font script="Yiii" typeface="Microsoft Yi Baiti"/>
+        <a:font script="Tibt" typeface="Microsoft Himalaya"/>
+        <a:font script="Thaa" typeface="MV Boli"/>
+        <a:font script="Deva" typeface="Mangal"/>
+        <a:font script="Telu" typeface="Gautami"/>
+        <a:font script="Taml" typeface="Latha"/>
+        <a:font script="Syrc" typeface="Estrangelo Edessa"/>
+        <a:font script="Orya" typeface="Kalinga"/>
+        <a:font script="Mlym" typeface="Kartika"/>
+        <a:font script="Laoo" typeface="DokChampa"/>
+        <a:font script="Sinh" typeface="Iskoola Pota"/>
+        <a:font script="Mong" typeface="Mongolian Baiti"/>
+        <a:font script="Viet" typeface="Times New Roman"/>
+        <a:font script="Uigh" typeface="Microsoft Uighur"/>
+        <a:font script="Geor" typeface="Sylfaen"/>
+      </a:majorFont>
+      <a:minorFont>
+        <a:latin typeface="Arial"/>
+        <a:ea typeface=""/>
+        <a:cs typeface=""/>
+        <a:font script="Jpan" typeface="ＭＳ Ｐゴシック"/>
+        <a:font script="Hang" typeface="맑은 고딕"/>
+        <a:font script="Hans" typeface="宋体"/>
+        <a:font script="Hant" typeface="新細明體"/>
+        <a:font script="Arab" typeface="Arial"/>
+        <a:font script="Hebr" typeface="Arial"/>
+        <a:font script="Thai" typeface="Cordia New"/>
+        <a:font script="Ethi" typeface="Nyala"/>
+        <a:font script="Beng" typeface="Vrinda"/>
+        <a:font script="Gujr" typeface="Shruti"/>
+        <a:font script="Khmr" typeface="DaunPenh"/>
+        <a:font script="Knda" typeface="Tunga"/>
+        <a:font script="Guru" typeface="Raavi"/>
+        <a:font script="Cans" typeface="Euphemia"/>
+        <a:font script="Cher" typeface="Plantagenet Cherokee"/>
+        <a:font script="Yiii" typeface="Microsoft Yi Baiti"/>
+        <a:font script="Tibt" typeface="Microsoft Himalaya"/>
+        <a:font script="Thaa" typeface="MV Boli"/>
+        <a:font script="Deva" typeface="Mangal"/>
+        <a:font script="Telu" typeface="Gautami"/>
+        <a:font script="Taml" typeface="Latha"/>
+        <a:font script="Syrc" typeface="Estrangelo Edessa"/>
+        <a:font script="Orya" typeface="Kalinga"/>
+        <a:font script="Mlym" typeface="Kartika"/>
+        <a:font script="Laoo" typeface="DokChampa"/>
+        <a:font script="Sinh" typeface="Iskoola Pota"/>
+        <a:font script="Mong" typeface="Mongolian Baiti"/>
+        <a:font script="Viet" typeface="Arial"/>
+        <a:font script="Uigh" typeface="Microsoft Uighur"/>
+        <a:font script="Geor" typeface="Sylfaen"/>
+      </a:minorFont>
+    </a:fontScheme>
+    <a:fmtScheme name="Office">
+      <a:fillStyleLst>
+        <a:solidFill>
+          <a:schemeClr val="phClr"/>
+        </a:solidFill>
+        <a:gradFill rotWithShape="1">
+          <a:gsLst>
+            <a:gs pos="0">
+              <a:schemeClr val="phClr">
+                <a:tint val="50000"/>
+                <a:satMod val="300000"/>
+              </a:schemeClr>
+            </a:gs>
+            <a:gs pos="35000">
+              <a:schemeClr val="phClr">
+                <a:tint val="37000"/>
+                <a:satMod val="300000"/>
+              </a:schemeClr>
+            </a:gs>
+            <a:gs pos="100000">
+              <a:schemeClr val="phClr">
+                <a:tint val="15000"/>
+                <a:satMod val="350000"/>
+              </a:schemeClr>
+            </a:gs>
+          </a:gsLst>
+          <a:lin ang="16200000" scaled="1"/>
+        </a:gradFill>
+        <a:gradFill rotWithShape="1">
+          <a:gsLst>
+            <a:gs pos="0">
+              <a:schemeClr val="phClr">
+                <a:tint val="100000"/>
+                <a:shade val="100000"/>
+                <a:satMod val="130000"/>
+              </a:schemeClr>
+            </a:gs>
+            <a:gs pos="100000">
+              <a:schemeClr val="phClr">
+                <a:tint val="50000"/>
+                <a:shade val="100000"/>
+                <a:satMod val="350000"/>
+              </a:schemeClr>
+            </a:gs>
+          </a:gsLst>
+          <a:lin ang="16200000" scaled="0"/>
+        </a:gradFill>
+      </a:fillStyleLst>
+      <a:lnStyleLst>
+        <a:ln w="9525" cap="flat" cmpd="sng" algn="ctr">
+          <a:solidFill>
+            <a:schemeClr val="phClr">
+              <a:shade val="95000"/>
+              <a:satMod val="105000"/>
+            </a:schemeClr>
+          </a:solidFill>
+          <a:prstDash val="solid"/>
+        </a:ln>
+        <a:ln w="25400" cap="flat" cmpd="sng" algn="ctr">
+          <a:solidFill>
+            <a:schemeClr val="phClr"/>
+          </a:solidFill>
+          <a:prstDash val="solid"/>
+        </a:ln>
+        <a:ln w="38100" cap="flat" cmpd="sng" algn="ctr">
+          <a:solidFill>
+            <a:schemeClr val="phClr"/>
+          </a:solidFill>
+          <a:prstDash val="solid"/>
+        </a:ln>
+      </a:lnStyleLst>
+      <a:effectStyleLst>
+        <a:effectStyle>
+          <a:effectLst>
+            <a:outerShdw blurRad="40000" dist="20000" dir="5400000" rotWithShape="0">
+              <a:srgbClr val="000000">
+                <a:alpha val="38000"/>
+              </a:srgbClr>
+            </a:outerShdw>
+          </a:effectLst>
+        </a:effectStyle>
+        <a:effectStyle>
+          <a:effectLst>
+            <a:outerShdw blurRad="40000" dist="23000" dir="5400000" rotWithShape="0">
+              <a:srgbClr val="000000">
+                <a:alpha val="35000"/>
+              </a:srgbClr>
+            </a:outerShdw>
+          </a:effectLst>
+        </a:effectStyle>
+        <a:effectStyle>
+          <a:effectLst>
+            <a:outerShdw blurRad="40000" dist="23000" dir="5400000" rotWithShape="0">
+              <a:srgbClr val="000000">
+                <a:alpha val="35000"/>
+              </a:srgbClr>
+            </a:outerShdw>
+          </a:effectLst>
+          <a:scene3d>
+            <a:camera prst="orthographicFront">
+              <a:rot lat="0" lon="0" rev="0"/>
+            </a:camera>
+            <a:lightRig rig="threePt" dir="t">
+              <a:rot lat="0" lon="0" rev="1200000"/>
+            </a:lightRig>
+          </a:scene3d>
+          <a:sp3d>
+            <a:bevelT w="63500" h="25400"/>
+          </a:sp3d>
+        </a:effectStyle>
+      </a:effectStyleLst>
+      <a:bgFillStyleLst>
+        <a:solidFill>
+          <a:schemeClr val="phClr"/>
+        </a:solidFill>
+        <a:gradFill rotWithShape="1">
+          <a:gsLst>
+            <a:gs pos="0">
+              <a:schemeClr val="phClr">
+                <a:tint val="40000"/>
+                <a:satMod val="350000"/>
+              </a:schemeClr>
+            </a:gs>
+            <a:gs pos="40000">
+              <a:schemeClr val="phClr">
+                <a:tint val="45000"/>
+                <a:shade val="99000"/>
+                <a:satMod val="350000"/>
+              </a:schemeClr>
+            </a:gs>
+            <a:gs pos="100000">
+              <a:schemeClr val="phClr">
+                <a:shade val="20000"/>
+                <a:satMod val="255000"/>
+              </a:schemeClr>
+            </a:gs>
+          </a:gsLst>
+          <a:path path="circle">
+            <a:fillToRect l="50000" t="-80000" r="50000" b="180000"/>
+          </a:path>
+        </a:gradFill>
+        <a:gradFill rotWithShape="1">
+          <a:gsLst>
+            <a:gs pos="0">
+              <a:schemeClr val="phClr">
+                <a:tint val="80000"/>
+                <a:satMod val="300000"/>
+              </a:schemeClr>
+            </a:gs>
+            <a:gs pos="100000">
+              <a:schemeClr val="phClr">
+                <a:shade val="30000"/>
+                <a:satMod val="200000"/>
+              </a:schemeClr>
+            </a:gs>
+          </a:gsLst>
+          <a:path path="circle">
+            <a:fillToRect l="50000" t="50000" r="50000" b="50000"/>
+          </a:path>
+        </a:gradFill>
+      </a:bgFillStyleLst>
+    </a:fmtScheme>
+  </a:themeElements>
+</a:theme>
+</file>
+
+<file path=ppt/theme/theme2.xml><?xml version="1.0" encoding="utf-8"?>
 <a:theme xmlns:a="http://schemas.openxmlformats.org/drawingml/2006/main" xmlns:r="http://schemas.openxmlformats.org/officeDocument/2006/relationships" name="Simple Light">
   <a:themeElements>
     <a:clrScheme name="Simple Light">
@@ -10293,283 +11072,4 @@
     </a:fmtScheme>
   </a:themeElements>
 </a:theme>
-</file>
-
-<file path=ppt/theme/theme2.xml><?xml version="1.0" encoding="utf-8"?>
-<a:theme xmlns:a="http://schemas.openxmlformats.org/drawingml/2006/main" xmlns:r="http://schemas.openxmlformats.org/officeDocument/2006/relationships">
-  <a:themeElements>
-    <a:clrScheme name="Default">
-      <a:dk1>
-        <a:srgbClr val="000000"/>
-      </a:dk1>
-      <a:lt1>
-        <a:srgbClr val="FFFFFF"/>
-      </a:lt1>
-      <a:dk2>
-        <a:srgbClr val="158158"/>
-      </a:dk2>
-      <a:lt2>
-        <a:srgbClr val="F3F3F3"/>
-      </a:lt2>
-      <a:accent1>
-        <a:srgbClr val="058DC7"/>
-      </a:accent1>
-      <a:accent2>
-        <a:srgbClr val="50B432"/>
-      </a:accent2>
-      <a:accent3>
-        <a:srgbClr val="ED561B"/>
-      </a:accent3>
-      <a:accent4>
-        <a:srgbClr val="EDEF00"/>
-      </a:accent4>
-      <a:accent5>
-        <a:srgbClr val="24CBE5"/>
-      </a:accent5>
-      <a:accent6>
-        <a:srgbClr val="64E572"/>
-      </a:accent6>
-      <a:hlink>
-        <a:srgbClr val="2200CC"/>
-      </a:hlink>
-      <a:folHlink>
-        <a:srgbClr val="551A8B"/>
-      </a:folHlink>
-    </a:clrScheme>
-    <a:fontScheme name="Office">
-      <a:majorFont>
-        <a:latin typeface="Arial"/>
-        <a:ea typeface=""/>
-        <a:cs typeface=""/>
-        <a:font script="Jpan" typeface="ＭＳ Ｐゴシック"/>
-        <a:font script="Hang" typeface="맑은 고딕"/>
-        <a:font script="Hans" typeface="宋体"/>
-        <a:font script="Hant" typeface="新細明體"/>
-        <a:font script="Arab" typeface="Times New Roman"/>
-        <a:font script="Hebr" typeface="Times New Roman"/>
-        <a:font script="Thai" typeface="Angsana New"/>
-        <a:font script="Ethi" typeface="Nyala"/>
-        <a:font script="Beng" typeface="Vrinda"/>
-        <a:font script="Gujr" typeface="Shruti"/>
-        <a:font script="Khmr" typeface="MoolBoran"/>
-        <a:font script="Knda" typeface="Tunga"/>
-        <a:font script="Guru" typeface="Raavi"/>
-        <a:font script="Cans" typeface="Euphemia"/>
-        <a:font script="Cher" typeface="Plantagenet Cherokee"/>
-        <a:font script="Yiii" typeface="Microsoft Yi Baiti"/>
-        <a:font script="Tibt" typeface="Microsoft Himalaya"/>
-        <a:font script="Thaa" typeface="MV Boli"/>
-        <a:font script="Deva" typeface="Mangal"/>
-        <a:font script="Telu" typeface="Gautami"/>
-        <a:font script="Taml" typeface="Latha"/>
-        <a:font script="Syrc" typeface="Estrangelo Edessa"/>
-        <a:font script="Orya" typeface="Kalinga"/>
-        <a:font script="Mlym" typeface="Kartika"/>
-        <a:font script="Laoo" typeface="DokChampa"/>
-        <a:font script="Sinh" typeface="Iskoola Pota"/>
-        <a:font script="Mong" typeface="Mongolian Baiti"/>
-        <a:font script="Viet" typeface="Times New Roman"/>
-        <a:font script="Uigh" typeface="Microsoft Uighur"/>
-        <a:font script="Geor" typeface="Sylfaen"/>
-      </a:majorFont>
-      <a:minorFont>
-        <a:latin typeface="Arial"/>
-        <a:ea typeface=""/>
-        <a:cs typeface=""/>
-        <a:font script="Jpan" typeface="ＭＳ Ｐゴシック"/>
-        <a:font script="Hang" typeface="맑은 고딕"/>
-        <a:font script="Hans" typeface="宋体"/>
-        <a:font script="Hant" typeface="新細明體"/>
-        <a:font script="Arab" typeface="Arial"/>
-        <a:font script="Hebr" typeface="Arial"/>
-        <a:font script="Thai" typeface="Cordia New"/>
-        <a:font script="Ethi" typeface="Nyala"/>
-        <a:font script="Beng" typeface="Vrinda"/>
-        <a:font script="Gujr" typeface="Shruti"/>
-        <a:font script="Khmr" typeface="DaunPenh"/>
-        <a:font script="Knda" typeface="Tunga"/>
-        <a:font script="Guru" typeface="Raavi"/>
-        <a:font script="Cans" typeface="Euphemia"/>
-        <a:font script="Cher" typeface="Plantagenet Cherokee"/>
-        <a:font script="Yiii" typeface="Microsoft Yi Baiti"/>
-        <a:font script="Tibt" typeface="Microsoft Himalaya"/>
-        <a:font script="Thaa" typeface="MV Boli"/>
-        <a:font script="Deva" typeface="Mangal"/>
-        <a:font script="Telu" typeface="Gautami"/>
-        <a:font script="Taml" typeface="Latha"/>
-        <a:font script="Syrc" typeface="Estrangelo Edessa"/>
-        <a:font script="Orya" typeface="Kalinga"/>
-        <a:font script="Mlym" typeface="Kartika"/>
-        <a:font script="Laoo" typeface="DokChampa"/>
-        <a:font script="Sinh" typeface="Iskoola Pota"/>
-        <a:font script="Mong" typeface="Mongolian Baiti"/>
-        <a:font script="Viet" typeface="Arial"/>
-        <a:font script="Uigh" typeface="Microsoft Uighur"/>
-        <a:font script="Geor" typeface="Sylfaen"/>
-      </a:minorFont>
-    </a:fontScheme>
-    <a:fmtScheme name="Office">
-      <a:fillStyleLst>
-        <a:solidFill>
-          <a:schemeClr val="phClr"/>
-        </a:solidFill>
-        <a:gradFill rotWithShape="1">
-          <a:gsLst>
-            <a:gs pos="0">
-              <a:schemeClr val="phClr">
-                <a:tint val="50000"/>
-                <a:satMod val="300000"/>
-              </a:schemeClr>
-            </a:gs>
-            <a:gs pos="35000">
-              <a:schemeClr val="phClr">
-                <a:tint val="37000"/>
-                <a:satMod val="300000"/>
-              </a:schemeClr>
-            </a:gs>
-            <a:gs pos="100000">
-              <a:schemeClr val="phClr">
-                <a:tint val="15000"/>
-                <a:satMod val="350000"/>
-              </a:schemeClr>
-            </a:gs>
-          </a:gsLst>
-          <a:lin ang="16200000" scaled="1"/>
-        </a:gradFill>
-        <a:gradFill rotWithShape="1">
-          <a:gsLst>
-            <a:gs pos="0">
-              <a:schemeClr val="phClr">
-                <a:tint val="100000"/>
-                <a:shade val="100000"/>
-                <a:satMod val="130000"/>
-              </a:schemeClr>
-            </a:gs>
-            <a:gs pos="100000">
-              <a:schemeClr val="phClr">
-                <a:tint val="50000"/>
-                <a:shade val="100000"/>
-                <a:satMod val="350000"/>
-              </a:schemeClr>
-            </a:gs>
-          </a:gsLst>
-          <a:lin ang="16200000" scaled="0"/>
-        </a:gradFill>
-      </a:fillStyleLst>
-      <a:lnStyleLst>
-        <a:ln w="9525" cap="flat" cmpd="sng" algn="ctr">
-          <a:solidFill>
-            <a:schemeClr val="phClr">
-              <a:shade val="95000"/>
-              <a:satMod val="105000"/>
-            </a:schemeClr>
-          </a:solidFill>
-          <a:prstDash val="solid"/>
-        </a:ln>
-        <a:ln w="25400" cap="flat" cmpd="sng" algn="ctr">
-          <a:solidFill>
-            <a:schemeClr val="phClr"/>
-          </a:solidFill>
-          <a:prstDash val="solid"/>
-        </a:ln>
-        <a:ln w="38100" cap="flat" cmpd="sng" algn="ctr">
-          <a:solidFill>
-            <a:schemeClr val="phClr"/>
-          </a:solidFill>
-          <a:prstDash val="solid"/>
-        </a:ln>
-      </a:lnStyleLst>
-      <a:effectStyleLst>
-        <a:effectStyle>
-          <a:effectLst>
-            <a:outerShdw blurRad="40000" dist="20000" dir="5400000" rotWithShape="0">
-              <a:srgbClr val="000000">
-                <a:alpha val="38000"/>
-              </a:srgbClr>
-            </a:outerShdw>
-          </a:effectLst>
-        </a:effectStyle>
-        <a:effectStyle>
-          <a:effectLst>
-            <a:outerShdw blurRad="40000" dist="23000" dir="5400000" rotWithShape="0">
-              <a:srgbClr val="000000">
-                <a:alpha val="35000"/>
-              </a:srgbClr>
-            </a:outerShdw>
-          </a:effectLst>
-        </a:effectStyle>
-        <a:effectStyle>
-          <a:effectLst>
-            <a:outerShdw blurRad="40000" dist="23000" dir="5400000" rotWithShape="0">
-              <a:srgbClr val="000000">
-                <a:alpha val="35000"/>
-              </a:srgbClr>
-            </a:outerShdw>
-          </a:effectLst>
-          <a:scene3d>
-            <a:camera prst="orthographicFront">
-              <a:rot lat="0" lon="0" rev="0"/>
-            </a:camera>
-            <a:lightRig rig="threePt" dir="t">
-              <a:rot lat="0" lon="0" rev="1200000"/>
-            </a:lightRig>
-          </a:scene3d>
-          <a:sp3d>
-            <a:bevelT w="63500" h="25400"/>
-          </a:sp3d>
-        </a:effectStyle>
-      </a:effectStyleLst>
-      <a:bgFillStyleLst>
-        <a:solidFill>
-          <a:schemeClr val="phClr"/>
-        </a:solidFill>
-        <a:gradFill rotWithShape="1">
-          <a:gsLst>
-            <a:gs pos="0">
-              <a:schemeClr val="phClr">
-                <a:tint val="40000"/>
-                <a:satMod val="350000"/>
-              </a:schemeClr>
-            </a:gs>
-            <a:gs pos="40000">
-              <a:schemeClr val="phClr">
-                <a:tint val="45000"/>
-                <a:shade val="99000"/>
-                <a:satMod val="350000"/>
-              </a:schemeClr>
-            </a:gs>
-            <a:gs pos="100000">
-              <a:schemeClr val="phClr">
-                <a:shade val="20000"/>
-                <a:satMod val="255000"/>
-              </a:schemeClr>
-            </a:gs>
-          </a:gsLst>
-          <a:path path="circle">
-            <a:fillToRect l="50000" t="-80000" r="50000" b="180000"/>
-          </a:path>
-        </a:gradFill>
-        <a:gradFill rotWithShape="1">
-          <a:gsLst>
-            <a:gs pos="0">
-              <a:schemeClr val="phClr">
-                <a:tint val="80000"/>
-                <a:satMod val="300000"/>
-              </a:schemeClr>
-            </a:gs>
-            <a:gs pos="100000">
-              <a:schemeClr val="phClr">
-                <a:shade val="30000"/>
-                <a:satMod val="200000"/>
-              </a:schemeClr>
-            </a:gs>
-          </a:gsLst>
-          <a:path path="circle">
-            <a:fillToRect l="50000" t="50000" r="50000" b="50000"/>
-          </a:path>
-        </a:gradFill>
-      </a:bgFillStyleLst>
-    </a:fmtScheme>
-  </a:themeElements>
-</a:theme>
 </file>